--- a/GUITestPlan.pptx
+++ b/GUITestPlan.pptx
@@ -4260,18 +4260,32 @@
           </a:p>
         </p:txBody>
       </p:sp>
-      <p:sp>
-        <p:nvSpPr>
-          <p:cNvPr id="2" name="Table Placeholder 1"/>
-          <p:cNvSpPr>
-            <a:spLocks noGrp="1"/>
-          </p:cNvSpPr>
+      <p:pic>
+        <p:nvPicPr>
+          <p:cNvPr id="3" name="Table Placeholder 2"/>
+          <p:cNvPicPr>
+            <a:picLocks noGrp="1" noChangeAspect="1"/>
+          </p:cNvPicPr>
           <p:nvPr>
             <p:ph type="tbl" idx="1"/>
           </p:nvPr>
-        </p:nvSpPr>
-        <p:spPr/>
-      </p:sp>
+        </p:nvPicPr>
+        <p:blipFill>
+          <a:blip r:embed="rId2"/>
+          <a:stretch>
+            <a:fillRect/>
+          </a:stretch>
+        </p:blipFill>
+        <p:spPr>
+          <a:xfrm>
+            <a:off x="1781175" y="1991519"/>
+            <a:ext cx="5581650" cy="3743325"/>
+          </a:xfrm>
+          <a:prstGeom prst="rect">
+            <a:avLst/>
+          </a:prstGeom>
+        </p:spPr>
+      </p:pic>
     </p:spTree>
   </p:cSld>
   <p:clrMapOvr>
@@ -4319,17 +4333,122 @@
           </a:p>
         </p:txBody>
       </p:sp>
-      <p:sp>
-        <p:nvSpPr>
-          <p:cNvPr id="2" name="Table Placeholder 1"/>
-          <p:cNvSpPr>
-            <a:spLocks noGrp="1"/>
-          </p:cNvSpPr>
-          <p:nvPr>
-            <p:ph type="tbl" idx="1"/>
-          </p:nvPr>
-        </p:nvSpPr>
-        <p:spPr/>
+      <p:pic>
+        <p:nvPicPr>
+          <p:cNvPr id="5" name="Picture 4"/>
+          <p:cNvPicPr>
+            <a:picLocks noChangeAspect="1"/>
+          </p:cNvPicPr>
+          <p:nvPr/>
+        </p:nvPicPr>
+        <p:blipFill rotWithShape="1">
+          <a:blip r:embed="rId2"/>
+          <a:srcRect t="1759"/>
+          <a:stretch/>
+        </p:blipFill>
+        <p:spPr>
+          <a:xfrm>
+            <a:off x="1785937" y="2001043"/>
+            <a:ext cx="5572125" cy="3724275"/>
+          </a:xfrm>
+          <a:prstGeom prst="rect">
+            <a:avLst/>
+          </a:prstGeom>
+        </p:spPr>
+      </p:pic>
+      <p:sp>
+        <p:nvSpPr>
+          <p:cNvPr id="6" name="TextBox 5"/>
+          <p:cNvSpPr txBox="1"/>
+          <p:nvPr/>
+        </p:nvSpPr>
+        <p:spPr>
+          <a:xfrm>
+            <a:off x="0" y="5847058"/>
+            <a:ext cx="9144000" cy="923330"/>
+          </a:xfrm>
+          <a:prstGeom prst="rect">
+            <a:avLst/>
+          </a:prstGeom>
+          <a:noFill/>
+        </p:spPr>
+        <p:txBody>
+          <a:bodyPr wrap="square" rtlCol="0">
+            <a:spAutoFit/>
+          </a:bodyPr>
+          <a:lstStyle/>
+          <a:p>
+            <a:r>
+              <a:rPr lang="en-US" i="1" dirty="0"/>
+              <a:t>[</a:t>
+            </a:r>
+            <a:r>
+              <a:rPr lang="en-US" i="1" dirty="0" err="1"/>
+              <a:t>meanDailyBookings</a:t>
+            </a:r>
+            <a:r>
+              <a:rPr lang="en-US" i="1" dirty="0"/>
+              <a:t>=1300.0, </a:t>
+            </a:r>
+            <a:r>
+              <a:rPr lang="en-US" i="1" dirty="0" err="1"/>
+              <a:t>sdDailyBookings</a:t>
+            </a:r>
+            <a:r>
+              <a:rPr lang="en-US" i="1" dirty="0"/>
+              <a:t>=429.0, seed=100, </a:t>
+            </a:r>
+            <a:r>
+              <a:rPr lang="en-US" i="1" dirty="0" err="1"/>
+              <a:t>firstProb</a:t>
+            </a:r>
+            <a:r>
+              <a:rPr lang="en-US" i="1" dirty="0"/>
+              <a:t>=0.3, </a:t>
+            </a:r>
+            <a:r>
+              <a:rPr lang="en-US" i="1" dirty="0" err="1"/>
+              <a:t>businessProb</a:t>
+            </a:r>
+            <a:r>
+              <a:rPr lang="en-US" i="1" dirty="0"/>
+              <a:t>=0.4, </a:t>
+            </a:r>
+            <a:r>
+              <a:rPr lang="en-US" i="1" dirty="0" err="1"/>
+              <a:t>premiumProb</a:t>
+            </a:r>
+            <a:r>
+              <a:rPr lang="en-US" i="1" dirty="0"/>
+              <a:t>=0.3, </a:t>
+            </a:r>
+            <a:r>
+              <a:rPr lang="en-US" i="1" dirty="0" err="1"/>
+              <a:t>economyProb</a:t>
+            </a:r>
+            <a:r>
+              <a:rPr lang="en-US" i="1" dirty="0"/>
+              <a:t>=0.7, </a:t>
+            </a:r>
+            <a:r>
+              <a:rPr lang="en-US" i="1" dirty="0" err="1"/>
+              <a:t>maxQueueSize</a:t>
+            </a:r>
+            <a:r>
+              <a:rPr lang="en-US" i="1" dirty="0"/>
+              <a:t>=0, </a:t>
+            </a:r>
+            <a:r>
+              <a:rPr lang="en-US" i="1" dirty="0" err="1"/>
+              <a:t>cancellationProb</a:t>
+            </a:r>
+            <a:r>
+              <a:rPr lang="en-US" i="1" dirty="0"/>
+              <a:t>=1.0] </a:t>
+            </a:r>
+            <a:endParaRPr lang="en-US" dirty="0"/>
+          </a:p>
+        </p:txBody>
       </p:sp>
     </p:spTree>
     <p:extLst>
@@ -4395,6 +4514,30 @@
         </p:nvSpPr>
         <p:spPr/>
       </p:sp>
+      <p:pic>
+        <p:nvPicPr>
+          <p:cNvPr id="6" name="Picture 5"/>
+          <p:cNvPicPr>
+            <a:picLocks noChangeAspect="1"/>
+          </p:cNvPicPr>
+          <p:nvPr/>
+        </p:nvPicPr>
+        <p:blipFill>
+          <a:blip r:embed="rId2"/>
+          <a:stretch>
+            <a:fillRect/>
+          </a:stretch>
+        </p:blipFill>
+        <p:spPr>
+          <a:xfrm>
+            <a:off x="1781175" y="1991518"/>
+            <a:ext cx="5581650" cy="3743325"/>
+          </a:xfrm>
+          <a:prstGeom prst="rect">
+            <a:avLst/>
+          </a:prstGeom>
+        </p:spPr>
+      </p:pic>
     </p:spTree>
     <p:extLst>
       <p:ext uri="{BB962C8B-B14F-4D97-AF65-F5344CB8AC3E}">
@@ -4459,6 +4602,29 @@
         </p:nvSpPr>
         <p:spPr/>
       </p:sp>
+      <p:pic>
+        <p:nvPicPr>
+          <p:cNvPr id="4" name="Picture 3"/>
+          <p:cNvPicPr>
+            <a:picLocks noChangeAspect="1"/>
+          </p:cNvPicPr>
+          <p:nvPr/>
+        </p:nvPicPr>
+        <p:blipFill rotWithShape="1">
+          <a:blip r:embed="rId2"/>
+          <a:srcRect l="993" t="1099" r="2318" b="3056"/>
+          <a:stretch/>
+        </p:blipFill>
+        <p:spPr>
+          <a:xfrm>
+            <a:off x="1790700" y="1996281"/>
+            <a:ext cx="5562600" cy="3733800"/>
+          </a:xfrm>
+          <a:prstGeom prst="rect">
+            <a:avLst/>
+          </a:prstGeom>
+        </p:spPr>
+      </p:pic>
     </p:spTree>
     <p:extLst>
       <p:ext uri="{BB962C8B-B14F-4D97-AF65-F5344CB8AC3E}">

--- a/GUITestPlan.pptx
+++ b/GUITestPlan.pptx
@@ -4278,7 +4278,7 @@
         </p:blipFill>
         <p:spPr>
           <a:xfrm>
-            <a:off x="1781175" y="1991519"/>
+            <a:off x="1781175" y="1760685"/>
             <a:ext cx="5581650" cy="3743325"/>
           </a:xfrm>
           <a:prstGeom prst="rect">
@@ -4286,6 +4286,100 @@
           </a:prstGeom>
         </p:spPr>
       </p:pic>
+      <p:sp>
+        <p:nvSpPr>
+          <p:cNvPr id="4" name="TextBox 3"/>
+          <p:cNvSpPr txBox="1"/>
+          <p:nvPr/>
+        </p:nvSpPr>
+        <p:spPr>
+          <a:xfrm>
+            <a:off x="0" y="5847058"/>
+            <a:ext cx="9144000" cy="923330"/>
+          </a:xfrm>
+          <a:prstGeom prst="rect">
+            <a:avLst/>
+          </a:prstGeom>
+          <a:noFill/>
+        </p:spPr>
+        <p:txBody>
+          <a:bodyPr wrap="square" rtlCol="0">
+            <a:spAutoFit/>
+          </a:bodyPr>
+          <a:lstStyle/>
+          <a:p>
+            <a:r>
+              <a:rPr lang="en-US" i="1" dirty="0"/>
+              <a:t>[</a:t>
+            </a:r>
+            <a:r>
+              <a:rPr lang="en-US" i="1" dirty="0" err="1"/>
+              <a:t>meanDailyBookings</a:t>
+            </a:r>
+            <a:r>
+              <a:rPr lang="en-US" i="1" dirty="0"/>
+              <a:t>=1300.0, </a:t>
+            </a:r>
+            <a:r>
+              <a:rPr lang="en-US" i="1" dirty="0" err="1"/>
+              <a:t>sdDailyBookings</a:t>
+            </a:r>
+            <a:r>
+              <a:rPr lang="en-US" i="1" dirty="0"/>
+              <a:t>=mean*0.33, seed=100, </a:t>
+            </a:r>
+            <a:r>
+              <a:rPr lang="en-US" i="1" dirty="0" err="1"/>
+              <a:t>firstProb</a:t>
+            </a:r>
+            <a:r>
+              <a:rPr lang="en-US" i="1" dirty="0"/>
+              <a:t>=0.3, </a:t>
+            </a:r>
+            <a:r>
+              <a:rPr lang="en-US" i="1" dirty="0" err="1"/>
+              <a:t>businessProb</a:t>
+            </a:r>
+            <a:r>
+              <a:rPr lang="en-US" i="1" dirty="0"/>
+              <a:t>=0.4, </a:t>
+            </a:r>
+            <a:r>
+              <a:rPr lang="en-US" i="1" dirty="0" err="1"/>
+              <a:t>premiumProb</a:t>
+            </a:r>
+            <a:r>
+              <a:rPr lang="en-US" i="1" dirty="0"/>
+              <a:t>=0.3, </a:t>
+            </a:r>
+            <a:r>
+              <a:rPr lang="en-US" i="1" dirty="0" err="1"/>
+              <a:t>economyProb</a:t>
+            </a:r>
+            <a:r>
+              <a:rPr lang="en-US" i="1" dirty="0"/>
+              <a:t>=0.7, </a:t>
+            </a:r>
+            <a:r>
+              <a:rPr lang="en-US" i="1" dirty="0" err="1"/>
+              <a:t>maxQueueSize</a:t>
+            </a:r>
+            <a:r>
+              <a:rPr lang="en-US" i="1" dirty="0"/>
+              <a:t>=500, </a:t>
+            </a:r>
+            <a:r>
+              <a:rPr lang="en-US" i="1" dirty="0" err="1"/>
+              <a:t>cancellationProb</a:t>
+            </a:r>
+            <a:r>
+              <a:rPr lang="en-US" i="1" dirty="0"/>
+              <a:t>=0.1] </a:t>
+            </a:r>
+            <a:endParaRPr lang="en-US" dirty="0"/>
+          </a:p>
+        </p:txBody>
+      </p:sp>
     </p:spTree>
   </p:cSld>
   <p:clrMapOvr>
@@ -4348,7 +4442,7 @@
         </p:blipFill>
         <p:spPr>
           <a:xfrm>
-            <a:off x="1785937" y="2001043"/>
+            <a:off x="1785937" y="1770210"/>
             <a:ext cx="5572125" cy="3724275"/>
           </a:xfrm>
           <a:prstGeom prst="rect">
@@ -4396,7 +4490,7 @@
             </a:r>
             <a:r>
               <a:rPr lang="en-US" i="1" dirty="0"/>
-              <a:t>=429.0, seed=100, </a:t>
+              <a:t>=mean*0.33, seed=100, </a:t>
             </a:r>
             <a:r>
               <a:rPr lang="en-US" i="1" dirty="0" err="1"/>
@@ -4436,7 +4530,7 @@
             </a:r>
             <a:r>
               <a:rPr lang="en-US" i="1" dirty="0"/>
-              <a:t>=0, </a:t>
+              <a:t>=500, </a:t>
             </a:r>
             <a:r>
               <a:rPr lang="en-US" i="1" dirty="0" err="1"/>
@@ -4444,7 +4538,7 @@
             </a:r>
             <a:r>
               <a:rPr lang="en-US" i="1" dirty="0"/>
-              <a:t>=1.0] </a:t>
+              <a:t>=0.1] </a:t>
             </a:r>
             <a:endParaRPr lang="en-US" dirty="0"/>
           </a:p>
@@ -4502,18 +4596,6 @@
           </a:p>
         </p:txBody>
       </p:sp>
-      <p:sp>
-        <p:nvSpPr>
-          <p:cNvPr id="2" name="Table Placeholder 1"/>
-          <p:cNvSpPr>
-            <a:spLocks noGrp="1"/>
-          </p:cNvSpPr>
-          <p:nvPr>
-            <p:ph type="tbl" idx="1"/>
-          </p:nvPr>
-        </p:nvSpPr>
-        <p:spPr/>
-      </p:sp>
       <p:pic>
         <p:nvPicPr>
           <p:cNvPr id="6" name="Picture 5"/>
@@ -4530,7 +4612,7 @@
         </p:blipFill>
         <p:spPr>
           <a:xfrm>
-            <a:off x="1781175" y="1991518"/>
+            <a:off x="1781175" y="1760685"/>
             <a:ext cx="5581650" cy="3743325"/>
           </a:xfrm>
           <a:prstGeom prst="rect">
@@ -4538,6 +4620,100 @@
           </a:prstGeom>
         </p:spPr>
       </p:pic>
+      <p:sp>
+        <p:nvSpPr>
+          <p:cNvPr id="5" name="TextBox 4"/>
+          <p:cNvSpPr txBox="1"/>
+          <p:nvPr/>
+        </p:nvSpPr>
+        <p:spPr>
+          <a:xfrm>
+            <a:off x="0" y="5847058"/>
+            <a:ext cx="9144000" cy="923330"/>
+          </a:xfrm>
+          <a:prstGeom prst="rect">
+            <a:avLst/>
+          </a:prstGeom>
+          <a:noFill/>
+        </p:spPr>
+        <p:txBody>
+          <a:bodyPr wrap="square" rtlCol="0">
+            <a:spAutoFit/>
+          </a:bodyPr>
+          <a:lstStyle/>
+          <a:p>
+            <a:r>
+              <a:rPr lang="en-US" i="1" dirty="0"/>
+              <a:t>[</a:t>
+            </a:r>
+            <a:r>
+              <a:rPr lang="en-US" i="1" dirty="0" err="1"/>
+              <a:t>meanDailyBookings</a:t>
+            </a:r>
+            <a:r>
+              <a:rPr lang="en-US" i="1" dirty="0"/>
+              <a:t>=-500, </a:t>
+            </a:r>
+            <a:r>
+              <a:rPr lang="en-US" i="1" dirty="0" err="1"/>
+              <a:t>sdDailyBookings</a:t>
+            </a:r>
+            <a:r>
+              <a:rPr lang="en-US" i="1" dirty="0"/>
+              <a:t>=mean*0.33, seed=100, </a:t>
+            </a:r>
+            <a:r>
+              <a:rPr lang="en-US" i="1" dirty="0" err="1"/>
+              <a:t>firstProb</a:t>
+            </a:r>
+            <a:r>
+              <a:rPr lang="en-US" i="1" dirty="0"/>
+              <a:t>=0.03, </a:t>
+            </a:r>
+            <a:r>
+              <a:rPr lang="en-US" i="1" dirty="0" err="1"/>
+              <a:t>businessProb</a:t>
+            </a:r>
+            <a:r>
+              <a:rPr lang="en-US" i="1" dirty="0"/>
+              <a:t>=0.14, </a:t>
+            </a:r>
+            <a:r>
+              <a:rPr lang="en-US" i="1" dirty="0" err="1"/>
+              <a:t>premiumProb</a:t>
+            </a:r>
+            <a:r>
+              <a:rPr lang="en-US" i="1" dirty="0"/>
+              <a:t>=0.13, </a:t>
+            </a:r>
+            <a:r>
+              <a:rPr lang="en-US" i="1" dirty="0" err="1"/>
+              <a:t>economyProb</a:t>
+            </a:r>
+            <a:r>
+              <a:rPr lang="en-US" i="1" dirty="0"/>
+              <a:t>=0.7, </a:t>
+            </a:r>
+            <a:r>
+              <a:rPr lang="en-US" i="1" dirty="0" err="1"/>
+              <a:t>maxQueueSize</a:t>
+            </a:r>
+            <a:r>
+              <a:rPr lang="en-US" i="1" dirty="0"/>
+              <a:t>=500, </a:t>
+            </a:r>
+            <a:r>
+              <a:rPr lang="en-US" i="1" dirty="0" err="1"/>
+              <a:t>cancellationProb</a:t>
+            </a:r>
+            <a:r>
+              <a:rPr lang="en-US" i="1" dirty="0"/>
+              <a:t>=0.1] </a:t>
+            </a:r>
+            <a:endParaRPr lang="en-US" dirty="0"/>
+          </a:p>
+        </p:txBody>
+      </p:sp>
     </p:spTree>
     <p:extLst>
       <p:ext uri="{BB962C8B-B14F-4D97-AF65-F5344CB8AC3E}">
@@ -4590,18 +4766,6 @@
           </a:p>
         </p:txBody>
       </p:sp>
-      <p:sp>
-        <p:nvSpPr>
-          <p:cNvPr id="2" name="Table Placeholder 1"/>
-          <p:cNvSpPr>
-            <a:spLocks noGrp="1"/>
-          </p:cNvSpPr>
-          <p:nvPr>
-            <p:ph type="tbl" idx="1"/>
-          </p:nvPr>
-        </p:nvSpPr>
-        <p:spPr/>
-      </p:sp>
       <p:pic>
         <p:nvPicPr>
           <p:cNvPr id="4" name="Picture 3"/>
@@ -4617,7 +4781,7 @@
         </p:blipFill>
         <p:spPr>
           <a:xfrm>
-            <a:off x="1790700" y="1996281"/>
+            <a:off x="1790700" y="1765448"/>
             <a:ext cx="5562600" cy="3733800"/>
           </a:xfrm>
           <a:prstGeom prst="rect">
@@ -4625,6 +4789,100 @@
           </a:prstGeom>
         </p:spPr>
       </p:pic>
+      <p:sp>
+        <p:nvSpPr>
+          <p:cNvPr id="5" name="TextBox 4"/>
+          <p:cNvSpPr txBox="1"/>
+          <p:nvPr/>
+        </p:nvSpPr>
+        <p:spPr>
+          <a:xfrm>
+            <a:off x="0" y="5847058"/>
+            <a:ext cx="9144000" cy="923330"/>
+          </a:xfrm>
+          <a:prstGeom prst="rect">
+            <a:avLst/>
+          </a:prstGeom>
+          <a:noFill/>
+        </p:spPr>
+        <p:txBody>
+          <a:bodyPr wrap="square" rtlCol="0">
+            <a:spAutoFit/>
+          </a:bodyPr>
+          <a:lstStyle/>
+          <a:p>
+            <a:r>
+              <a:rPr lang="en-US" i="1" dirty="0"/>
+              <a:t>[</a:t>
+            </a:r>
+            <a:r>
+              <a:rPr lang="en-US" i="1" dirty="0" err="1"/>
+              <a:t>meanDailyBookings</a:t>
+            </a:r>
+            <a:r>
+              <a:rPr lang="en-US" i="1" dirty="0"/>
+              <a:t>=-500, </a:t>
+            </a:r>
+            <a:r>
+              <a:rPr lang="en-US" i="1" dirty="0" err="1"/>
+              <a:t>sdDailyBookings</a:t>
+            </a:r>
+            <a:r>
+              <a:rPr lang="en-US" i="1" dirty="0"/>
+              <a:t>=mean*0.33, seed=100, </a:t>
+            </a:r>
+            <a:r>
+              <a:rPr lang="en-US" i="1" dirty="0" err="1"/>
+              <a:t>firstProb</a:t>
+            </a:r>
+            <a:r>
+              <a:rPr lang="en-US" i="1" dirty="0"/>
+              <a:t>=0.03, </a:t>
+            </a:r>
+            <a:r>
+              <a:rPr lang="en-US" i="1" dirty="0" err="1"/>
+              <a:t>businessProb</a:t>
+            </a:r>
+            <a:r>
+              <a:rPr lang="en-US" i="1" dirty="0"/>
+              <a:t>=0.14, </a:t>
+            </a:r>
+            <a:r>
+              <a:rPr lang="en-US" i="1" dirty="0" err="1"/>
+              <a:t>premiumProb</a:t>
+            </a:r>
+            <a:r>
+              <a:rPr lang="en-US" i="1" dirty="0"/>
+              <a:t>=0.13, </a:t>
+            </a:r>
+            <a:r>
+              <a:rPr lang="en-US" i="1" dirty="0" err="1"/>
+              <a:t>economyProb</a:t>
+            </a:r>
+            <a:r>
+              <a:rPr lang="en-US" i="1" dirty="0"/>
+              <a:t>=0.7, </a:t>
+            </a:r>
+            <a:r>
+              <a:rPr lang="en-US" i="1" dirty="0" err="1"/>
+              <a:t>maxQueueSize</a:t>
+            </a:r>
+            <a:r>
+              <a:rPr lang="en-US" i="1" dirty="0"/>
+              <a:t>=500, </a:t>
+            </a:r>
+            <a:r>
+              <a:rPr lang="en-US" i="1" dirty="0" err="1"/>
+              <a:t>cancellationProb</a:t>
+            </a:r>
+            <a:r>
+              <a:rPr lang="en-US" i="1" dirty="0"/>
+              <a:t>=0.1] </a:t>
+            </a:r>
+            <a:endParaRPr lang="en-US" dirty="0"/>
+          </a:p>
+        </p:txBody>
+      </p:sp>
     </p:spTree>
     <p:extLst>
       <p:ext uri="{BB962C8B-B14F-4D97-AF65-F5344CB8AC3E}">
@@ -4679,16 +4937,118 @@
       </p:sp>
       <p:sp>
         <p:nvSpPr>
-          <p:cNvPr id="2" name="Table Placeholder 1"/>
-          <p:cNvSpPr>
-            <a:spLocks noGrp="1"/>
-          </p:cNvSpPr>
-          <p:nvPr>
-            <p:ph type="tbl" idx="1"/>
-          </p:nvPr>
-        </p:nvSpPr>
-        <p:spPr/>
-      </p:sp>
+          <p:cNvPr id="4" name="TextBox 3"/>
+          <p:cNvSpPr txBox="1"/>
+          <p:nvPr/>
+        </p:nvSpPr>
+        <p:spPr>
+          <a:xfrm>
+            <a:off x="0" y="5847058"/>
+            <a:ext cx="9144000" cy="923330"/>
+          </a:xfrm>
+          <a:prstGeom prst="rect">
+            <a:avLst/>
+          </a:prstGeom>
+          <a:noFill/>
+        </p:spPr>
+        <p:txBody>
+          <a:bodyPr wrap="square" rtlCol="0">
+            <a:spAutoFit/>
+          </a:bodyPr>
+          <a:lstStyle/>
+          <a:p>
+            <a:r>
+              <a:rPr lang="en-US" i="1" dirty="0" err="1"/>
+              <a:t>meanDailyBookings</a:t>
+            </a:r>
+            <a:r>
+              <a:rPr lang="en-US" i="1" dirty="0"/>
+              <a:t>=1300.0, </a:t>
+            </a:r>
+            <a:r>
+              <a:rPr lang="en-US" i="1" dirty="0" err="1"/>
+              <a:t>sdDailyBookings</a:t>
+            </a:r>
+            <a:r>
+              <a:rPr lang="en-US" i="1" dirty="0"/>
+              <a:t>=429.0, seed=100, </a:t>
+            </a:r>
+            <a:r>
+              <a:rPr lang="en-US" i="1" dirty="0" err="1"/>
+              <a:t>firstProb</a:t>
+            </a:r>
+            <a:r>
+              <a:rPr lang="en-US" i="1" dirty="0"/>
+              <a:t>=0.03, </a:t>
+            </a:r>
+            <a:r>
+              <a:rPr lang="en-US" i="1" dirty="0" err="1"/>
+              <a:t>businessProb</a:t>
+            </a:r>
+            <a:r>
+              <a:rPr lang="en-US" i="1" dirty="0"/>
+              <a:t>=0.14, </a:t>
+            </a:r>
+            <a:r>
+              <a:rPr lang="en-US" i="1" dirty="0" err="1"/>
+              <a:t>premiumProb</a:t>
+            </a:r>
+            <a:r>
+              <a:rPr lang="en-US" i="1" dirty="0"/>
+              <a:t>=0.13, </a:t>
+            </a:r>
+            <a:r>
+              <a:rPr lang="en-US" i="1" dirty="0" err="1"/>
+              <a:t>economyProb</a:t>
+            </a:r>
+            <a:r>
+              <a:rPr lang="en-US" i="1" dirty="0"/>
+              <a:t>=0.7, </a:t>
+            </a:r>
+            <a:r>
+              <a:rPr lang="en-US" i="1" dirty="0" err="1"/>
+              <a:t>maxQueueSize</a:t>
+            </a:r>
+            <a:r>
+              <a:rPr lang="en-US" i="1" dirty="0"/>
+              <a:t>=0, </a:t>
+            </a:r>
+            <a:r>
+              <a:rPr lang="en-US" i="1" dirty="0" err="1"/>
+              <a:t>cancellationProb</a:t>
+            </a:r>
+            <a:r>
+              <a:rPr lang="en-US" i="1" dirty="0"/>
+              <a:t>=1.0] </a:t>
+            </a:r>
+            <a:endParaRPr lang="en-US" dirty="0"/>
+          </a:p>
+        </p:txBody>
+      </p:sp>
+      <p:pic>
+        <p:nvPicPr>
+          <p:cNvPr id="6" name="Picture 5"/>
+          <p:cNvPicPr>
+            <a:picLocks noChangeAspect="1"/>
+          </p:cNvPicPr>
+          <p:nvPr/>
+        </p:nvPicPr>
+        <p:blipFill>
+          <a:blip r:embed="rId2"/>
+          <a:stretch>
+            <a:fillRect/>
+          </a:stretch>
+        </p:blipFill>
+        <p:spPr>
+          <a:xfrm>
+            <a:off x="1781175" y="1760685"/>
+            <a:ext cx="5581650" cy="3743325"/>
+          </a:xfrm>
+          <a:prstGeom prst="rect">
+            <a:avLst/>
+          </a:prstGeom>
+        </p:spPr>
+      </p:pic>
     </p:spTree>
     <p:extLst>
       <p:ext uri="{BB962C8B-B14F-4D97-AF65-F5344CB8AC3E}">
@@ -4741,17 +5101,119 @@
           </a:p>
         </p:txBody>
       </p:sp>
-      <p:sp>
-        <p:nvSpPr>
-          <p:cNvPr id="2" name="Table Placeholder 1"/>
-          <p:cNvSpPr>
-            <a:spLocks noGrp="1"/>
-          </p:cNvSpPr>
-          <p:nvPr>
-            <p:ph type="tbl" idx="1"/>
-          </p:nvPr>
-        </p:nvSpPr>
-        <p:spPr/>
+      <p:pic>
+        <p:nvPicPr>
+          <p:cNvPr id="3" name="Picture 2"/>
+          <p:cNvPicPr>
+            <a:picLocks noChangeAspect="1"/>
+          </p:cNvPicPr>
+          <p:nvPr/>
+        </p:nvPicPr>
+        <p:blipFill>
+          <a:blip r:embed="rId2"/>
+          <a:stretch>
+            <a:fillRect/>
+          </a:stretch>
+        </p:blipFill>
+        <p:spPr>
+          <a:xfrm>
+            <a:off x="1781175" y="1760685"/>
+            <a:ext cx="5581650" cy="3743325"/>
+          </a:xfrm>
+          <a:prstGeom prst="rect">
+            <a:avLst/>
+          </a:prstGeom>
+        </p:spPr>
+      </p:pic>
+      <p:sp>
+        <p:nvSpPr>
+          <p:cNvPr id="5" name="TextBox 4"/>
+          <p:cNvSpPr txBox="1"/>
+          <p:nvPr/>
+        </p:nvSpPr>
+        <p:spPr>
+          <a:xfrm>
+            <a:off x="0" y="5847058"/>
+            <a:ext cx="9144000" cy="923330"/>
+          </a:xfrm>
+          <a:prstGeom prst="rect">
+            <a:avLst/>
+          </a:prstGeom>
+          <a:noFill/>
+        </p:spPr>
+        <p:txBody>
+          <a:bodyPr wrap="square" rtlCol="0">
+            <a:spAutoFit/>
+          </a:bodyPr>
+          <a:lstStyle/>
+          <a:p>
+            <a:r>
+              <a:rPr lang="en-US" i="1" dirty="0" err="1"/>
+              <a:t>meanDailyBookings</a:t>
+            </a:r>
+            <a:r>
+              <a:rPr lang="en-US" i="1" dirty="0"/>
+              <a:t>=1300.0, </a:t>
+            </a:r>
+            <a:r>
+              <a:rPr lang="en-US" i="1" dirty="0" err="1"/>
+              <a:t>sdDailyBookings</a:t>
+            </a:r>
+            <a:r>
+              <a:rPr lang="en-US" i="1" dirty="0"/>
+              <a:t>=429.0, seed=100, </a:t>
+            </a:r>
+            <a:r>
+              <a:rPr lang="en-US" i="1" dirty="0" err="1"/>
+              <a:t>firstProb</a:t>
+            </a:r>
+            <a:r>
+              <a:rPr lang="en-US" i="1" dirty="0"/>
+              <a:t>=0.03, </a:t>
+            </a:r>
+            <a:r>
+              <a:rPr lang="en-US" i="1" dirty="0" err="1"/>
+              <a:t>businessProb</a:t>
+            </a:r>
+            <a:r>
+              <a:rPr lang="en-US" i="1" dirty="0"/>
+              <a:t>=0.14, </a:t>
+            </a:r>
+            <a:r>
+              <a:rPr lang="en-US" i="1" dirty="0" err="1"/>
+              <a:t>premiumProb</a:t>
+            </a:r>
+            <a:r>
+              <a:rPr lang="en-US" i="1" dirty="0"/>
+              <a:t>=0.13, </a:t>
+            </a:r>
+            <a:r>
+              <a:rPr lang="en-US" i="1" dirty="0" err="1"/>
+              <a:t>economyProb</a:t>
+            </a:r>
+            <a:r>
+              <a:rPr lang="en-US" i="1" dirty="0"/>
+              <a:t>=0.7, </a:t>
+            </a:r>
+            <a:r>
+              <a:rPr lang="en-US" i="1" dirty="0" err="1"/>
+              <a:t>maxQueueSize</a:t>
+            </a:r>
+            <a:r>
+              <a:rPr lang="en-US" i="1" dirty="0"/>
+              <a:t>=0, </a:t>
+            </a:r>
+            <a:r>
+              <a:rPr lang="en-US" i="1" dirty="0" err="1"/>
+              <a:t>cancellationProb</a:t>
+            </a:r>
+            <a:r>
+              <a:rPr lang="en-US" i="1" dirty="0"/>
+              <a:t>=1.0] </a:t>
+            </a:r>
+            <a:endParaRPr lang="en-US" dirty="0"/>
+          </a:p>
+        </p:txBody>
       </p:sp>
     </p:spTree>
     <p:extLst>

--- a/GUITestPlan.pptx
+++ b/GUITestPlan.pptx
@@ -3723,18 +3723,30 @@
           </a:p>
         </p:txBody>
       </p:sp>
-      <p:sp>
-        <p:nvSpPr>
-          <p:cNvPr id="2" name="Table Placeholder 1"/>
-          <p:cNvSpPr>
-            <a:spLocks noGrp="1"/>
-          </p:cNvSpPr>
-          <p:nvPr>
-            <p:ph type="tbl" idx="1"/>
-          </p:nvPr>
-        </p:nvSpPr>
-        <p:spPr/>
-      </p:sp>
+      <p:pic>
+        <p:nvPicPr>
+          <p:cNvPr id="4" name="Picture 3"/>
+          <p:cNvPicPr>
+            <a:picLocks noChangeAspect="1"/>
+          </p:cNvPicPr>
+          <p:nvPr/>
+        </p:nvPicPr>
+        <p:blipFill>
+          <a:blip r:embed="rId2"/>
+          <a:stretch>
+            <a:fillRect/>
+          </a:stretch>
+        </p:blipFill>
+        <p:spPr>
+          <a:xfrm>
+            <a:off x="1781175" y="1557337"/>
+            <a:ext cx="5581650" cy="3743325"/>
+          </a:xfrm>
+          <a:prstGeom prst="rect">
+            <a:avLst/>
+          </a:prstGeom>
+        </p:spPr>
+      </p:pic>
     </p:spTree>
     <p:extLst>
       <p:ext uri="{BB962C8B-B14F-4D97-AF65-F5344CB8AC3E}">
@@ -3787,18 +3799,30 @@
           </a:p>
         </p:txBody>
       </p:sp>
-      <p:sp>
-        <p:nvSpPr>
-          <p:cNvPr id="2" name="Table Placeholder 1"/>
-          <p:cNvSpPr>
-            <a:spLocks noGrp="1"/>
-          </p:cNvSpPr>
-          <p:nvPr>
-            <p:ph type="tbl" idx="1"/>
-          </p:nvPr>
-        </p:nvSpPr>
-        <p:spPr/>
-      </p:sp>
+      <p:pic>
+        <p:nvPicPr>
+          <p:cNvPr id="3" name="Picture 2"/>
+          <p:cNvPicPr>
+            <a:picLocks noChangeAspect="1"/>
+          </p:cNvPicPr>
+          <p:nvPr/>
+        </p:nvPicPr>
+        <p:blipFill>
+          <a:blip r:embed="rId2"/>
+          <a:stretch>
+            <a:fillRect/>
+          </a:stretch>
+        </p:blipFill>
+        <p:spPr>
+          <a:xfrm>
+            <a:off x="1781175" y="1557337"/>
+            <a:ext cx="5581650" cy="3743325"/>
+          </a:xfrm>
+          <a:prstGeom prst="rect">
+            <a:avLst/>
+          </a:prstGeom>
+        </p:spPr>
+      </p:pic>
     </p:spTree>
     <p:extLst>
       <p:ext uri="{BB962C8B-B14F-4D97-AF65-F5344CB8AC3E}">
@@ -3853,16 +3877,122 @@
       </p:sp>
       <p:sp>
         <p:nvSpPr>
-          <p:cNvPr id="2" name="Table Placeholder 1"/>
-          <p:cNvSpPr>
-            <a:spLocks noGrp="1"/>
-          </p:cNvSpPr>
-          <p:nvPr>
-            <p:ph type="tbl" idx="1"/>
-          </p:nvPr>
-        </p:nvSpPr>
-        <p:spPr/>
-      </p:sp>
+          <p:cNvPr id="4" name="TextBox 3"/>
+          <p:cNvSpPr txBox="1"/>
+          <p:nvPr/>
+        </p:nvSpPr>
+        <p:spPr>
+          <a:xfrm>
+            <a:off x="0" y="5847058"/>
+            <a:ext cx="9144000" cy="923330"/>
+          </a:xfrm>
+          <a:prstGeom prst="rect">
+            <a:avLst/>
+          </a:prstGeom>
+          <a:noFill/>
+        </p:spPr>
+        <p:txBody>
+          <a:bodyPr wrap="square" rtlCol="0">
+            <a:spAutoFit/>
+          </a:bodyPr>
+          <a:lstStyle/>
+          <a:p>
+            <a:r>
+              <a:rPr lang="en-US" i="1" dirty="0"/>
+              <a:t>Simulator [</a:t>
+            </a:r>
+            <a:r>
+              <a:rPr lang="en-US" i="1" dirty="0" err="1"/>
+              <a:t>meanDailyBookings</a:t>
+            </a:r>
+            <a:r>
+              <a:rPr lang="en-US" i="1" dirty="0"/>
+              <a:t>=2000.0, </a:t>
+            </a:r>
+            <a:r>
+              <a:rPr lang="en-US" i="1" dirty="0" err="1"/>
+              <a:t>sdDailyBookings</a:t>
+            </a:r>
+            <a:r>
+              <a:rPr lang="en-US" i="1" dirty="0"/>
+              <a:t>=660.0, seed=100, </a:t>
+            </a:r>
+            <a:r>
+              <a:rPr lang="en-US" i="1" dirty="0" err="1"/>
+              <a:t>firstProb</a:t>
+            </a:r>
+            <a:r>
+              <a:rPr lang="en-US" i="1" dirty="0"/>
+              <a:t>=0.1, </a:t>
+            </a:r>
+            <a:r>
+              <a:rPr lang="en-US" i="1" dirty="0" err="1"/>
+              <a:t>businessProb</a:t>
+            </a:r>
+            <a:r>
+              <a:rPr lang="en-US" i="1" dirty="0"/>
+              <a:t>=0.2, </a:t>
+            </a:r>
+            <a:r>
+              <a:rPr lang="en-US" i="1" dirty="0" err="1"/>
+              <a:t>premiumProb</a:t>
+            </a:r>
+            <a:r>
+              <a:rPr lang="en-US" i="1" dirty="0"/>
+              <a:t>=0.0, </a:t>
+            </a:r>
+            <a:r>
+              <a:rPr lang="en-US" i="1" dirty="0" err="1"/>
+              <a:t>economyProb</a:t>
+            </a:r>
+            <a:r>
+              <a:rPr lang="en-US" i="1" dirty="0"/>
+              <a:t>=0.7, </a:t>
+            </a:r>
+            <a:r>
+              <a:rPr lang="en-US" i="1" dirty="0" err="1"/>
+              <a:t>maxQueueSize</a:t>
+            </a:r>
+            <a:r>
+              <a:rPr lang="en-US" i="1" dirty="0"/>
+              <a:t>=1000, </a:t>
+            </a:r>
+            <a:r>
+              <a:rPr lang="en-US" i="1" dirty="0" err="1"/>
+              <a:t>cancellationProb</a:t>
+            </a:r>
+            <a:r>
+              <a:rPr lang="en-US" i="1" dirty="0"/>
+              <a:t>=0.1] </a:t>
+            </a:r>
+            <a:endParaRPr lang="en-US" dirty="0"/>
+          </a:p>
+        </p:txBody>
+      </p:sp>
+      <p:pic>
+        <p:nvPicPr>
+          <p:cNvPr id="5" name="Picture 4"/>
+          <p:cNvPicPr>
+            <a:picLocks noChangeAspect="1"/>
+          </p:cNvPicPr>
+          <p:nvPr/>
+        </p:nvPicPr>
+        <p:blipFill>
+          <a:blip r:embed="rId2"/>
+          <a:stretch>
+            <a:fillRect/>
+          </a:stretch>
+        </p:blipFill>
+        <p:spPr>
+          <a:xfrm>
+            <a:off x="1781175" y="1557337"/>
+            <a:ext cx="5581650" cy="3743325"/>
+          </a:xfrm>
+          <a:prstGeom prst="rect">
+            <a:avLst/>
+          </a:prstGeom>
+        </p:spPr>
+      </p:pic>
     </p:spTree>
     <p:extLst>
       <p:ext uri="{BB962C8B-B14F-4D97-AF65-F5344CB8AC3E}">
@@ -3915,17 +4045,123 @@
           </a:p>
         </p:txBody>
       </p:sp>
-      <p:sp>
-        <p:nvSpPr>
-          <p:cNvPr id="2" name="Table Placeholder 1"/>
-          <p:cNvSpPr>
-            <a:spLocks noGrp="1"/>
-          </p:cNvSpPr>
-          <p:nvPr>
-            <p:ph type="tbl" idx="1"/>
-          </p:nvPr>
-        </p:nvSpPr>
-        <p:spPr/>
+      <p:pic>
+        <p:nvPicPr>
+          <p:cNvPr id="3" name="Picture 2"/>
+          <p:cNvPicPr>
+            <a:picLocks noChangeAspect="1"/>
+          </p:cNvPicPr>
+          <p:nvPr/>
+        </p:nvPicPr>
+        <p:blipFill>
+          <a:blip r:embed="rId2"/>
+          <a:stretch>
+            <a:fillRect/>
+          </a:stretch>
+        </p:blipFill>
+        <p:spPr>
+          <a:xfrm>
+            <a:off x="1781175" y="1557337"/>
+            <a:ext cx="5581650" cy="3743325"/>
+          </a:xfrm>
+          <a:prstGeom prst="rect">
+            <a:avLst/>
+          </a:prstGeom>
+        </p:spPr>
+      </p:pic>
+      <p:sp>
+        <p:nvSpPr>
+          <p:cNvPr id="5" name="TextBox 4"/>
+          <p:cNvSpPr txBox="1"/>
+          <p:nvPr/>
+        </p:nvSpPr>
+        <p:spPr>
+          <a:xfrm>
+            <a:off x="0" y="5847058"/>
+            <a:ext cx="9144000" cy="923330"/>
+          </a:xfrm>
+          <a:prstGeom prst="rect">
+            <a:avLst/>
+          </a:prstGeom>
+          <a:noFill/>
+        </p:spPr>
+        <p:txBody>
+          <a:bodyPr wrap="square" rtlCol="0">
+            <a:spAutoFit/>
+          </a:bodyPr>
+          <a:lstStyle/>
+          <a:p>
+            <a:r>
+              <a:rPr lang="en-US" i="1" dirty="0"/>
+              <a:t>Simulator [</a:t>
+            </a:r>
+            <a:r>
+              <a:rPr lang="en-US" i="1" dirty="0" err="1"/>
+              <a:t>meanDailyBookings</a:t>
+            </a:r>
+            <a:r>
+              <a:rPr lang="en-US" i="1" dirty="0"/>
+              <a:t>=2000.0, </a:t>
+            </a:r>
+            <a:r>
+              <a:rPr lang="en-US" i="1" dirty="0" err="1"/>
+              <a:t>sdDailyBookings</a:t>
+            </a:r>
+            <a:r>
+              <a:rPr lang="en-US" i="1" dirty="0"/>
+              <a:t>=660.0, seed=100, </a:t>
+            </a:r>
+            <a:r>
+              <a:rPr lang="en-US" i="1" dirty="0" err="1"/>
+              <a:t>firstProb</a:t>
+            </a:r>
+            <a:r>
+              <a:rPr lang="en-US" i="1" dirty="0"/>
+              <a:t>=0.1, </a:t>
+            </a:r>
+            <a:r>
+              <a:rPr lang="en-US" i="1" dirty="0" err="1"/>
+              <a:t>businessProb</a:t>
+            </a:r>
+            <a:r>
+              <a:rPr lang="en-US" i="1" dirty="0"/>
+              <a:t>=0.2, </a:t>
+            </a:r>
+            <a:r>
+              <a:rPr lang="en-US" i="1" dirty="0" err="1"/>
+              <a:t>premiumProb</a:t>
+            </a:r>
+            <a:r>
+              <a:rPr lang="en-US" i="1" dirty="0"/>
+              <a:t>=0.0, </a:t>
+            </a:r>
+            <a:r>
+              <a:rPr lang="en-US" i="1" dirty="0" err="1"/>
+              <a:t>economyProb</a:t>
+            </a:r>
+            <a:r>
+              <a:rPr lang="en-US" i="1" dirty="0"/>
+              <a:t>=0.7, </a:t>
+            </a:r>
+            <a:r>
+              <a:rPr lang="en-US" i="1" dirty="0" err="1"/>
+              <a:t>maxQueueSize</a:t>
+            </a:r>
+            <a:r>
+              <a:rPr lang="en-US" i="1" dirty="0"/>
+              <a:t>=1000, </a:t>
+            </a:r>
+            <a:r>
+              <a:rPr lang="en-US" i="1" dirty="0" err="1"/>
+              <a:t>cancellationProb</a:t>
+            </a:r>
+            <a:r>
+              <a:rPr lang="en-US" i="1" dirty="0"/>
+              <a:t>=0.1] </a:t>
+            </a:r>
+            <a:endParaRPr lang="en-US" dirty="0"/>
+          </a:p>
+        </p:txBody>
       </p:sp>
     </p:spTree>
     <p:extLst>
@@ -3981,16 +4217,122 @@
       </p:sp>
       <p:sp>
         <p:nvSpPr>
-          <p:cNvPr id="2" name="Table Placeholder 1"/>
-          <p:cNvSpPr>
-            <a:spLocks noGrp="1"/>
-          </p:cNvSpPr>
-          <p:nvPr>
-            <p:ph type="tbl" idx="1"/>
-          </p:nvPr>
-        </p:nvSpPr>
-        <p:spPr/>
-      </p:sp>
+          <p:cNvPr id="4" name="TextBox 3"/>
+          <p:cNvSpPr txBox="1"/>
+          <p:nvPr/>
+        </p:nvSpPr>
+        <p:spPr>
+          <a:xfrm>
+            <a:off x="0" y="5847058"/>
+            <a:ext cx="9144000" cy="923330"/>
+          </a:xfrm>
+          <a:prstGeom prst="rect">
+            <a:avLst/>
+          </a:prstGeom>
+          <a:noFill/>
+        </p:spPr>
+        <p:txBody>
+          <a:bodyPr wrap="square" rtlCol="0">
+            <a:spAutoFit/>
+          </a:bodyPr>
+          <a:lstStyle/>
+          <a:p>
+            <a:r>
+              <a:rPr lang="en-US" i="1" dirty="0"/>
+              <a:t>Simulator [</a:t>
+            </a:r>
+            <a:r>
+              <a:rPr lang="en-US" i="1" dirty="0" err="1"/>
+              <a:t>meanDailyBookings</a:t>
+            </a:r>
+            <a:r>
+              <a:rPr lang="en-US" i="1" dirty="0"/>
+              <a:t>=1600.0, </a:t>
+            </a:r>
+            <a:r>
+              <a:rPr lang="en-US" i="1" dirty="0" err="1"/>
+              <a:t>sdDailyBookings</a:t>
+            </a:r>
+            <a:r>
+              <a:rPr lang="en-US" i="1" dirty="0"/>
+              <a:t>=528.0, seed=100, </a:t>
+            </a:r>
+            <a:r>
+              <a:rPr lang="en-US" i="1" dirty="0" err="1"/>
+              <a:t>firstProb</a:t>
+            </a:r>
+            <a:r>
+              <a:rPr lang="en-US" i="1" dirty="0"/>
+              <a:t>=0.1, </a:t>
+            </a:r>
+            <a:r>
+              <a:rPr lang="en-US" i="1" dirty="0" err="1"/>
+              <a:t>businessProb</a:t>
+            </a:r>
+            <a:r>
+              <a:rPr lang="en-US" i="1" dirty="0"/>
+              <a:t>=0.2, </a:t>
+            </a:r>
+            <a:r>
+              <a:rPr lang="en-US" i="1" dirty="0" err="1"/>
+              <a:t>premiumProb</a:t>
+            </a:r>
+            <a:r>
+              <a:rPr lang="en-US" i="1" dirty="0"/>
+              <a:t>=0.1, </a:t>
+            </a:r>
+            <a:r>
+              <a:rPr lang="en-US" i="1" dirty="0" err="1"/>
+              <a:t>economyProb</a:t>
+            </a:r>
+            <a:r>
+              <a:rPr lang="en-US" i="1" dirty="0"/>
+              <a:t>=0.6, </a:t>
+            </a:r>
+            <a:r>
+              <a:rPr lang="en-US" i="1" dirty="0" err="1"/>
+              <a:t>maxQueueSize</a:t>
+            </a:r>
+            <a:r>
+              <a:rPr lang="en-US" i="1" dirty="0"/>
+              <a:t>=50000, </a:t>
+            </a:r>
+            <a:r>
+              <a:rPr lang="en-US" i="1" dirty="0" err="1"/>
+              <a:t>cancellationProb</a:t>
+            </a:r>
+            <a:r>
+              <a:rPr lang="en-US" i="1" dirty="0"/>
+              <a:t>=0.1] </a:t>
+            </a:r>
+            <a:endParaRPr lang="en-US" dirty="0"/>
+          </a:p>
+        </p:txBody>
+      </p:sp>
+      <p:pic>
+        <p:nvPicPr>
+          <p:cNvPr id="3" name="Picture 2"/>
+          <p:cNvPicPr>
+            <a:picLocks noChangeAspect="1"/>
+          </p:cNvPicPr>
+          <p:nvPr/>
+        </p:nvPicPr>
+        <p:blipFill>
+          <a:blip r:embed="rId2"/>
+          <a:stretch>
+            <a:fillRect/>
+          </a:stretch>
+        </p:blipFill>
+        <p:spPr>
+          <a:xfrm>
+            <a:off x="1781175" y="1557337"/>
+            <a:ext cx="5581650" cy="3743325"/>
+          </a:xfrm>
+          <a:prstGeom prst="rect">
+            <a:avLst/>
+          </a:prstGeom>
+        </p:spPr>
+      </p:pic>
     </p:spTree>
     <p:extLst>
       <p:ext uri="{BB962C8B-B14F-4D97-AF65-F5344CB8AC3E}">
@@ -4045,16 +4387,122 @@
       </p:sp>
       <p:sp>
         <p:nvSpPr>
-          <p:cNvPr id="2" name="Table Placeholder 1"/>
-          <p:cNvSpPr>
-            <a:spLocks noGrp="1"/>
-          </p:cNvSpPr>
-          <p:nvPr>
-            <p:ph type="tbl" idx="1"/>
-          </p:nvPr>
-        </p:nvSpPr>
-        <p:spPr/>
-      </p:sp>
+          <p:cNvPr id="4" name="TextBox 3"/>
+          <p:cNvSpPr txBox="1"/>
+          <p:nvPr/>
+        </p:nvSpPr>
+        <p:spPr>
+          <a:xfrm>
+            <a:off x="0" y="5847058"/>
+            <a:ext cx="9144000" cy="923330"/>
+          </a:xfrm>
+          <a:prstGeom prst="rect">
+            <a:avLst/>
+          </a:prstGeom>
+          <a:noFill/>
+        </p:spPr>
+        <p:txBody>
+          <a:bodyPr wrap="square" rtlCol="0">
+            <a:spAutoFit/>
+          </a:bodyPr>
+          <a:lstStyle/>
+          <a:p>
+            <a:r>
+              <a:rPr lang="en-US" i="1" dirty="0"/>
+              <a:t>Simulator [</a:t>
+            </a:r>
+            <a:r>
+              <a:rPr lang="en-US" i="1" dirty="0" err="1"/>
+              <a:t>meanDailyBookings</a:t>
+            </a:r>
+            <a:r>
+              <a:rPr lang="en-US" i="1" dirty="0"/>
+              <a:t>=1600.0, </a:t>
+            </a:r>
+            <a:r>
+              <a:rPr lang="en-US" i="1" dirty="0" err="1"/>
+              <a:t>sdDailyBookings</a:t>
+            </a:r>
+            <a:r>
+              <a:rPr lang="en-US" i="1" dirty="0"/>
+              <a:t>=528.0, seed=100, </a:t>
+            </a:r>
+            <a:r>
+              <a:rPr lang="en-US" i="1" dirty="0" err="1"/>
+              <a:t>firstProb</a:t>
+            </a:r>
+            <a:r>
+              <a:rPr lang="en-US" i="1" dirty="0"/>
+              <a:t>=0.1, </a:t>
+            </a:r>
+            <a:r>
+              <a:rPr lang="en-US" i="1" dirty="0" err="1"/>
+              <a:t>businessProb</a:t>
+            </a:r>
+            <a:r>
+              <a:rPr lang="en-US" i="1" dirty="0"/>
+              <a:t>=0.2, </a:t>
+            </a:r>
+            <a:r>
+              <a:rPr lang="en-US" i="1" dirty="0" err="1"/>
+              <a:t>premiumProb</a:t>
+            </a:r>
+            <a:r>
+              <a:rPr lang="en-US" i="1" dirty="0"/>
+              <a:t>=0.1, </a:t>
+            </a:r>
+            <a:r>
+              <a:rPr lang="en-US" i="1" dirty="0" err="1"/>
+              <a:t>economyProb</a:t>
+            </a:r>
+            <a:r>
+              <a:rPr lang="en-US" i="1" dirty="0"/>
+              <a:t>=0.6, </a:t>
+            </a:r>
+            <a:r>
+              <a:rPr lang="en-US" i="1" dirty="0" err="1"/>
+              <a:t>maxQueueSize</a:t>
+            </a:r>
+            <a:r>
+              <a:rPr lang="en-US" i="1" dirty="0"/>
+              <a:t>=50000, </a:t>
+            </a:r>
+            <a:r>
+              <a:rPr lang="en-US" i="1" dirty="0" err="1"/>
+              <a:t>cancellationProb</a:t>
+            </a:r>
+            <a:r>
+              <a:rPr lang="en-US" i="1" dirty="0"/>
+              <a:t>=0.1] </a:t>
+            </a:r>
+            <a:endParaRPr lang="en-US" dirty="0"/>
+          </a:p>
+        </p:txBody>
+      </p:sp>
+      <p:pic>
+        <p:nvPicPr>
+          <p:cNvPr id="3" name="Picture 2"/>
+          <p:cNvPicPr>
+            <a:picLocks noChangeAspect="1"/>
+          </p:cNvPicPr>
+          <p:nvPr/>
+        </p:nvPicPr>
+        <p:blipFill>
+          <a:blip r:embed="rId2"/>
+          <a:stretch>
+            <a:fillRect/>
+          </a:stretch>
+        </p:blipFill>
+        <p:spPr>
+          <a:xfrm>
+            <a:off x="1781175" y="1557337"/>
+            <a:ext cx="5581650" cy="3743325"/>
+          </a:xfrm>
+          <a:prstGeom prst="rect">
+            <a:avLst/>
+          </a:prstGeom>
+        </p:spPr>
+      </p:pic>
     </p:spTree>
     <p:extLst>
       <p:ext uri="{BB962C8B-B14F-4D97-AF65-F5344CB8AC3E}">
@@ -5101,9 +5549,99 @@
           </a:p>
         </p:txBody>
       </p:sp>
+      <p:sp>
+        <p:nvSpPr>
+          <p:cNvPr id="5" name="TextBox 4"/>
+          <p:cNvSpPr txBox="1"/>
+          <p:nvPr/>
+        </p:nvSpPr>
+        <p:spPr>
+          <a:xfrm>
+            <a:off x="0" y="5847058"/>
+            <a:ext cx="9144000" cy="923330"/>
+          </a:xfrm>
+          <a:prstGeom prst="rect">
+            <a:avLst/>
+          </a:prstGeom>
+          <a:noFill/>
+        </p:spPr>
+        <p:txBody>
+          <a:bodyPr wrap="square" rtlCol="0">
+            <a:spAutoFit/>
+          </a:bodyPr>
+          <a:lstStyle/>
+          <a:p>
+            <a:r>
+              <a:rPr lang="en-US" i="1" dirty="0" err="1"/>
+              <a:t>meanDailyBookings</a:t>
+            </a:r>
+            <a:r>
+              <a:rPr lang="en-US" i="1" dirty="0"/>
+              <a:t>=1300.0, </a:t>
+            </a:r>
+            <a:r>
+              <a:rPr lang="en-US" i="1" dirty="0" err="1"/>
+              <a:t>sdDailyBookings</a:t>
+            </a:r>
+            <a:r>
+              <a:rPr lang="en-US" i="1" dirty="0"/>
+              <a:t>=429.0, seed=100, </a:t>
+            </a:r>
+            <a:r>
+              <a:rPr lang="en-US" i="1" dirty="0" err="1"/>
+              <a:t>firstProb</a:t>
+            </a:r>
+            <a:r>
+              <a:rPr lang="en-US" i="1" dirty="0"/>
+              <a:t>=0.03, </a:t>
+            </a:r>
+            <a:r>
+              <a:rPr lang="en-US" i="1" dirty="0" err="1"/>
+              <a:t>businessProb</a:t>
+            </a:r>
+            <a:r>
+              <a:rPr lang="en-US" i="1" dirty="0"/>
+              <a:t>=0.14, </a:t>
+            </a:r>
+            <a:r>
+              <a:rPr lang="en-US" i="1" dirty="0" err="1"/>
+              <a:t>premiumProb</a:t>
+            </a:r>
+            <a:r>
+              <a:rPr lang="en-US" i="1" dirty="0"/>
+              <a:t>=0.13, </a:t>
+            </a:r>
+            <a:r>
+              <a:rPr lang="en-US" i="1" dirty="0" err="1"/>
+              <a:t>economyProb</a:t>
+            </a:r>
+            <a:r>
+              <a:rPr lang="en-US" i="1" dirty="0"/>
+              <a:t>=0.7, </a:t>
+            </a:r>
+            <a:r>
+              <a:rPr lang="en-US" i="1" dirty="0" err="1"/>
+              <a:t>maxQueueSize</a:t>
+            </a:r>
+            <a:r>
+              <a:rPr lang="en-US" i="1" dirty="0"/>
+              <a:t>=0, </a:t>
+            </a:r>
+            <a:r>
+              <a:rPr lang="en-US" i="1" dirty="0" err="1"/>
+              <a:t>cancellationProb</a:t>
+            </a:r>
+            <a:r>
+              <a:rPr lang="en-US" i="1" dirty="0"/>
+              <a:t>=1.0] </a:t>
+            </a:r>
+            <a:endParaRPr lang="en-US" dirty="0"/>
+          </a:p>
+        </p:txBody>
+      </p:sp>
       <p:pic>
         <p:nvPicPr>
-          <p:cNvPr id="3" name="Picture 2"/>
+          <p:cNvPr id="2" name="Picture 1"/>
           <p:cNvPicPr>
             <a:picLocks noChangeAspect="1"/>
           </p:cNvPicPr>
@@ -5117,7 +5655,7 @@
         </p:blipFill>
         <p:spPr>
           <a:xfrm>
-            <a:off x="1781175" y="1760685"/>
+            <a:off x="1781175" y="1557337"/>
             <a:ext cx="5581650" cy="3743325"/>
           </a:xfrm>
           <a:prstGeom prst="rect">
@@ -5125,96 +5663,6 @@
           </a:prstGeom>
         </p:spPr>
       </p:pic>
-      <p:sp>
-        <p:nvSpPr>
-          <p:cNvPr id="5" name="TextBox 4"/>
-          <p:cNvSpPr txBox="1"/>
-          <p:nvPr/>
-        </p:nvSpPr>
-        <p:spPr>
-          <a:xfrm>
-            <a:off x="0" y="5847058"/>
-            <a:ext cx="9144000" cy="923330"/>
-          </a:xfrm>
-          <a:prstGeom prst="rect">
-            <a:avLst/>
-          </a:prstGeom>
-          <a:noFill/>
-        </p:spPr>
-        <p:txBody>
-          <a:bodyPr wrap="square" rtlCol="0">
-            <a:spAutoFit/>
-          </a:bodyPr>
-          <a:lstStyle/>
-          <a:p>
-            <a:r>
-              <a:rPr lang="en-US" i="1" dirty="0" err="1"/>
-              <a:t>meanDailyBookings</a:t>
-            </a:r>
-            <a:r>
-              <a:rPr lang="en-US" i="1" dirty="0"/>
-              <a:t>=1300.0, </a:t>
-            </a:r>
-            <a:r>
-              <a:rPr lang="en-US" i="1" dirty="0" err="1"/>
-              <a:t>sdDailyBookings</a:t>
-            </a:r>
-            <a:r>
-              <a:rPr lang="en-US" i="1" dirty="0"/>
-              <a:t>=429.0, seed=100, </a:t>
-            </a:r>
-            <a:r>
-              <a:rPr lang="en-US" i="1" dirty="0" err="1"/>
-              <a:t>firstProb</a:t>
-            </a:r>
-            <a:r>
-              <a:rPr lang="en-US" i="1" dirty="0"/>
-              <a:t>=0.03, </a:t>
-            </a:r>
-            <a:r>
-              <a:rPr lang="en-US" i="1" dirty="0" err="1"/>
-              <a:t>businessProb</a:t>
-            </a:r>
-            <a:r>
-              <a:rPr lang="en-US" i="1" dirty="0"/>
-              <a:t>=0.14, </a:t>
-            </a:r>
-            <a:r>
-              <a:rPr lang="en-US" i="1" dirty="0" err="1"/>
-              <a:t>premiumProb</a:t>
-            </a:r>
-            <a:r>
-              <a:rPr lang="en-US" i="1" dirty="0"/>
-              <a:t>=0.13, </a:t>
-            </a:r>
-            <a:r>
-              <a:rPr lang="en-US" i="1" dirty="0" err="1"/>
-              <a:t>economyProb</a:t>
-            </a:r>
-            <a:r>
-              <a:rPr lang="en-US" i="1" dirty="0"/>
-              <a:t>=0.7, </a:t>
-            </a:r>
-            <a:r>
-              <a:rPr lang="en-US" i="1" dirty="0" err="1"/>
-              <a:t>maxQueueSize</a:t>
-            </a:r>
-            <a:r>
-              <a:rPr lang="en-US" i="1" dirty="0"/>
-              <a:t>=0, </a:t>
-            </a:r>
-            <a:r>
-              <a:rPr lang="en-US" i="1" dirty="0" err="1"/>
-              <a:t>cancellationProb</a:t>
-            </a:r>
-            <a:r>
-              <a:rPr lang="en-US" i="1" dirty="0"/>
-              <a:t>=1.0] </a:t>
-            </a:r>
-            <a:endParaRPr lang="en-US" dirty="0"/>
-          </a:p>
-        </p:txBody>
-      </p:sp>
     </p:spTree>
     <p:extLst>
       <p:ext uri="{BB962C8B-B14F-4D97-AF65-F5344CB8AC3E}">
@@ -5416,7 +5864,7 @@
             </a:r>
             <a:r>
               <a:rPr lang="en-AU" dirty="0"/>
-              <a:t>=0.1]</a:t>
+              <a:t>=0.0]</a:t>
             </a:r>
           </a:p>
         </p:txBody>

--- a/GUITestPlan.pptx
+++ b/GUITestPlan.pptx
@@ -13,13 +13,16 @@
     <p:sldId id="264" r:id="rId7"/>
     <p:sldId id="262" r:id="rId8"/>
     <p:sldId id="265" r:id="rId9"/>
-    <p:sldId id="266" r:id="rId10"/>
-    <p:sldId id="268" r:id="rId11"/>
-    <p:sldId id="269" r:id="rId12"/>
-    <p:sldId id="270" r:id="rId13"/>
-    <p:sldId id="271" r:id="rId14"/>
-    <p:sldId id="272" r:id="rId15"/>
-    <p:sldId id="273" r:id="rId16"/>
+    <p:sldId id="268" r:id="rId10"/>
+    <p:sldId id="269" r:id="rId11"/>
+    <p:sldId id="270" r:id="rId12"/>
+    <p:sldId id="271" r:id="rId13"/>
+    <p:sldId id="274" r:id="rId14"/>
+    <p:sldId id="275" r:id="rId15"/>
+    <p:sldId id="272" r:id="rId16"/>
+    <p:sldId id="273" r:id="rId17"/>
+    <p:sldId id="276" r:id="rId18"/>
+    <p:sldId id="277" r:id="rId19"/>
   </p:sldIdLst>
   <p:sldSz cx="9144000" cy="6858000" type="screen4x3"/>
   <p:notesSz cx="6858000" cy="9144000"/>
@@ -296,7 +299,7 @@
             </a:lvl1pPr>
           </a:lstStyle>
           <a:p>
-            <a:endParaRPr lang="en-AU" altLang="en-US"/>
+            <a:endParaRPr lang="en-AU" altLang="en-US" dirty="0"/>
           </a:p>
         </p:txBody>
       </p:sp>
@@ -319,7 +322,7 @@
             </a:lvl1pPr>
           </a:lstStyle>
           <a:p>
-            <a:endParaRPr lang="en-AU" altLang="en-US"/>
+            <a:endParaRPr lang="en-AU" altLang="en-US" dirty="0"/>
           </a:p>
         </p:txBody>
       </p:sp>
@@ -347,7 +350,7 @@
               <a:pPr/>
               <a:t>‹#›</a:t>
             </a:fld>
-            <a:endParaRPr lang="en-AU" altLang="en-US"/>
+            <a:endParaRPr lang="en-AU" altLang="en-US" dirty="0"/>
           </a:p>
         </p:txBody>
       </p:sp>
@@ -475,7 +478,7 @@
             </a:lvl1pPr>
           </a:lstStyle>
           <a:p>
-            <a:endParaRPr lang="en-AU" altLang="en-US"/>
+            <a:endParaRPr lang="en-AU" altLang="en-US" dirty="0"/>
           </a:p>
         </p:txBody>
       </p:sp>
@@ -498,7 +501,7 @@
             </a:lvl1pPr>
           </a:lstStyle>
           <a:p>
-            <a:endParaRPr lang="en-AU" altLang="en-US"/>
+            <a:endParaRPr lang="en-AU" altLang="en-US" dirty="0"/>
           </a:p>
         </p:txBody>
       </p:sp>
@@ -526,7 +529,7 @@
               <a:pPr/>
               <a:t>‹#›</a:t>
             </a:fld>
-            <a:endParaRPr lang="en-AU" altLang="en-US"/>
+            <a:endParaRPr lang="en-AU" altLang="en-US" dirty="0"/>
           </a:p>
         </p:txBody>
       </p:sp>
@@ -664,7 +667,7 @@
             </a:lvl1pPr>
           </a:lstStyle>
           <a:p>
-            <a:endParaRPr lang="en-AU" altLang="en-US"/>
+            <a:endParaRPr lang="en-AU" altLang="en-US" dirty="0"/>
           </a:p>
         </p:txBody>
       </p:sp>
@@ -687,7 +690,7 @@
             </a:lvl1pPr>
           </a:lstStyle>
           <a:p>
-            <a:endParaRPr lang="en-AU" altLang="en-US"/>
+            <a:endParaRPr lang="en-AU" altLang="en-US" dirty="0"/>
           </a:p>
         </p:txBody>
       </p:sp>
@@ -715,7 +718,7 @@
               <a:pPr/>
               <a:t>‹#›</a:t>
             </a:fld>
-            <a:endParaRPr lang="en-AU" altLang="en-US"/>
+            <a:endParaRPr lang="en-AU" altLang="en-US" dirty="0"/>
           </a:p>
         </p:txBody>
       </p:sp>
@@ -797,7 +800,7 @@
           <a:bodyPr/>
           <a:lstStyle/>
           <a:p>
-            <a:endParaRPr lang="en-AU"/>
+            <a:endParaRPr lang="en-AU" dirty="0"/>
           </a:p>
         </p:txBody>
       </p:sp>
@@ -825,7 +828,7 @@
             </a:lvl1pPr>
           </a:lstStyle>
           <a:p>
-            <a:endParaRPr lang="en-AU" altLang="en-US"/>
+            <a:endParaRPr lang="en-AU" altLang="en-US" dirty="0"/>
           </a:p>
         </p:txBody>
       </p:sp>
@@ -853,7 +856,7 @@
             </a:lvl1pPr>
           </a:lstStyle>
           <a:p>
-            <a:endParaRPr lang="en-AU" altLang="en-US"/>
+            <a:endParaRPr lang="en-AU" altLang="en-US" dirty="0"/>
           </a:p>
         </p:txBody>
       </p:sp>
@@ -886,7 +889,7 @@
               <a:pPr/>
               <a:t>‹#›</a:t>
             </a:fld>
-            <a:endParaRPr lang="en-AU" altLang="en-US"/>
+            <a:endParaRPr lang="en-AU" altLang="en-US" dirty="0"/>
           </a:p>
         </p:txBody>
       </p:sp>
@@ -1014,7 +1017,7 @@
             </a:lvl1pPr>
           </a:lstStyle>
           <a:p>
-            <a:endParaRPr lang="en-AU" altLang="en-US"/>
+            <a:endParaRPr lang="en-AU" altLang="en-US" dirty="0"/>
           </a:p>
         </p:txBody>
       </p:sp>
@@ -1037,7 +1040,7 @@
             </a:lvl1pPr>
           </a:lstStyle>
           <a:p>
-            <a:endParaRPr lang="en-AU" altLang="en-US"/>
+            <a:endParaRPr lang="en-AU" altLang="en-US" dirty="0"/>
           </a:p>
         </p:txBody>
       </p:sp>
@@ -1065,7 +1068,7 @@
               <a:pPr/>
               <a:t>‹#›</a:t>
             </a:fld>
-            <a:endParaRPr lang="en-AU" altLang="en-US"/>
+            <a:endParaRPr lang="en-AU" altLang="en-US" dirty="0"/>
           </a:p>
         </p:txBody>
       </p:sp>
@@ -1215,7 +1218,7 @@
             </a:lvl1pPr>
           </a:lstStyle>
           <a:p>
-            <a:endParaRPr lang="en-AU" altLang="en-US"/>
+            <a:endParaRPr lang="en-AU" altLang="en-US" dirty="0"/>
           </a:p>
         </p:txBody>
       </p:sp>
@@ -1238,7 +1241,7 @@
             </a:lvl1pPr>
           </a:lstStyle>
           <a:p>
-            <a:endParaRPr lang="en-AU" altLang="en-US"/>
+            <a:endParaRPr lang="en-AU" altLang="en-US" dirty="0"/>
           </a:p>
         </p:txBody>
       </p:sp>
@@ -1266,7 +1269,7 @@
               <a:pPr/>
               <a:t>‹#›</a:t>
             </a:fld>
-            <a:endParaRPr lang="en-AU" altLang="en-US"/>
+            <a:endParaRPr lang="en-AU" altLang="en-US" dirty="0"/>
           </a:p>
         </p:txBody>
       </p:sp>
@@ -1512,7 +1515,7 @@
             </a:lvl1pPr>
           </a:lstStyle>
           <a:p>
-            <a:endParaRPr lang="en-AU" altLang="en-US"/>
+            <a:endParaRPr lang="en-AU" altLang="en-US" dirty="0"/>
           </a:p>
         </p:txBody>
       </p:sp>
@@ -1535,7 +1538,7 @@
             </a:lvl1pPr>
           </a:lstStyle>
           <a:p>
-            <a:endParaRPr lang="en-AU" altLang="en-US"/>
+            <a:endParaRPr lang="en-AU" altLang="en-US" dirty="0"/>
           </a:p>
         </p:txBody>
       </p:sp>
@@ -1563,7 +1566,7 @@
               <a:pPr/>
               <a:t>‹#›</a:t>
             </a:fld>
-            <a:endParaRPr lang="en-AU" altLang="en-US"/>
+            <a:endParaRPr lang="en-AU" altLang="en-US" dirty="0"/>
           </a:p>
         </p:txBody>
       </p:sp>
@@ -1943,7 +1946,7 @@
             </a:lvl1pPr>
           </a:lstStyle>
           <a:p>
-            <a:endParaRPr lang="en-AU" altLang="en-US"/>
+            <a:endParaRPr lang="en-AU" altLang="en-US" dirty="0"/>
           </a:p>
         </p:txBody>
       </p:sp>
@@ -1966,7 +1969,7 @@
             </a:lvl1pPr>
           </a:lstStyle>
           <a:p>
-            <a:endParaRPr lang="en-AU" altLang="en-US"/>
+            <a:endParaRPr lang="en-AU" altLang="en-US" dirty="0"/>
           </a:p>
         </p:txBody>
       </p:sp>
@@ -1994,7 +1997,7 @@
               <a:pPr/>
               <a:t>‹#›</a:t>
             </a:fld>
-            <a:endParaRPr lang="en-AU" altLang="en-US"/>
+            <a:endParaRPr lang="en-AU" altLang="en-US" dirty="0"/>
           </a:p>
         </p:txBody>
       </p:sp>
@@ -2070,7 +2073,7 @@
             </a:lvl1pPr>
           </a:lstStyle>
           <a:p>
-            <a:endParaRPr lang="en-AU" altLang="en-US"/>
+            <a:endParaRPr lang="en-AU" altLang="en-US" dirty="0"/>
           </a:p>
         </p:txBody>
       </p:sp>
@@ -2093,7 +2096,7 @@
             </a:lvl1pPr>
           </a:lstStyle>
           <a:p>
-            <a:endParaRPr lang="en-AU" altLang="en-US"/>
+            <a:endParaRPr lang="en-AU" altLang="en-US" dirty="0"/>
           </a:p>
         </p:txBody>
       </p:sp>
@@ -2121,7 +2124,7 @@
               <a:pPr/>
               <a:t>‹#›</a:t>
             </a:fld>
-            <a:endParaRPr lang="en-AU" altLang="en-US"/>
+            <a:endParaRPr lang="en-AU" altLang="en-US" dirty="0"/>
           </a:p>
         </p:txBody>
       </p:sp>
@@ -2174,7 +2177,7 @@
             </a:lvl1pPr>
           </a:lstStyle>
           <a:p>
-            <a:endParaRPr lang="en-AU" altLang="en-US"/>
+            <a:endParaRPr lang="en-AU" altLang="en-US" dirty="0"/>
           </a:p>
         </p:txBody>
       </p:sp>
@@ -2197,7 +2200,7 @@
             </a:lvl1pPr>
           </a:lstStyle>
           <a:p>
-            <a:endParaRPr lang="en-AU" altLang="en-US"/>
+            <a:endParaRPr lang="en-AU" altLang="en-US" dirty="0"/>
           </a:p>
         </p:txBody>
       </p:sp>
@@ -2225,7 +2228,7 @@
               <a:pPr/>
               <a:t>‹#›</a:t>
             </a:fld>
-            <a:endParaRPr lang="en-AU" altLang="en-US"/>
+            <a:endParaRPr lang="en-AU" altLang="en-US" dirty="0"/>
           </a:p>
         </p:txBody>
       </p:sp>
@@ -2460,7 +2463,7 @@
             </a:lvl1pPr>
           </a:lstStyle>
           <a:p>
-            <a:endParaRPr lang="en-AU" altLang="en-US"/>
+            <a:endParaRPr lang="en-AU" altLang="en-US" dirty="0"/>
           </a:p>
         </p:txBody>
       </p:sp>
@@ -2483,7 +2486,7 @@
             </a:lvl1pPr>
           </a:lstStyle>
           <a:p>
-            <a:endParaRPr lang="en-AU" altLang="en-US"/>
+            <a:endParaRPr lang="en-AU" altLang="en-US" dirty="0"/>
           </a:p>
         </p:txBody>
       </p:sp>
@@ -2511,7 +2514,7 @@
               <a:pPr/>
               <a:t>‹#›</a:t>
             </a:fld>
-            <a:endParaRPr lang="en-AU" altLang="en-US"/>
+            <a:endParaRPr lang="en-AU" altLang="en-US" dirty="0"/>
           </a:p>
         </p:txBody>
       </p:sp>
@@ -2634,7 +2637,7 @@
             </a:lvl9pPr>
           </a:lstStyle>
           <a:p>
-            <a:endParaRPr lang="en-AU"/>
+            <a:endParaRPr lang="en-AU" dirty="0"/>
           </a:p>
         </p:txBody>
       </p:sp>
@@ -2722,7 +2725,7 @@
             </a:lvl1pPr>
           </a:lstStyle>
           <a:p>
-            <a:endParaRPr lang="en-AU" altLang="en-US"/>
+            <a:endParaRPr lang="en-AU" altLang="en-US" dirty="0"/>
           </a:p>
         </p:txBody>
       </p:sp>
@@ -2745,7 +2748,7 @@
             </a:lvl1pPr>
           </a:lstStyle>
           <a:p>
-            <a:endParaRPr lang="en-AU" altLang="en-US"/>
+            <a:endParaRPr lang="en-AU" altLang="en-US" dirty="0"/>
           </a:p>
         </p:txBody>
       </p:sp>
@@ -2773,7 +2776,7 @@
               <a:pPr/>
               <a:t>‹#›</a:t>
             </a:fld>
-            <a:endParaRPr lang="en-AU" altLang="en-US"/>
+            <a:endParaRPr lang="en-AU" altLang="en-US" dirty="0"/>
           </a:p>
         </p:txBody>
       </p:sp>
@@ -3043,7 +3046,7 @@
             </a:lvl1pPr>
           </a:lstStyle>
           <a:p>
-            <a:endParaRPr lang="en-AU" altLang="en-US"/>
+            <a:endParaRPr lang="en-AU" altLang="en-US" dirty="0"/>
           </a:p>
         </p:txBody>
       </p:sp>
@@ -3111,7 +3114,7 @@
             </a:lvl1pPr>
           </a:lstStyle>
           <a:p>
-            <a:endParaRPr lang="en-AU" altLang="en-US"/>
+            <a:endParaRPr lang="en-AU" altLang="en-US" dirty="0"/>
           </a:p>
         </p:txBody>
       </p:sp>
@@ -3184,7 +3187,7 @@
               <a:pPr/>
               <a:t>‹#›</a:t>
             </a:fld>
-            <a:endParaRPr lang="en-AU" altLang="en-US"/>
+            <a:endParaRPr lang="en-AU" altLang="en-US" dirty="0"/>
           </a:p>
         </p:txBody>
       </p:sp>
@@ -3637,13 +3640,8 @@
           <a:p>
             <a:r>
               <a:rPr lang="en-AU" altLang="en-US" dirty="0"/>
-              <a:t>The Spicy </a:t>
-            </a:r>
-            <a:r>
-              <a:rPr lang="en-AU" altLang="en-US" dirty="0" err="1"/>
-              <a:t>Memeliners</a:t>
-            </a:r>
-            <a:endParaRPr lang="en-AU" altLang="en-US" dirty="0"/>
+              <a:t>The Spicy Memeliners</a:t>
+            </a:r>
           </a:p>
           <a:p>
             <a:r>
@@ -3718,14 +3716,14 @@
           <a:p>
             <a:r>
               <a:rPr lang="en-AU" altLang="en-US" dirty="0"/>
-              <a:t>Test 3 Input Screen Shot </a:t>
+              <a:t>Test 3 Output Screen Shot </a:t>
             </a:r>
           </a:p>
         </p:txBody>
       </p:sp>
       <p:pic>
         <p:nvPicPr>
-          <p:cNvPr id="4" name="Picture 3"/>
+          <p:cNvPr id="3" name="Picture 2"/>
           <p:cNvPicPr>
             <a:picLocks noChangeAspect="1"/>
           </p:cNvPicPr>
@@ -3747,10 +3745,40 @@
           </a:prstGeom>
         </p:spPr>
       </p:pic>
+      <p:sp>
+        <p:nvSpPr>
+          <p:cNvPr id="4" name="TextBox 3"/>
+          <p:cNvSpPr txBox="1"/>
+          <p:nvPr/>
+        </p:nvSpPr>
+        <p:spPr>
+          <a:xfrm>
+            <a:off x="0" y="5847058"/>
+            <a:ext cx="9144000" cy="923330"/>
+          </a:xfrm>
+          <a:prstGeom prst="rect">
+            <a:avLst/>
+          </a:prstGeom>
+          <a:noFill/>
+        </p:spPr>
+        <p:txBody>
+          <a:bodyPr wrap="square" rtlCol="0">
+            <a:spAutoFit/>
+          </a:bodyPr>
+          <a:lstStyle/>
+          <a:p>
+            <a:r>
+              <a:rPr lang="en-US" i="1" dirty="0"/>
+              <a:t>meanDailyBookings=1300.0, sdDailyBookings=429.0, seed=100, firstProb=0.03, businessProb=0.14, premiumProb=0.13, economyProb=0.7, maxQueueSize=500, cancellationProb=0] </a:t>
+            </a:r>
+            <a:endParaRPr lang="en-US" dirty="0"/>
+          </a:p>
+        </p:txBody>
+      </p:sp>
     </p:spTree>
     <p:extLst>
       <p:ext uri="{BB962C8B-B14F-4D97-AF65-F5344CB8AC3E}">
-        <p14:creationId xmlns:p14="http://schemas.microsoft.com/office/powerpoint/2010/main" val="4059531294"/>
+        <p14:creationId xmlns:p14="http://schemas.microsoft.com/office/powerpoint/2010/main" val="3187396916"/>
       </p:ext>
     </p:extLst>
   </p:cSld>
@@ -3794,14 +3822,44 @@
           <a:p>
             <a:r>
               <a:rPr lang="en-AU" altLang="en-US" dirty="0"/>
-              <a:t>Test 3 Output Screen Shot </a:t>
-            </a:r>
+              <a:t>Test 4 Input Screen Shot </a:t>
+            </a:r>
+          </a:p>
+        </p:txBody>
+      </p:sp>
+      <p:sp>
+        <p:nvSpPr>
+          <p:cNvPr id="4" name="TextBox 3"/>
+          <p:cNvSpPr txBox="1"/>
+          <p:nvPr/>
+        </p:nvSpPr>
+        <p:spPr>
+          <a:xfrm>
+            <a:off x="0" y="5847058"/>
+            <a:ext cx="9144000" cy="923330"/>
+          </a:xfrm>
+          <a:prstGeom prst="rect">
+            <a:avLst/>
+          </a:prstGeom>
+          <a:noFill/>
+        </p:spPr>
+        <p:txBody>
+          <a:bodyPr wrap="square" rtlCol="0">
+            <a:spAutoFit/>
+          </a:bodyPr>
+          <a:lstStyle/>
+          <a:p>
+            <a:r>
+              <a:rPr lang="en-US" i="1" dirty="0"/>
+              <a:t>Simulator [meanDailyBookings=2000.0, sdDailyBookings=660.0, seed=100, firstProb=0.1, businessProb=0.2, premiumProb=0.0, economyProb=0.7, maxQueueSize=1000, cancellationProb=0.1] </a:t>
+            </a:r>
+            <a:endParaRPr lang="en-US" dirty="0"/>
           </a:p>
         </p:txBody>
       </p:sp>
       <p:pic>
         <p:nvPicPr>
-          <p:cNvPr id="3" name="Picture 2"/>
+          <p:cNvPr id="5" name="Picture 4"/>
           <p:cNvPicPr>
             <a:picLocks noChangeAspect="1"/>
           </p:cNvPicPr>
@@ -3815,18 +3873,47 @@
         </p:blipFill>
         <p:spPr>
           <a:xfrm>
-            <a:off x="1781175" y="1557337"/>
-            <a:ext cx="5581650" cy="3743325"/>
+            <a:off x="381000" y="1752600"/>
+            <a:ext cx="4722389" cy="3167063"/>
           </a:xfrm>
           <a:prstGeom prst="rect">
             <a:avLst/>
           </a:prstGeom>
         </p:spPr>
       </p:pic>
+      <p:sp>
+        <p:nvSpPr>
+          <p:cNvPr id="2" name="TextBox 1"/>
+          <p:cNvSpPr txBox="1"/>
+          <p:nvPr/>
+        </p:nvSpPr>
+        <p:spPr>
+          <a:xfrm>
+            <a:off x="5334000" y="1752600"/>
+            <a:ext cx="3657600" cy="923330"/>
+          </a:xfrm>
+          <a:prstGeom prst="rect">
+            <a:avLst/>
+          </a:prstGeom>
+          <a:noFill/>
+        </p:spPr>
+        <p:txBody>
+          <a:bodyPr wrap="square" rtlCol="0">
+            <a:spAutoFit/>
+          </a:bodyPr>
+          <a:lstStyle/>
+          <a:p>
+            <a:r>
+              <a:rPr lang="en-US" dirty="0"/>
+              <a:t>Another test with a valid input, this time testing the charts’ display correctly</a:t>
+            </a:r>
+          </a:p>
+        </p:txBody>
+      </p:sp>
     </p:spTree>
     <p:extLst>
       <p:ext uri="{BB962C8B-B14F-4D97-AF65-F5344CB8AC3E}">
-        <p14:creationId xmlns:p14="http://schemas.microsoft.com/office/powerpoint/2010/main" val="3187396916"/>
+        <p14:creationId xmlns:p14="http://schemas.microsoft.com/office/powerpoint/2010/main" val="1703541394"/>
       </p:ext>
     </p:extLst>
   </p:cSld>
@@ -3870,108 +3957,14 @@
           <a:p>
             <a:r>
               <a:rPr lang="en-AU" altLang="en-US" dirty="0"/>
-              <a:t>Test 4 Input Screen Shot </a:t>
-            </a:r>
-          </a:p>
-        </p:txBody>
-      </p:sp>
-      <p:sp>
-        <p:nvSpPr>
-          <p:cNvPr id="4" name="TextBox 3"/>
-          <p:cNvSpPr txBox="1"/>
-          <p:nvPr/>
-        </p:nvSpPr>
-        <p:spPr>
-          <a:xfrm>
-            <a:off x="0" y="5847058"/>
-            <a:ext cx="9144000" cy="923330"/>
-          </a:xfrm>
-          <a:prstGeom prst="rect">
-            <a:avLst/>
-          </a:prstGeom>
-          <a:noFill/>
-        </p:spPr>
-        <p:txBody>
-          <a:bodyPr wrap="square" rtlCol="0">
-            <a:spAutoFit/>
-          </a:bodyPr>
-          <a:lstStyle/>
-          <a:p>
-            <a:r>
-              <a:rPr lang="en-US" i="1" dirty="0"/>
-              <a:t>Simulator [</a:t>
-            </a:r>
-            <a:r>
-              <a:rPr lang="en-US" i="1" dirty="0" err="1"/>
-              <a:t>meanDailyBookings</a:t>
-            </a:r>
-            <a:r>
-              <a:rPr lang="en-US" i="1" dirty="0"/>
-              <a:t>=2000.0, </a:t>
-            </a:r>
-            <a:r>
-              <a:rPr lang="en-US" i="1" dirty="0" err="1"/>
-              <a:t>sdDailyBookings</a:t>
-            </a:r>
-            <a:r>
-              <a:rPr lang="en-US" i="1" dirty="0"/>
-              <a:t>=660.0, seed=100, </a:t>
-            </a:r>
-            <a:r>
-              <a:rPr lang="en-US" i="1" dirty="0" err="1"/>
-              <a:t>firstProb</a:t>
-            </a:r>
-            <a:r>
-              <a:rPr lang="en-US" i="1" dirty="0"/>
-              <a:t>=0.1, </a:t>
-            </a:r>
-            <a:r>
-              <a:rPr lang="en-US" i="1" dirty="0" err="1"/>
-              <a:t>businessProb</a:t>
-            </a:r>
-            <a:r>
-              <a:rPr lang="en-US" i="1" dirty="0"/>
-              <a:t>=0.2, </a:t>
-            </a:r>
-            <a:r>
-              <a:rPr lang="en-US" i="1" dirty="0" err="1"/>
-              <a:t>premiumProb</a:t>
-            </a:r>
-            <a:r>
-              <a:rPr lang="en-US" i="1" dirty="0"/>
-              <a:t>=0.0, </a:t>
-            </a:r>
-            <a:r>
-              <a:rPr lang="en-US" i="1" dirty="0" err="1"/>
-              <a:t>economyProb</a:t>
-            </a:r>
-            <a:r>
-              <a:rPr lang="en-US" i="1" dirty="0"/>
-              <a:t>=0.7, </a:t>
-            </a:r>
-            <a:r>
-              <a:rPr lang="en-US" i="1" dirty="0" err="1"/>
-              <a:t>maxQueueSize</a:t>
-            </a:r>
-            <a:r>
-              <a:rPr lang="en-US" i="1" dirty="0"/>
-              <a:t>=1000, </a:t>
-            </a:r>
-            <a:r>
-              <a:rPr lang="en-US" i="1" dirty="0" err="1"/>
-              <a:t>cancellationProb</a:t>
-            </a:r>
-            <a:r>
-              <a:rPr lang="en-US" i="1" dirty="0"/>
-              <a:t>=0.1] </a:t>
-            </a:r>
-            <a:endParaRPr lang="en-US" dirty="0"/>
+              <a:t>Test 4 Output Chart 1</a:t>
+            </a:r>
           </a:p>
         </p:txBody>
       </p:sp>
       <p:pic>
         <p:nvPicPr>
-          <p:cNvPr id="5" name="Picture 4"/>
+          <p:cNvPr id="3" name="Picture 2"/>
           <p:cNvPicPr>
             <a:picLocks noChangeAspect="1"/>
           </p:cNvPicPr>
@@ -3985,18 +3978,77 @@
         </p:blipFill>
         <p:spPr>
           <a:xfrm>
-            <a:off x="1781175" y="1557337"/>
-            <a:ext cx="5581650" cy="3743325"/>
+            <a:off x="381000" y="1600200"/>
+            <a:ext cx="5063253" cy="3395663"/>
           </a:xfrm>
           <a:prstGeom prst="rect">
             <a:avLst/>
           </a:prstGeom>
         </p:spPr>
       </p:pic>
+      <p:sp>
+        <p:nvSpPr>
+          <p:cNvPr id="5" name="TextBox 4"/>
+          <p:cNvSpPr txBox="1"/>
+          <p:nvPr/>
+        </p:nvSpPr>
+        <p:spPr>
+          <a:xfrm>
+            <a:off x="0" y="5847058"/>
+            <a:ext cx="9144000" cy="923330"/>
+          </a:xfrm>
+          <a:prstGeom prst="rect">
+            <a:avLst/>
+          </a:prstGeom>
+          <a:noFill/>
+        </p:spPr>
+        <p:txBody>
+          <a:bodyPr wrap="square" rtlCol="0">
+            <a:spAutoFit/>
+          </a:bodyPr>
+          <a:lstStyle/>
+          <a:p>
+            <a:r>
+              <a:rPr lang="en-US" i="1" dirty="0"/>
+              <a:t>Simulator [meanDailyBookings=2000.0, sdDailyBookings=660.0, seed=100, firstProb=0.1, businessProb=0.2, premiumProb=0.0, economyProb=0.7, maxQueueSize=1000, cancellationProb=0.1] </a:t>
+            </a:r>
+            <a:endParaRPr lang="en-US" dirty="0"/>
+          </a:p>
+        </p:txBody>
+      </p:sp>
+      <p:sp>
+        <p:nvSpPr>
+          <p:cNvPr id="2" name="TextBox 1"/>
+          <p:cNvSpPr txBox="1"/>
+          <p:nvPr/>
+        </p:nvSpPr>
+        <p:spPr>
+          <a:xfrm>
+            <a:off x="5715000" y="1676400"/>
+            <a:ext cx="3276600" cy="646331"/>
+          </a:xfrm>
+          <a:prstGeom prst="rect">
+            <a:avLst/>
+          </a:prstGeom>
+          <a:noFill/>
+        </p:spPr>
+        <p:txBody>
+          <a:bodyPr wrap="square" rtlCol="0">
+            <a:spAutoFit/>
+          </a:bodyPr>
+          <a:lstStyle/>
+          <a:p>
+            <a:r>
+              <a:rPr lang="en-US" dirty="0"/>
+              <a:t>The Chart displaying a Line graph of the Daily Statistics</a:t>
+            </a:r>
+          </a:p>
+        </p:txBody>
+      </p:sp>
     </p:spTree>
     <p:extLst>
       <p:ext uri="{BB962C8B-B14F-4D97-AF65-F5344CB8AC3E}">
-        <p14:creationId xmlns:p14="http://schemas.microsoft.com/office/powerpoint/2010/main" val="1703541394"/>
+        <p14:creationId xmlns:p14="http://schemas.microsoft.com/office/powerpoint/2010/main" val="497866235"/>
       </p:ext>
     </p:extLst>
   </p:cSld>
@@ -4040,14 +4092,73 @@
           <a:p>
             <a:r>
               <a:rPr lang="en-AU" altLang="en-US" dirty="0"/>
-              <a:t>Test 4 Output Chart 1</a:t>
+              <a:t>Test 4 Output Chart 2</a:t>
+            </a:r>
+          </a:p>
+        </p:txBody>
+      </p:sp>
+      <p:sp>
+        <p:nvSpPr>
+          <p:cNvPr id="5" name="TextBox 4"/>
+          <p:cNvSpPr txBox="1"/>
+          <p:nvPr/>
+        </p:nvSpPr>
+        <p:spPr>
+          <a:xfrm>
+            <a:off x="0" y="5847058"/>
+            <a:ext cx="9144000" cy="923330"/>
+          </a:xfrm>
+          <a:prstGeom prst="rect">
+            <a:avLst/>
+          </a:prstGeom>
+          <a:noFill/>
+        </p:spPr>
+        <p:txBody>
+          <a:bodyPr wrap="square" rtlCol="0">
+            <a:spAutoFit/>
+          </a:bodyPr>
+          <a:lstStyle/>
+          <a:p>
+            <a:r>
+              <a:rPr lang="en-US" i="1" dirty="0"/>
+              <a:t>Simulator [meanDailyBookings=2000.0, sdDailyBookings=660.0, seed=100, firstProb=0.1, businessProb=0.2, premiumProb=0.0, economyProb=0.7, maxQueueSize=1000, cancellationProb=0.1] </a:t>
+            </a:r>
+            <a:endParaRPr lang="en-US" dirty="0"/>
+          </a:p>
+        </p:txBody>
+      </p:sp>
+      <p:sp>
+        <p:nvSpPr>
+          <p:cNvPr id="2" name="TextBox 1"/>
+          <p:cNvSpPr txBox="1"/>
+          <p:nvPr/>
+        </p:nvSpPr>
+        <p:spPr>
+          <a:xfrm>
+            <a:off x="5715000" y="1676400"/>
+            <a:ext cx="3276600" cy="923330"/>
+          </a:xfrm>
+          <a:prstGeom prst="rect">
+            <a:avLst/>
+          </a:prstGeom>
+          <a:noFill/>
+        </p:spPr>
+        <p:txBody>
+          <a:bodyPr wrap="square" rtlCol="0">
+            <a:spAutoFit/>
+          </a:bodyPr>
+          <a:lstStyle/>
+          <a:p>
+            <a:r>
+              <a:rPr lang="en-US" dirty="0"/>
+              <a:t>The Chart displaying a Bar graph of the Final Flight Summary</a:t>
             </a:r>
           </a:p>
         </p:txBody>
       </p:sp>
       <p:pic>
         <p:nvPicPr>
-          <p:cNvPr id="3" name="Picture 2"/>
+          <p:cNvPr id="8" name="Picture 7"/>
           <p:cNvPicPr>
             <a:picLocks noChangeAspect="1"/>
           </p:cNvPicPr>
@@ -4061,112 +4172,18 @@
         </p:blipFill>
         <p:spPr>
           <a:xfrm>
-            <a:off x="1781175" y="1557337"/>
-            <a:ext cx="5581650" cy="3743325"/>
+            <a:off x="381000" y="1609817"/>
+            <a:ext cx="5063253" cy="3395663"/>
           </a:xfrm>
           <a:prstGeom prst="rect">
             <a:avLst/>
           </a:prstGeom>
         </p:spPr>
       </p:pic>
-      <p:sp>
-        <p:nvSpPr>
-          <p:cNvPr id="5" name="TextBox 4"/>
-          <p:cNvSpPr txBox="1"/>
-          <p:nvPr/>
-        </p:nvSpPr>
-        <p:spPr>
-          <a:xfrm>
-            <a:off x="0" y="5847058"/>
-            <a:ext cx="9144000" cy="923330"/>
-          </a:xfrm>
-          <a:prstGeom prst="rect">
-            <a:avLst/>
-          </a:prstGeom>
-          <a:noFill/>
-        </p:spPr>
-        <p:txBody>
-          <a:bodyPr wrap="square" rtlCol="0">
-            <a:spAutoFit/>
-          </a:bodyPr>
-          <a:lstStyle/>
-          <a:p>
-            <a:r>
-              <a:rPr lang="en-US" i="1" dirty="0"/>
-              <a:t>Simulator [</a:t>
-            </a:r>
-            <a:r>
-              <a:rPr lang="en-US" i="1" dirty="0" err="1"/>
-              <a:t>meanDailyBookings</a:t>
-            </a:r>
-            <a:r>
-              <a:rPr lang="en-US" i="1" dirty="0"/>
-              <a:t>=2000.0, </a:t>
-            </a:r>
-            <a:r>
-              <a:rPr lang="en-US" i="1" dirty="0" err="1"/>
-              <a:t>sdDailyBookings</a:t>
-            </a:r>
-            <a:r>
-              <a:rPr lang="en-US" i="1" dirty="0"/>
-              <a:t>=660.0, seed=100, </a:t>
-            </a:r>
-            <a:r>
-              <a:rPr lang="en-US" i="1" dirty="0" err="1"/>
-              <a:t>firstProb</a:t>
-            </a:r>
-            <a:r>
-              <a:rPr lang="en-US" i="1" dirty="0"/>
-              <a:t>=0.1, </a:t>
-            </a:r>
-            <a:r>
-              <a:rPr lang="en-US" i="1" dirty="0" err="1"/>
-              <a:t>businessProb</a:t>
-            </a:r>
-            <a:r>
-              <a:rPr lang="en-US" i="1" dirty="0"/>
-              <a:t>=0.2, </a:t>
-            </a:r>
-            <a:r>
-              <a:rPr lang="en-US" i="1" dirty="0" err="1"/>
-              <a:t>premiumProb</a:t>
-            </a:r>
-            <a:r>
-              <a:rPr lang="en-US" i="1" dirty="0"/>
-              <a:t>=0.0, </a:t>
-            </a:r>
-            <a:r>
-              <a:rPr lang="en-US" i="1" dirty="0" err="1"/>
-              <a:t>economyProb</a:t>
-            </a:r>
-            <a:r>
-              <a:rPr lang="en-US" i="1" dirty="0"/>
-              <a:t>=0.7, </a:t>
-            </a:r>
-            <a:r>
-              <a:rPr lang="en-US" i="1" dirty="0" err="1"/>
-              <a:t>maxQueueSize</a:t>
-            </a:r>
-            <a:r>
-              <a:rPr lang="en-US" i="1" dirty="0"/>
-              <a:t>=1000, </a:t>
-            </a:r>
-            <a:r>
-              <a:rPr lang="en-US" i="1" dirty="0" err="1"/>
-              <a:t>cancellationProb</a:t>
-            </a:r>
-            <a:r>
-              <a:rPr lang="en-US" i="1" dirty="0"/>
-              <a:t>=0.1] </a:t>
-            </a:r>
-            <a:endParaRPr lang="en-US" dirty="0"/>
-          </a:p>
-        </p:txBody>
-      </p:sp>
     </p:spTree>
     <p:extLst>
       <p:ext uri="{BB962C8B-B14F-4D97-AF65-F5344CB8AC3E}">
-        <p14:creationId xmlns:p14="http://schemas.microsoft.com/office/powerpoint/2010/main" val="497866235"/>
+        <p14:creationId xmlns:p14="http://schemas.microsoft.com/office/powerpoint/2010/main" val="665498969"/>
       </p:ext>
     </p:extLst>
   </p:cSld>
@@ -4210,102 +4227,8 @@
           <a:p>
             <a:r>
               <a:rPr lang="en-AU" altLang="en-US" dirty="0"/>
-              <a:t>Test 5 Input Screen Shot </a:t>
-            </a:r>
-          </a:p>
-        </p:txBody>
-      </p:sp>
-      <p:sp>
-        <p:nvSpPr>
-          <p:cNvPr id="4" name="TextBox 3"/>
-          <p:cNvSpPr txBox="1"/>
-          <p:nvPr/>
-        </p:nvSpPr>
-        <p:spPr>
-          <a:xfrm>
-            <a:off x="0" y="5847058"/>
-            <a:ext cx="9144000" cy="923330"/>
-          </a:xfrm>
-          <a:prstGeom prst="rect">
-            <a:avLst/>
-          </a:prstGeom>
-          <a:noFill/>
-        </p:spPr>
-        <p:txBody>
-          <a:bodyPr wrap="square" rtlCol="0">
-            <a:spAutoFit/>
-          </a:bodyPr>
-          <a:lstStyle/>
-          <a:p>
-            <a:r>
-              <a:rPr lang="en-US" i="1" dirty="0"/>
-              <a:t>Simulator [</a:t>
-            </a:r>
-            <a:r>
-              <a:rPr lang="en-US" i="1" dirty="0" err="1"/>
-              <a:t>meanDailyBookings</a:t>
-            </a:r>
-            <a:r>
-              <a:rPr lang="en-US" i="1" dirty="0"/>
-              <a:t>=1600.0, </a:t>
-            </a:r>
-            <a:r>
-              <a:rPr lang="en-US" i="1" dirty="0" err="1"/>
-              <a:t>sdDailyBookings</a:t>
-            </a:r>
-            <a:r>
-              <a:rPr lang="en-US" i="1" dirty="0"/>
-              <a:t>=528.0, seed=100, </a:t>
-            </a:r>
-            <a:r>
-              <a:rPr lang="en-US" i="1" dirty="0" err="1"/>
-              <a:t>firstProb</a:t>
-            </a:r>
-            <a:r>
-              <a:rPr lang="en-US" i="1" dirty="0"/>
-              <a:t>=0.1, </a:t>
-            </a:r>
-            <a:r>
-              <a:rPr lang="en-US" i="1" dirty="0" err="1"/>
-              <a:t>businessProb</a:t>
-            </a:r>
-            <a:r>
-              <a:rPr lang="en-US" i="1" dirty="0"/>
-              <a:t>=0.2, </a:t>
-            </a:r>
-            <a:r>
-              <a:rPr lang="en-US" i="1" dirty="0" err="1"/>
-              <a:t>premiumProb</a:t>
-            </a:r>
-            <a:r>
-              <a:rPr lang="en-US" i="1" dirty="0"/>
-              <a:t>=0.1, </a:t>
-            </a:r>
-            <a:r>
-              <a:rPr lang="en-US" i="1" dirty="0" err="1"/>
-              <a:t>economyProb</a:t>
-            </a:r>
-            <a:r>
-              <a:rPr lang="en-US" i="1" dirty="0"/>
-              <a:t>=0.6, </a:t>
-            </a:r>
-            <a:r>
-              <a:rPr lang="en-US" i="1" dirty="0" err="1"/>
-              <a:t>maxQueueSize</a:t>
-            </a:r>
-            <a:r>
-              <a:rPr lang="en-US" i="1" dirty="0"/>
-              <a:t>=50000, </a:t>
-            </a:r>
-            <a:r>
-              <a:rPr lang="en-US" i="1" dirty="0" err="1"/>
-              <a:t>cancellationProb</a:t>
-            </a:r>
-            <a:r>
-              <a:rPr lang="en-US" i="1" dirty="0"/>
-              <a:t>=0.1] </a:t>
-            </a:r>
-            <a:endParaRPr lang="en-US" dirty="0"/>
+              <a:t>Test 4 Output Logs</a:t>
+            </a:r>
           </a:p>
         </p:txBody>
       </p:sp>
@@ -4325,8 +4248,91 @@
         </p:blipFill>
         <p:spPr>
           <a:xfrm>
-            <a:off x="1781175" y="1557337"/>
-            <a:ext cx="5581650" cy="3743325"/>
+            <a:off x="381000" y="1600200"/>
+            <a:ext cx="5063253" cy="3395663"/>
+          </a:xfrm>
+          <a:prstGeom prst="rect">
+            <a:avLst/>
+          </a:prstGeom>
+        </p:spPr>
+      </p:pic>
+      <p:sp>
+        <p:nvSpPr>
+          <p:cNvPr id="5" name="TextBox 4"/>
+          <p:cNvSpPr txBox="1"/>
+          <p:nvPr/>
+        </p:nvSpPr>
+        <p:spPr>
+          <a:xfrm>
+            <a:off x="0" y="5847058"/>
+            <a:ext cx="9144000" cy="923330"/>
+          </a:xfrm>
+          <a:prstGeom prst="rect">
+            <a:avLst/>
+          </a:prstGeom>
+          <a:noFill/>
+        </p:spPr>
+        <p:txBody>
+          <a:bodyPr wrap="square" rtlCol="0">
+            <a:spAutoFit/>
+          </a:bodyPr>
+          <a:lstStyle/>
+          <a:p>
+            <a:r>
+              <a:rPr lang="en-US" i="1" dirty="0"/>
+              <a:t>Simulator [meanDailyBookings=2000.0, sdDailyBookings=660.0, seed=100, firstProb=0.1, businessProb=0.2, premiumProb=0.0, economyProb=0.7, maxQueueSize=1000, cancellationProb=0.1] </a:t>
+            </a:r>
+            <a:endParaRPr lang="en-US" dirty="0"/>
+          </a:p>
+        </p:txBody>
+      </p:sp>
+      <p:sp>
+        <p:nvSpPr>
+          <p:cNvPr id="2" name="TextBox 1"/>
+          <p:cNvSpPr txBox="1"/>
+          <p:nvPr/>
+        </p:nvSpPr>
+        <p:spPr>
+          <a:xfrm>
+            <a:off x="5715000" y="1676400"/>
+            <a:ext cx="3276600" cy="369332"/>
+          </a:xfrm>
+          <a:prstGeom prst="rect">
+            <a:avLst/>
+          </a:prstGeom>
+          <a:noFill/>
+        </p:spPr>
+        <p:txBody>
+          <a:bodyPr wrap="square" rtlCol="0">
+            <a:spAutoFit/>
+          </a:bodyPr>
+          <a:lstStyle/>
+          <a:p>
+            <a:r>
+              <a:rPr lang="en-US" dirty="0"/>
+              <a:t>The Produced Log Output</a:t>
+            </a:r>
+          </a:p>
+        </p:txBody>
+      </p:sp>
+      <p:pic>
+        <p:nvPicPr>
+          <p:cNvPr id="4" name="Picture 3"/>
+          <p:cNvPicPr>
+            <a:picLocks noChangeAspect="1"/>
+          </p:cNvPicPr>
+          <p:nvPr/>
+        </p:nvPicPr>
+        <p:blipFill>
+          <a:blip r:embed="rId3"/>
+          <a:stretch>
+            <a:fillRect/>
+          </a:stretch>
+        </p:blipFill>
+        <p:spPr>
+          <a:xfrm>
+            <a:off x="381000" y="1600200"/>
+            <a:ext cx="5063253" cy="3395663"/>
           </a:xfrm>
           <a:prstGeom prst="rect">
             <a:avLst/>
@@ -4336,7 +4342,7 @@
     </p:spTree>
     <p:extLst>
       <p:ext uri="{BB962C8B-B14F-4D97-AF65-F5344CB8AC3E}">
-        <p14:creationId xmlns:p14="http://schemas.microsoft.com/office/powerpoint/2010/main" val="864235448"/>
+        <p14:creationId xmlns:p14="http://schemas.microsoft.com/office/powerpoint/2010/main" val="1195741537"/>
       </p:ext>
     </p:extLst>
   </p:cSld>
@@ -4380,7 +4386,7 @@
           <a:p>
             <a:r>
               <a:rPr lang="en-AU" altLang="en-US" dirty="0"/>
-              <a:t>Test 5 Output Chart 2</a:t>
+              <a:t>Test 5 Input Screen Shot </a:t>
             </a:r>
           </a:p>
         </p:txBody>
@@ -4409,71 +4415,7 @@
           <a:p>
             <a:r>
               <a:rPr lang="en-US" i="1" dirty="0"/>
-              <a:t>Simulator [</a:t>
-            </a:r>
-            <a:r>
-              <a:rPr lang="en-US" i="1" dirty="0" err="1"/>
-              <a:t>meanDailyBookings</a:t>
-            </a:r>
-            <a:r>
-              <a:rPr lang="en-US" i="1" dirty="0"/>
-              <a:t>=1600.0, </a:t>
-            </a:r>
-            <a:r>
-              <a:rPr lang="en-US" i="1" dirty="0" err="1"/>
-              <a:t>sdDailyBookings</a:t>
-            </a:r>
-            <a:r>
-              <a:rPr lang="en-US" i="1" dirty="0"/>
-              <a:t>=528.0, seed=100, </a:t>
-            </a:r>
-            <a:r>
-              <a:rPr lang="en-US" i="1" dirty="0" err="1"/>
-              <a:t>firstProb</a:t>
-            </a:r>
-            <a:r>
-              <a:rPr lang="en-US" i="1" dirty="0"/>
-              <a:t>=0.1, </a:t>
-            </a:r>
-            <a:r>
-              <a:rPr lang="en-US" i="1" dirty="0" err="1"/>
-              <a:t>businessProb</a:t>
-            </a:r>
-            <a:r>
-              <a:rPr lang="en-US" i="1" dirty="0"/>
-              <a:t>=0.2, </a:t>
-            </a:r>
-            <a:r>
-              <a:rPr lang="en-US" i="1" dirty="0" err="1"/>
-              <a:t>premiumProb</a:t>
-            </a:r>
-            <a:r>
-              <a:rPr lang="en-US" i="1" dirty="0"/>
-              <a:t>=0.1, </a:t>
-            </a:r>
-            <a:r>
-              <a:rPr lang="en-US" i="1" dirty="0" err="1"/>
-              <a:t>economyProb</a:t>
-            </a:r>
-            <a:r>
-              <a:rPr lang="en-US" i="1" dirty="0"/>
-              <a:t>=0.6, </a:t>
-            </a:r>
-            <a:r>
-              <a:rPr lang="en-US" i="1" dirty="0" err="1"/>
-              <a:t>maxQueueSize</a:t>
-            </a:r>
-            <a:r>
-              <a:rPr lang="en-US" i="1" dirty="0"/>
-              <a:t>=50000, </a:t>
-            </a:r>
-            <a:r>
-              <a:rPr lang="en-US" i="1" dirty="0" err="1"/>
-              <a:t>cancellationProb</a:t>
-            </a:r>
-            <a:r>
-              <a:rPr lang="en-US" i="1" dirty="0"/>
-              <a:t>=0.1] </a:t>
+              <a:t>Simulator [meanDailyBookings=1600.0, sdDailyBookings=528.0, seed=100, firstProb=0.1, businessProb=0.2, premiumProb=0.1, economyProb=0.6, maxQueueSize=50000, cancellationProb=0.1] </a:t>
             </a:r>
             <a:endParaRPr lang="en-US" dirty="0"/>
           </a:p>
@@ -4495,7 +4437,465 @@
         </p:blipFill>
         <p:spPr>
           <a:xfrm>
-            <a:off x="1781175" y="1557337"/>
+            <a:off x="228600" y="1600200"/>
+            <a:ext cx="4953000" cy="3321722"/>
+          </a:xfrm>
+          <a:prstGeom prst="rect">
+            <a:avLst/>
+          </a:prstGeom>
+        </p:spPr>
+      </p:pic>
+      <p:sp>
+        <p:nvSpPr>
+          <p:cNvPr id="5" name="TextBox 4"/>
+          <p:cNvSpPr txBox="1"/>
+          <p:nvPr/>
+        </p:nvSpPr>
+        <p:spPr>
+          <a:xfrm>
+            <a:off x="5334000" y="1752600"/>
+            <a:ext cx="3657600" cy="923330"/>
+          </a:xfrm>
+          <a:prstGeom prst="rect">
+            <a:avLst/>
+          </a:prstGeom>
+          <a:noFill/>
+        </p:spPr>
+        <p:txBody>
+          <a:bodyPr wrap="square" rtlCol="0">
+            <a:spAutoFit/>
+          </a:bodyPr>
+          <a:lstStyle/>
+          <a:p>
+            <a:r>
+              <a:rPr lang="en-US" dirty="0"/>
+              <a:t>Another test with a valid input, this time testing the charts’ display correctly</a:t>
+            </a:r>
+          </a:p>
+        </p:txBody>
+      </p:sp>
+    </p:spTree>
+    <p:extLst>
+      <p:ext uri="{BB962C8B-B14F-4D97-AF65-F5344CB8AC3E}">
+        <p14:creationId xmlns:p14="http://schemas.microsoft.com/office/powerpoint/2010/main" val="864235448"/>
+      </p:ext>
+    </p:extLst>
+  </p:cSld>
+  <p:clrMapOvr>
+    <a:masterClrMapping/>
+  </p:clrMapOvr>
+</p:sld>
+</file>
+
+<file path=ppt/slides/slide16.xml><?xml version="1.0" encoding="utf-8"?>
+<p:sld xmlns:a="http://schemas.openxmlformats.org/drawingml/2006/main" xmlns:r="http://schemas.openxmlformats.org/officeDocument/2006/relationships" xmlns:p="http://schemas.openxmlformats.org/presentationml/2006/main">
+  <p:cSld>
+    <p:spTree>
+      <p:nvGrpSpPr>
+        <p:cNvPr id="1" name=""/>
+        <p:cNvGrpSpPr/>
+        <p:nvPr/>
+      </p:nvGrpSpPr>
+      <p:grpSpPr>
+        <a:xfrm>
+          <a:off x="0" y="0"/>
+          <a:ext cx="0" cy="0"/>
+          <a:chOff x="0" y="0"/>
+          <a:chExt cx="0" cy="0"/>
+        </a:xfrm>
+      </p:grpSpPr>
+      <p:sp>
+        <p:nvSpPr>
+          <p:cNvPr id="9218" name="Rectangle 2"/>
+          <p:cNvSpPr>
+            <a:spLocks noGrp="1" noChangeArrowheads="1"/>
+          </p:cNvSpPr>
+          <p:nvPr>
+            <p:ph type="title"/>
+          </p:nvPr>
+        </p:nvSpPr>
+        <p:spPr/>
+        <p:txBody>
+          <a:bodyPr/>
+          <a:lstStyle/>
+          <a:p>
+            <a:r>
+              <a:rPr lang="en-AU" altLang="en-US" dirty="0"/>
+              <a:t>Test 5 Output Chart 2</a:t>
+            </a:r>
+          </a:p>
+        </p:txBody>
+      </p:sp>
+      <p:sp>
+        <p:nvSpPr>
+          <p:cNvPr id="4" name="TextBox 3"/>
+          <p:cNvSpPr txBox="1"/>
+          <p:nvPr/>
+        </p:nvSpPr>
+        <p:spPr>
+          <a:xfrm>
+            <a:off x="0" y="5847058"/>
+            <a:ext cx="9144000" cy="923330"/>
+          </a:xfrm>
+          <a:prstGeom prst="rect">
+            <a:avLst/>
+          </a:prstGeom>
+          <a:noFill/>
+        </p:spPr>
+        <p:txBody>
+          <a:bodyPr wrap="square" rtlCol="0">
+            <a:spAutoFit/>
+          </a:bodyPr>
+          <a:lstStyle/>
+          <a:p>
+            <a:r>
+              <a:rPr lang="en-US" i="1" dirty="0"/>
+              <a:t>Simulator [meanDailyBookings=1600.0, sdDailyBookings=528.0, seed=100, firstProb=0.1, businessProb=0.2, premiumProb=0.1, economyProb=0.6, maxQueueSize=50000, cancellationProb=0.1] </a:t>
+            </a:r>
+            <a:endParaRPr lang="en-US" dirty="0"/>
+          </a:p>
+        </p:txBody>
+      </p:sp>
+      <p:pic>
+        <p:nvPicPr>
+          <p:cNvPr id="2" name="Picture 1"/>
+          <p:cNvPicPr>
+            <a:picLocks noChangeAspect="1"/>
+          </p:cNvPicPr>
+          <p:nvPr/>
+        </p:nvPicPr>
+        <p:blipFill>
+          <a:blip r:embed="rId2"/>
+          <a:stretch>
+            <a:fillRect/>
+          </a:stretch>
+        </p:blipFill>
+        <p:spPr>
+          <a:xfrm>
+            <a:off x="-12577" y="1524000"/>
+            <a:ext cx="5581650" cy="3743325"/>
+          </a:xfrm>
+          <a:prstGeom prst="rect">
+            <a:avLst/>
+          </a:prstGeom>
+        </p:spPr>
+      </p:pic>
+      <p:sp>
+        <p:nvSpPr>
+          <p:cNvPr id="6" name="TextBox 5"/>
+          <p:cNvSpPr txBox="1"/>
+          <p:nvPr/>
+        </p:nvSpPr>
+        <p:spPr>
+          <a:xfrm>
+            <a:off x="5715000" y="1676400"/>
+            <a:ext cx="3276600" cy="646331"/>
+          </a:xfrm>
+          <a:prstGeom prst="rect">
+            <a:avLst/>
+          </a:prstGeom>
+          <a:noFill/>
+        </p:spPr>
+        <p:txBody>
+          <a:bodyPr wrap="square" rtlCol="0">
+            <a:spAutoFit/>
+          </a:bodyPr>
+          <a:lstStyle/>
+          <a:p>
+            <a:r>
+              <a:rPr lang="en-US" dirty="0"/>
+              <a:t>The Chart displaying a Line graph of the Daily Statistics</a:t>
+            </a:r>
+          </a:p>
+        </p:txBody>
+      </p:sp>
+    </p:spTree>
+    <p:extLst>
+      <p:ext uri="{BB962C8B-B14F-4D97-AF65-F5344CB8AC3E}">
+        <p14:creationId xmlns:p14="http://schemas.microsoft.com/office/powerpoint/2010/main" val="3268046048"/>
+      </p:ext>
+    </p:extLst>
+  </p:cSld>
+  <p:clrMapOvr>
+    <a:masterClrMapping/>
+  </p:clrMapOvr>
+</p:sld>
+</file>
+
+<file path=ppt/slides/slide17.xml><?xml version="1.0" encoding="utf-8"?>
+<p:sld xmlns:a="http://schemas.openxmlformats.org/drawingml/2006/main" xmlns:r="http://schemas.openxmlformats.org/officeDocument/2006/relationships" xmlns:p="http://schemas.openxmlformats.org/presentationml/2006/main">
+  <p:cSld>
+    <p:spTree>
+      <p:nvGrpSpPr>
+        <p:cNvPr id="1" name=""/>
+        <p:cNvGrpSpPr/>
+        <p:nvPr/>
+      </p:nvGrpSpPr>
+      <p:grpSpPr>
+        <a:xfrm>
+          <a:off x="0" y="0"/>
+          <a:ext cx="0" cy="0"/>
+          <a:chOff x="0" y="0"/>
+          <a:chExt cx="0" cy="0"/>
+        </a:xfrm>
+      </p:grpSpPr>
+      <p:sp>
+        <p:nvSpPr>
+          <p:cNvPr id="9218" name="Rectangle 2"/>
+          <p:cNvSpPr>
+            <a:spLocks noGrp="1" noChangeArrowheads="1"/>
+          </p:cNvSpPr>
+          <p:nvPr>
+            <p:ph type="title"/>
+          </p:nvPr>
+        </p:nvSpPr>
+        <p:spPr/>
+        <p:txBody>
+          <a:bodyPr/>
+          <a:lstStyle/>
+          <a:p>
+            <a:r>
+              <a:rPr lang="en-AU" altLang="en-US" dirty="0"/>
+              <a:t>Test 5 Output Chart 2</a:t>
+            </a:r>
+          </a:p>
+        </p:txBody>
+      </p:sp>
+      <p:sp>
+        <p:nvSpPr>
+          <p:cNvPr id="4" name="TextBox 3"/>
+          <p:cNvSpPr txBox="1"/>
+          <p:nvPr/>
+        </p:nvSpPr>
+        <p:spPr>
+          <a:xfrm>
+            <a:off x="0" y="5847058"/>
+            <a:ext cx="9144000" cy="923330"/>
+          </a:xfrm>
+          <a:prstGeom prst="rect">
+            <a:avLst/>
+          </a:prstGeom>
+          <a:noFill/>
+        </p:spPr>
+        <p:txBody>
+          <a:bodyPr wrap="square" rtlCol="0">
+            <a:spAutoFit/>
+          </a:bodyPr>
+          <a:lstStyle/>
+          <a:p>
+            <a:r>
+              <a:rPr lang="en-US" i="1" dirty="0"/>
+              <a:t>Simulator [meanDailyBookings=1600.0, sdDailyBookings=528.0, seed=100, firstProb=0.1, businessProb=0.2, premiumProb=0.1, economyProb=0.6, maxQueueSize=50000, cancellationProb=0.1] </a:t>
+            </a:r>
+            <a:endParaRPr lang="en-US" dirty="0"/>
+          </a:p>
+        </p:txBody>
+      </p:sp>
+      <p:pic>
+        <p:nvPicPr>
+          <p:cNvPr id="3" name="Picture 2"/>
+          <p:cNvPicPr>
+            <a:picLocks noChangeAspect="1"/>
+          </p:cNvPicPr>
+          <p:nvPr/>
+        </p:nvPicPr>
+        <p:blipFill>
+          <a:blip r:embed="rId2"/>
+          <a:stretch>
+            <a:fillRect/>
+          </a:stretch>
+        </p:blipFill>
+        <p:spPr>
+          <a:xfrm>
+            <a:off x="-14796" y="1454628"/>
+            <a:ext cx="5581650" cy="3743325"/>
+          </a:xfrm>
+          <a:prstGeom prst="rect">
+            <a:avLst/>
+          </a:prstGeom>
+        </p:spPr>
+      </p:pic>
+      <p:sp>
+        <p:nvSpPr>
+          <p:cNvPr id="5" name="TextBox 4"/>
+          <p:cNvSpPr txBox="1"/>
+          <p:nvPr/>
+        </p:nvSpPr>
+        <p:spPr>
+          <a:xfrm>
+            <a:off x="5715000" y="1676400"/>
+            <a:ext cx="3276600" cy="923330"/>
+          </a:xfrm>
+          <a:prstGeom prst="rect">
+            <a:avLst/>
+          </a:prstGeom>
+          <a:noFill/>
+        </p:spPr>
+        <p:txBody>
+          <a:bodyPr wrap="square" rtlCol="0">
+            <a:spAutoFit/>
+          </a:bodyPr>
+          <a:lstStyle/>
+          <a:p>
+            <a:r>
+              <a:rPr lang="en-US" dirty="0"/>
+              <a:t>The Chart displaying a Bar graph of the Final Flight Summary</a:t>
+            </a:r>
+          </a:p>
+        </p:txBody>
+      </p:sp>
+    </p:spTree>
+    <p:extLst>
+      <p:ext uri="{BB962C8B-B14F-4D97-AF65-F5344CB8AC3E}">
+        <p14:creationId xmlns:p14="http://schemas.microsoft.com/office/powerpoint/2010/main" val="177610843"/>
+      </p:ext>
+    </p:extLst>
+  </p:cSld>
+  <p:clrMapOvr>
+    <a:masterClrMapping/>
+  </p:clrMapOvr>
+</p:sld>
+</file>
+
+<file path=ppt/slides/slide18.xml><?xml version="1.0" encoding="utf-8"?>
+<p:sld xmlns:a="http://schemas.openxmlformats.org/drawingml/2006/main" xmlns:r="http://schemas.openxmlformats.org/officeDocument/2006/relationships" xmlns:p="http://schemas.openxmlformats.org/presentationml/2006/main">
+  <p:cSld>
+    <p:spTree>
+      <p:nvGrpSpPr>
+        <p:cNvPr id="1" name=""/>
+        <p:cNvGrpSpPr/>
+        <p:nvPr/>
+      </p:nvGrpSpPr>
+      <p:grpSpPr>
+        <a:xfrm>
+          <a:off x="0" y="0"/>
+          <a:ext cx="0" cy="0"/>
+          <a:chOff x="0" y="0"/>
+          <a:chExt cx="0" cy="0"/>
+        </a:xfrm>
+      </p:grpSpPr>
+      <p:sp>
+        <p:nvSpPr>
+          <p:cNvPr id="9218" name="Rectangle 2"/>
+          <p:cNvSpPr>
+            <a:spLocks noGrp="1" noChangeArrowheads="1"/>
+          </p:cNvSpPr>
+          <p:nvPr>
+            <p:ph type="title"/>
+          </p:nvPr>
+        </p:nvSpPr>
+        <p:spPr/>
+        <p:txBody>
+          <a:bodyPr/>
+          <a:lstStyle/>
+          <a:p>
+            <a:r>
+              <a:rPr lang="en-AU" altLang="en-US" dirty="0"/>
+              <a:t>Test 5 Output Chart 2</a:t>
+            </a:r>
+          </a:p>
+        </p:txBody>
+      </p:sp>
+      <p:sp>
+        <p:nvSpPr>
+          <p:cNvPr id="4" name="TextBox 3"/>
+          <p:cNvSpPr txBox="1"/>
+          <p:nvPr/>
+        </p:nvSpPr>
+        <p:spPr>
+          <a:xfrm>
+            <a:off x="0" y="5847058"/>
+            <a:ext cx="9144000" cy="923330"/>
+          </a:xfrm>
+          <a:prstGeom prst="rect">
+            <a:avLst/>
+          </a:prstGeom>
+          <a:noFill/>
+        </p:spPr>
+        <p:txBody>
+          <a:bodyPr wrap="square" rtlCol="0">
+            <a:spAutoFit/>
+          </a:bodyPr>
+          <a:lstStyle/>
+          <a:p>
+            <a:r>
+              <a:rPr lang="en-US" i="1" dirty="0"/>
+              <a:t>Simulator [meanDailyBookings=1600.0, sdDailyBookings=528.0, seed=100, firstProb=0.1, businessProb=0.2, premiumProb=0.1, economyProb=0.6, maxQueueSize=50000, cancellationProb=0.1] </a:t>
+            </a:r>
+            <a:endParaRPr lang="en-US" dirty="0"/>
+          </a:p>
+        </p:txBody>
+      </p:sp>
+      <p:pic>
+        <p:nvPicPr>
+          <p:cNvPr id="3" name="Picture 2"/>
+          <p:cNvPicPr>
+            <a:picLocks noChangeAspect="1"/>
+          </p:cNvPicPr>
+          <p:nvPr/>
+        </p:nvPicPr>
+        <p:blipFill>
+          <a:blip r:embed="rId2"/>
+          <a:stretch>
+            <a:fillRect/>
+          </a:stretch>
+        </p:blipFill>
+        <p:spPr>
+          <a:xfrm>
+            <a:off x="-14796" y="1454628"/>
+            <a:ext cx="5581650" cy="3743325"/>
+          </a:xfrm>
+          <a:prstGeom prst="rect">
+            <a:avLst/>
+          </a:prstGeom>
+        </p:spPr>
+      </p:pic>
+      <p:sp>
+        <p:nvSpPr>
+          <p:cNvPr id="6" name="TextBox 5"/>
+          <p:cNvSpPr txBox="1"/>
+          <p:nvPr/>
+        </p:nvSpPr>
+        <p:spPr>
+          <a:xfrm>
+            <a:off x="5715000" y="1676400"/>
+            <a:ext cx="3276600" cy="369332"/>
+          </a:xfrm>
+          <a:prstGeom prst="rect">
+            <a:avLst/>
+          </a:prstGeom>
+          <a:noFill/>
+        </p:spPr>
+        <p:txBody>
+          <a:bodyPr wrap="square" rtlCol="0">
+            <a:spAutoFit/>
+          </a:bodyPr>
+          <a:lstStyle/>
+          <a:p>
+            <a:r>
+              <a:rPr lang="en-US" dirty="0"/>
+              <a:t>The Produced Log Output</a:t>
+            </a:r>
+          </a:p>
+        </p:txBody>
+      </p:sp>
+      <p:pic>
+        <p:nvPicPr>
+          <p:cNvPr id="2" name="Picture 1"/>
+          <p:cNvPicPr>
+            <a:picLocks noChangeAspect="1"/>
+          </p:cNvPicPr>
+          <p:nvPr/>
+        </p:nvPicPr>
+        <p:blipFill>
+          <a:blip r:embed="rId3"/>
+          <a:stretch>
+            <a:fillRect/>
+          </a:stretch>
+        </p:blipFill>
+        <p:spPr>
+          <a:xfrm>
+            <a:off x="-14796" y="1440572"/>
             <a:ext cx="5581650" cy="3743325"/>
           </a:xfrm>
           <a:prstGeom prst="rect">
@@ -4506,7 +4906,7 @@
     </p:spTree>
     <p:extLst>
       <p:ext uri="{BB962C8B-B14F-4D97-AF65-F5344CB8AC3E}">
-        <p14:creationId xmlns:p14="http://schemas.microsoft.com/office/powerpoint/2010/main" val="3268046048"/>
+        <p14:creationId xmlns:p14="http://schemas.microsoft.com/office/powerpoint/2010/main" val="3819975928"/>
       </p:ext>
     </p:extLst>
   </p:cSld>
@@ -4726,8 +5126,8 @@
         </p:blipFill>
         <p:spPr>
           <a:xfrm>
-            <a:off x="1781175" y="1760685"/>
-            <a:ext cx="5581650" cy="3743325"/>
+            <a:off x="76200" y="1981200"/>
+            <a:ext cx="3476625" cy="2331593"/>
           </a:xfrm>
           <a:prstGeom prst="rect">
             <a:avLst/>
@@ -4758,73 +5158,47 @@
           <a:p>
             <a:r>
               <a:rPr lang="en-US" i="1" dirty="0"/>
-              <a:t>[</a:t>
-            </a:r>
-            <a:r>
-              <a:rPr lang="en-US" i="1" dirty="0" err="1"/>
-              <a:t>meanDailyBookings</a:t>
-            </a:r>
-            <a:r>
-              <a:rPr lang="en-US" i="1" dirty="0"/>
-              <a:t>=1300.0, </a:t>
-            </a:r>
-            <a:r>
-              <a:rPr lang="en-US" i="1" dirty="0" err="1"/>
-              <a:t>sdDailyBookings</a:t>
-            </a:r>
-            <a:r>
-              <a:rPr lang="en-US" i="1" dirty="0"/>
-              <a:t>=mean*0.33, seed=100, </a:t>
-            </a:r>
-            <a:r>
-              <a:rPr lang="en-US" i="1" dirty="0" err="1"/>
-              <a:t>firstProb</a:t>
-            </a:r>
-            <a:r>
-              <a:rPr lang="en-US" i="1" dirty="0"/>
-              <a:t>=0.3, </a:t>
-            </a:r>
-            <a:r>
-              <a:rPr lang="en-US" i="1" dirty="0" err="1"/>
-              <a:t>businessProb</a:t>
-            </a:r>
-            <a:r>
-              <a:rPr lang="en-US" i="1" dirty="0"/>
-              <a:t>=0.4, </a:t>
-            </a:r>
-            <a:r>
-              <a:rPr lang="en-US" i="1" dirty="0" err="1"/>
-              <a:t>premiumProb</a:t>
-            </a:r>
-            <a:r>
-              <a:rPr lang="en-US" i="1" dirty="0"/>
-              <a:t>=0.3, </a:t>
-            </a:r>
-            <a:r>
-              <a:rPr lang="en-US" i="1" dirty="0" err="1"/>
-              <a:t>economyProb</a:t>
-            </a:r>
-            <a:r>
-              <a:rPr lang="en-US" i="1" dirty="0"/>
-              <a:t>=0.7, </a:t>
-            </a:r>
-            <a:r>
-              <a:rPr lang="en-US" i="1" dirty="0" err="1"/>
-              <a:t>maxQueueSize</a:t>
-            </a:r>
-            <a:r>
-              <a:rPr lang="en-US" i="1" dirty="0"/>
-              <a:t>=500, </a:t>
-            </a:r>
-            <a:r>
-              <a:rPr lang="en-US" i="1" dirty="0" err="1"/>
-              <a:t>cancellationProb</a:t>
-            </a:r>
-            <a:r>
-              <a:rPr lang="en-US" i="1" dirty="0"/>
-              <a:t>=0.1] </a:t>
+              <a:t>[meanDailyBookings=1300.0, sdDailyBookings=mean*0.33, seed=100, firstProb=0.3, businessProb=0.4, premiumProb=0.3, economyProb=0.7, maxQueueSize=500, cancellationProb=0.1] </a:t>
             </a:r>
             <a:endParaRPr lang="en-US" dirty="0"/>
+          </a:p>
+        </p:txBody>
+      </p:sp>
+      <p:sp>
+        <p:nvSpPr>
+          <p:cNvPr id="2" name="TextBox 1"/>
+          <p:cNvSpPr txBox="1"/>
+          <p:nvPr/>
+        </p:nvSpPr>
+        <p:spPr>
+          <a:xfrm>
+            <a:off x="3810000" y="1905000"/>
+            <a:ext cx="4686366" cy="2862322"/>
+          </a:xfrm>
+          <a:prstGeom prst="rect">
+            <a:avLst/>
+          </a:prstGeom>
+          <a:noFill/>
+        </p:spPr>
+        <p:txBody>
+          <a:bodyPr wrap="square" rtlCol="0" anchor="t">
+            <a:spAutoFit/>
+          </a:bodyPr>
+          <a:lstStyle/>
+          <a:p>
+            <a:r>
+              <a:rPr lang="en-US" dirty="0"/>
+              <a:t>The Main page opens with various settings available to the user, and 4 buttons. The two “Show Logs, and Switch Charts are disabled to start with until the simulation has been run.</a:t>
+            </a:r>
+          </a:p>
+          <a:p>
+            <a:endParaRPr lang="en-US" dirty="0"/>
+          </a:p>
+          <a:p>
+            <a:r>
+              <a:rPr lang="en-US" dirty="0"/>
+              <a:t>In this screen, the user enters incorrect data in the passenger split range. The combined total of Passengers must be 100% - no more, no less</a:t>
+            </a:r>
           </a:p>
         </p:txBody>
       </p:sp>
@@ -4890,8 +5264,8 @@
         </p:blipFill>
         <p:spPr>
           <a:xfrm>
-            <a:off x="1785937" y="1770210"/>
-            <a:ext cx="5572125" cy="3724275"/>
+            <a:off x="457200" y="2133600"/>
+            <a:ext cx="3319463" cy="2218650"/>
           </a:xfrm>
           <a:prstGeom prst="rect">
             <a:avLst/>
@@ -4922,73 +5296,38 @@
           <a:p>
             <a:r>
               <a:rPr lang="en-US" i="1" dirty="0"/>
-              <a:t>[</a:t>
-            </a:r>
-            <a:r>
-              <a:rPr lang="en-US" i="1" dirty="0" err="1"/>
-              <a:t>meanDailyBookings</a:t>
-            </a:r>
-            <a:r>
-              <a:rPr lang="en-US" i="1" dirty="0"/>
-              <a:t>=1300.0, </a:t>
-            </a:r>
-            <a:r>
-              <a:rPr lang="en-US" i="1" dirty="0" err="1"/>
-              <a:t>sdDailyBookings</a:t>
-            </a:r>
-            <a:r>
-              <a:rPr lang="en-US" i="1" dirty="0"/>
-              <a:t>=mean*0.33, seed=100, </a:t>
-            </a:r>
-            <a:r>
-              <a:rPr lang="en-US" i="1" dirty="0" err="1"/>
-              <a:t>firstProb</a:t>
-            </a:r>
-            <a:r>
-              <a:rPr lang="en-US" i="1" dirty="0"/>
-              <a:t>=0.3, </a:t>
-            </a:r>
-            <a:r>
-              <a:rPr lang="en-US" i="1" dirty="0" err="1"/>
-              <a:t>businessProb</a:t>
-            </a:r>
-            <a:r>
-              <a:rPr lang="en-US" i="1" dirty="0"/>
-              <a:t>=0.4, </a:t>
-            </a:r>
-            <a:r>
-              <a:rPr lang="en-US" i="1" dirty="0" err="1"/>
-              <a:t>premiumProb</a:t>
-            </a:r>
-            <a:r>
-              <a:rPr lang="en-US" i="1" dirty="0"/>
-              <a:t>=0.3, </a:t>
-            </a:r>
-            <a:r>
-              <a:rPr lang="en-US" i="1" dirty="0" err="1"/>
-              <a:t>economyProb</a:t>
-            </a:r>
-            <a:r>
-              <a:rPr lang="en-US" i="1" dirty="0"/>
-              <a:t>=0.7, </a:t>
-            </a:r>
-            <a:r>
-              <a:rPr lang="en-US" i="1" dirty="0" err="1"/>
-              <a:t>maxQueueSize</a:t>
-            </a:r>
-            <a:r>
-              <a:rPr lang="en-US" i="1" dirty="0"/>
-              <a:t>=500, </a:t>
-            </a:r>
-            <a:r>
-              <a:rPr lang="en-US" i="1" dirty="0" err="1"/>
-              <a:t>cancellationProb</a:t>
-            </a:r>
-            <a:r>
-              <a:rPr lang="en-US" i="1" dirty="0"/>
-              <a:t>=0.1] </a:t>
+              <a:t>[meanDailyBookings=1300.0, sdDailyBookings=mean*0.33, seed=100, firstProb=0.3, businessProb=0.4, premiumProb=0.3, economyProb=0.7, maxQueueSize=500, cancellationProb=0.1] </a:t>
             </a:r>
             <a:endParaRPr lang="en-US" dirty="0"/>
+          </a:p>
+        </p:txBody>
+      </p:sp>
+      <p:sp>
+        <p:nvSpPr>
+          <p:cNvPr id="2" name="TextBox 1"/>
+          <p:cNvSpPr txBox="1"/>
+          <p:nvPr/>
+        </p:nvSpPr>
+        <p:spPr>
+          <a:xfrm>
+            <a:off x="4088252" y="2286000"/>
+            <a:ext cx="4446148" cy="1200329"/>
+          </a:xfrm>
+          <a:prstGeom prst="rect">
+            <a:avLst/>
+          </a:prstGeom>
+          <a:noFill/>
+        </p:spPr>
+        <p:txBody>
+          <a:bodyPr wrap="square" rtlCol="0">
+            <a:spAutoFit/>
+          </a:bodyPr>
+          <a:lstStyle/>
+          <a:p>
+            <a:r>
+              <a:rPr lang="en-US" dirty="0"/>
+              <a:t>The Error message that is displayed to the user. The Simulation is not run until the user fixes any errors and Clicks “Run Simulation Again</a:t>
+            </a:r>
           </a:p>
         </p:txBody>
       </p:sp>
@@ -5060,8 +5399,8 @@
         </p:blipFill>
         <p:spPr>
           <a:xfrm>
-            <a:off x="1781175" y="1760685"/>
-            <a:ext cx="5581650" cy="3743325"/>
+            <a:off x="457200" y="1981200"/>
+            <a:ext cx="4090369" cy="2743200"/>
           </a:xfrm>
           <a:prstGeom prst="rect">
             <a:avLst/>
@@ -5092,73 +5431,38 @@
           <a:p>
             <a:r>
               <a:rPr lang="en-US" i="1" dirty="0"/>
-              <a:t>[</a:t>
-            </a:r>
-            <a:r>
-              <a:rPr lang="en-US" i="1" dirty="0" err="1"/>
-              <a:t>meanDailyBookings</a:t>
-            </a:r>
-            <a:r>
-              <a:rPr lang="en-US" i="1" dirty="0"/>
-              <a:t>=-500, </a:t>
-            </a:r>
-            <a:r>
-              <a:rPr lang="en-US" i="1" dirty="0" err="1"/>
-              <a:t>sdDailyBookings</a:t>
-            </a:r>
-            <a:r>
-              <a:rPr lang="en-US" i="1" dirty="0"/>
-              <a:t>=mean*0.33, seed=100, </a:t>
-            </a:r>
-            <a:r>
-              <a:rPr lang="en-US" i="1" dirty="0" err="1"/>
-              <a:t>firstProb</a:t>
-            </a:r>
-            <a:r>
-              <a:rPr lang="en-US" i="1" dirty="0"/>
-              <a:t>=0.03, </a:t>
-            </a:r>
-            <a:r>
-              <a:rPr lang="en-US" i="1" dirty="0" err="1"/>
-              <a:t>businessProb</a:t>
-            </a:r>
-            <a:r>
-              <a:rPr lang="en-US" i="1" dirty="0"/>
-              <a:t>=0.14, </a:t>
-            </a:r>
-            <a:r>
-              <a:rPr lang="en-US" i="1" dirty="0" err="1"/>
-              <a:t>premiumProb</a:t>
-            </a:r>
-            <a:r>
-              <a:rPr lang="en-US" i="1" dirty="0"/>
-              <a:t>=0.13, </a:t>
-            </a:r>
-            <a:r>
-              <a:rPr lang="en-US" i="1" dirty="0" err="1"/>
-              <a:t>economyProb</a:t>
-            </a:r>
-            <a:r>
-              <a:rPr lang="en-US" i="1" dirty="0"/>
-              <a:t>=0.7, </a:t>
-            </a:r>
-            <a:r>
-              <a:rPr lang="en-US" i="1" dirty="0" err="1"/>
-              <a:t>maxQueueSize</a:t>
-            </a:r>
-            <a:r>
-              <a:rPr lang="en-US" i="1" dirty="0"/>
-              <a:t>=500, </a:t>
-            </a:r>
-            <a:r>
-              <a:rPr lang="en-US" i="1" dirty="0" err="1"/>
-              <a:t>cancellationProb</a:t>
-            </a:r>
-            <a:r>
-              <a:rPr lang="en-US" i="1" dirty="0"/>
-              <a:t>=0.1] </a:t>
+              <a:t>[meanDailyBookings=-500, sdDailyBookings=mean*0.33, seed=100, firstProb=0.03, businessProb=0.14, premiumProb=0.13, economyProb=0.7, maxQueueSize=500, cancellationProb=0.1] </a:t>
             </a:r>
             <a:endParaRPr lang="en-US" dirty="0"/>
+          </a:p>
+        </p:txBody>
+      </p:sp>
+      <p:sp>
+        <p:nvSpPr>
+          <p:cNvPr id="2" name="TextBox 1"/>
+          <p:cNvSpPr txBox="1"/>
+          <p:nvPr/>
+        </p:nvSpPr>
+        <p:spPr>
+          <a:xfrm>
+            <a:off x="4876800" y="1981200"/>
+            <a:ext cx="3962400" cy="1200329"/>
+          </a:xfrm>
+          <a:prstGeom prst="rect">
+            <a:avLst/>
+          </a:prstGeom>
+          <a:noFill/>
+        </p:spPr>
+        <p:txBody>
+          <a:bodyPr wrap="square" rtlCol="0">
+            <a:spAutoFit/>
+          </a:bodyPr>
+          <a:lstStyle/>
+          <a:p>
+            <a:r>
+              <a:rPr lang="en-US" dirty="0"/>
+              <a:t>The user attempts to create a Simulation with a Queue of -500 which violates the &lt;0 rule that it has applied to it.</a:t>
+            </a:r>
           </a:p>
         </p:txBody>
       </p:sp>
@@ -5229,8 +5533,8 @@
         </p:blipFill>
         <p:spPr>
           <a:xfrm>
-            <a:off x="1790700" y="1765448"/>
-            <a:ext cx="5562600" cy="3733800"/>
+            <a:off x="457200" y="1905000"/>
+            <a:ext cx="3746241" cy="2514600"/>
           </a:xfrm>
           <a:prstGeom prst="rect">
             <a:avLst/>
@@ -5261,73 +5565,38 @@
           <a:p>
             <a:r>
               <a:rPr lang="en-US" i="1" dirty="0"/>
-              <a:t>[</a:t>
-            </a:r>
-            <a:r>
-              <a:rPr lang="en-US" i="1" dirty="0" err="1"/>
-              <a:t>meanDailyBookings</a:t>
-            </a:r>
-            <a:r>
-              <a:rPr lang="en-US" i="1" dirty="0"/>
-              <a:t>=-500, </a:t>
-            </a:r>
-            <a:r>
-              <a:rPr lang="en-US" i="1" dirty="0" err="1"/>
-              <a:t>sdDailyBookings</a:t>
-            </a:r>
-            <a:r>
-              <a:rPr lang="en-US" i="1" dirty="0"/>
-              <a:t>=mean*0.33, seed=100, </a:t>
-            </a:r>
-            <a:r>
-              <a:rPr lang="en-US" i="1" dirty="0" err="1"/>
-              <a:t>firstProb</a:t>
-            </a:r>
-            <a:r>
-              <a:rPr lang="en-US" i="1" dirty="0"/>
-              <a:t>=0.03, </a:t>
-            </a:r>
-            <a:r>
-              <a:rPr lang="en-US" i="1" dirty="0" err="1"/>
-              <a:t>businessProb</a:t>
-            </a:r>
-            <a:r>
-              <a:rPr lang="en-US" i="1" dirty="0"/>
-              <a:t>=0.14, </a:t>
-            </a:r>
-            <a:r>
-              <a:rPr lang="en-US" i="1" dirty="0" err="1"/>
-              <a:t>premiumProb</a:t>
-            </a:r>
-            <a:r>
-              <a:rPr lang="en-US" i="1" dirty="0"/>
-              <a:t>=0.13, </a:t>
-            </a:r>
-            <a:r>
-              <a:rPr lang="en-US" i="1" dirty="0" err="1"/>
-              <a:t>economyProb</a:t>
-            </a:r>
-            <a:r>
-              <a:rPr lang="en-US" i="1" dirty="0"/>
-              <a:t>=0.7, </a:t>
-            </a:r>
-            <a:r>
-              <a:rPr lang="en-US" i="1" dirty="0" err="1"/>
-              <a:t>maxQueueSize</a:t>
-            </a:r>
-            <a:r>
-              <a:rPr lang="en-US" i="1" dirty="0"/>
-              <a:t>=500, </a:t>
-            </a:r>
-            <a:r>
-              <a:rPr lang="en-US" i="1" dirty="0" err="1"/>
-              <a:t>cancellationProb</a:t>
-            </a:r>
-            <a:r>
-              <a:rPr lang="en-US" i="1" dirty="0"/>
-              <a:t>=0.1] </a:t>
+              <a:t>[meanDailyBookings=-500, sdDailyBookings=mean*0.33, seed=100, firstProb=0.03, businessProb=0.14, premiumProb=0.13, economyProb=0.7, maxQueueSize=500, cancellationProb=0.1] </a:t>
             </a:r>
             <a:endParaRPr lang="en-US" dirty="0"/>
+          </a:p>
+        </p:txBody>
+      </p:sp>
+      <p:sp>
+        <p:nvSpPr>
+          <p:cNvPr id="2" name="TextBox 1"/>
+          <p:cNvSpPr txBox="1"/>
+          <p:nvPr/>
+        </p:nvSpPr>
+        <p:spPr>
+          <a:xfrm>
+            <a:off x="4724400" y="1905000"/>
+            <a:ext cx="3810000" cy="923330"/>
+          </a:xfrm>
+          <a:prstGeom prst="rect">
+            <a:avLst/>
+          </a:prstGeom>
+          <a:noFill/>
+        </p:spPr>
+        <p:txBody>
+          <a:bodyPr wrap="square" rtlCol="0">
+            <a:spAutoFit/>
+          </a:bodyPr>
+          <a:lstStyle/>
+          <a:p>
+            <a:r>
+              <a:rPr lang="en-US" dirty="0"/>
+              <a:t>The Error message that will appear to prompt the user to re ender their details and then try again</a:t>
+            </a:r>
           </a:p>
         </p:txBody>
       </p:sp>
@@ -5406,68 +5675,8 @@
           <a:lstStyle/>
           <a:p>
             <a:r>
-              <a:rPr lang="en-US" i="1" dirty="0" err="1"/>
-              <a:t>meanDailyBookings</a:t>
-            </a:r>
-            <a:r>
               <a:rPr lang="en-US" i="1" dirty="0"/>
-              <a:t>=1300.0, </a:t>
-            </a:r>
-            <a:r>
-              <a:rPr lang="en-US" i="1" dirty="0" err="1"/>
-              <a:t>sdDailyBookings</a:t>
-            </a:r>
-            <a:r>
-              <a:rPr lang="en-US" i="1" dirty="0"/>
-              <a:t>=429.0, seed=100, </a:t>
-            </a:r>
-            <a:r>
-              <a:rPr lang="en-US" i="1" dirty="0" err="1"/>
-              <a:t>firstProb</a:t>
-            </a:r>
-            <a:r>
-              <a:rPr lang="en-US" i="1" dirty="0"/>
-              <a:t>=0.03, </a:t>
-            </a:r>
-            <a:r>
-              <a:rPr lang="en-US" i="1" dirty="0" err="1"/>
-              <a:t>businessProb</a:t>
-            </a:r>
-            <a:r>
-              <a:rPr lang="en-US" i="1" dirty="0"/>
-              <a:t>=0.14, </a:t>
-            </a:r>
-            <a:r>
-              <a:rPr lang="en-US" i="1" dirty="0" err="1"/>
-              <a:t>premiumProb</a:t>
-            </a:r>
-            <a:r>
-              <a:rPr lang="en-US" i="1" dirty="0"/>
-              <a:t>=0.13, </a:t>
-            </a:r>
-            <a:r>
-              <a:rPr lang="en-US" i="1" dirty="0" err="1"/>
-              <a:t>economyProb</a:t>
-            </a:r>
-            <a:r>
-              <a:rPr lang="en-US" i="1" dirty="0"/>
-              <a:t>=0.7, </a:t>
-            </a:r>
-            <a:r>
-              <a:rPr lang="en-US" i="1" dirty="0" err="1"/>
-              <a:t>maxQueueSize</a:t>
-            </a:r>
-            <a:r>
-              <a:rPr lang="en-US" i="1" dirty="0"/>
-              <a:t>=0, </a:t>
-            </a:r>
-            <a:r>
-              <a:rPr lang="en-US" i="1" dirty="0" err="1"/>
-              <a:t>cancellationProb</a:t>
-            </a:r>
-            <a:r>
-              <a:rPr lang="en-US" i="1" dirty="0"/>
-              <a:t>=1.0] </a:t>
+              <a:t>meanDailyBookings=1300.0, sdDailyBookings=429.0, seed=100, firstProb=0.03, businessProb=0.14, premiumProb=0.13, economyProb=0.7, maxQueueSize=0, cancellationProb=1.0] </a:t>
             </a:r>
             <a:endParaRPr lang="en-US" dirty="0"/>
           </a:p>
@@ -5489,14 +5698,43 @@
         </p:blipFill>
         <p:spPr>
           <a:xfrm>
-            <a:off x="1781175" y="1760685"/>
-            <a:ext cx="5581650" cy="3743325"/>
+            <a:off x="494930" y="2133600"/>
+            <a:ext cx="3851071" cy="2582715"/>
           </a:xfrm>
           <a:prstGeom prst="rect">
             <a:avLst/>
           </a:prstGeom>
         </p:spPr>
       </p:pic>
+      <p:sp>
+        <p:nvSpPr>
+          <p:cNvPr id="2" name="TextBox 1"/>
+          <p:cNvSpPr txBox="1"/>
+          <p:nvPr/>
+        </p:nvSpPr>
+        <p:spPr>
+          <a:xfrm>
+            <a:off x="4495800" y="2209800"/>
+            <a:ext cx="4118394" cy="923330"/>
+          </a:xfrm>
+          <a:prstGeom prst="rect">
+            <a:avLst/>
+          </a:prstGeom>
+          <a:noFill/>
+        </p:spPr>
+        <p:txBody>
+          <a:bodyPr wrap="square" rtlCol="0">
+            <a:spAutoFit/>
+          </a:bodyPr>
+          <a:lstStyle/>
+          <a:p>
+            <a:r>
+              <a:rPr lang="en-US" dirty="0"/>
+              <a:t>The User provides valid values in all the fields, therefore the simulation should run error free</a:t>
+            </a:r>
+          </a:p>
+        </p:txBody>
+      </p:sp>
     </p:spTree>
     <p:extLst>
       <p:ext uri="{BB962C8B-B14F-4D97-AF65-F5344CB8AC3E}">
@@ -5572,68 +5810,8 @@
           <a:lstStyle/>
           <a:p>
             <a:r>
-              <a:rPr lang="en-US" i="1" dirty="0" err="1"/>
-              <a:t>meanDailyBookings</a:t>
-            </a:r>
-            <a:r>
               <a:rPr lang="en-US" i="1" dirty="0"/>
-              <a:t>=1300.0, </a:t>
-            </a:r>
-            <a:r>
-              <a:rPr lang="en-US" i="1" dirty="0" err="1"/>
-              <a:t>sdDailyBookings</a:t>
-            </a:r>
-            <a:r>
-              <a:rPr lang="en-US" i="1" dirty="0"/>
-              <a:t>=429.0, seed=100, </a:t>
-            </a:r>
-            <a:r>
-              <a:rPr lang="en-US" i="1" dirty="0" err="1"/>
-              <a:t>firstProb</a:t>
-            </a:r>
-            <a:r>
-              <a:rPr lang="en-US" i="1" dirty="0"/>
-              <a:t>=0.03, </a:t>
-            </a:r>
-            <a:r>
-              <a:rPr lang="en-US" i="1" dirty="0" err="1"/>
-              <a:t>businessProb</a:t>
-            </a:r>
-            <a:r>
-              <a:rPr lang="en-US" i="1" dirty="0"/>
-              <a:t>=0.14, </a:t>
-            </a:r>
-            <a:r>
-              <a:rPr lang="en-US" i="1" dirty="0" err="1"/>
-              <a:t>premiumProb</a:t>
-            </a:r>
-            <a:r>
-              <a:rPr lang="en-US" i="1" dirty="0"/>
-              <a:t>=0.13, </a:t>
-            </a:r>
-            <a:r>
-              <a:rPr lang="en-US" i="1" dirty="0" err="1"/>
-              <a:t>economyProb</a:t>
-            </a:r>
-            <a:r>
-              <a:rPr lang="en-US" i="1" dirty="0"/>
-              <a:t>=0.7, </a:t>
-            </a:r>
-            <a:r>
-              <a:rPr lang="en-US" i="1" dirty="0" err="1"/>
-              <a:t>maxQueueSize</a:t>
-            </a:r>
-            <a:r>
-              <a:rPr lang="en-US" i="1" dirty="0"/>
-              <a:t>=0, </a:t>
-            </a:r>
-            <a:r>
-              <a:rPr lang="en-US" i="1" dirty="0" err="1"/>
-              <a:t>cancellationProb</a:t>
-            </a:r>
-            <a:r>
-              <a:rPr lang="en-US" i="1" dirty="0"/>
-              <a:t>=1.0] </a:t>
+              <a:t>meanDailyBookings=1300.0, sdDailyBookings=429.0, seed=100, firstProb=0.03, businessProb=0.14, premiumProb=0.13, economyProb=0.7, maxQueueSize=0, cancellationProb=1.0] </a:t>
             </a:r>
             <a:endParaRPr lang="en-US" dirty="0"/>
           </a:p>
@@ -5655,14 +5833,43 @@
         </p:blipFill>
         <p:spPr>
           <a:xfrm>
-            <a:off x="1781175" y="1557337"/>
-            <a:ext cx="5581650" cy="3743325"/>
+            <a:off x="381000" y="2057400"/>
+            <a:ext cx="4786300" cy="3209925"/>
           </a:xfrm>
           <a:prstGeom prst="rect">
             <a:avLst/>
           </a:prstGeom>
         </p:spPr>
       </p:pic>
+      <p:sp>
+        <p:nvSpPr>
+          <p:cNvPr id="3" name="TextBox 2"/>
+          <p:cNvSpPr txBox="1"/>
+          <p:nvPr/>
+        </p:nvSpPr>
+        <p:spPr>
+          <a:xfrm>
+            <a:off x="5304014" y="2286000"/>
+            <a:ext cx="3535185" cy="1200329"/>
+          </a:xfrm>
+          <a:prstGeom prst="rect">
+            <a:avLst/>
+          </a:prstGeom>
+          <a:noFill/>
+        </p:spPr>
+        <p:txBody>
+          <a:bodyPr wrap="square" rtlCol="0">
+            <a:spAutoFit/>
+          </a:bodyPr>
+          <a:lstStyle/>
+          <a:p>
+            <a:r>
+              <a:rPr lang="en-US" dirty="0"/>
+              <a:t>The Graph that is created from the provided parameters. Note that the “Show Logs” &amp; “Switch Charts” Buttons are now active</a:t>
+            </a:r>
+          </a:p>
+        </p:txBody>
+      </p:sp>
     </p:spTree>
     <p:extLst>
       <p:ext uri="{BB962C8B-B14F-4D97-AF65-F5344CB8AC3E}">
@@ -5710,165 +5917,35 @@
           <a:p>
             <a:r>
               <a:rPr lang="en-AU" altLang="en-US" dirty="0"/>
-              <a:t>Test 3 Test Data </a:t>
-            </a:r>
-          </a:p>
-        </p:txBody>
-      </p:sp>
-      <p:sp>
-        <p:nvSpPr>
-          <p:cNvPr id="3" name="Rectangle 2"/>
-          <p:cNvSpPr/>
+              <a:t>Test 3 Input Screen Shot </a:t>
+            </a:r>
+          </a:p>
+        </p:txBody>
+      </p:sp>
+      <p:pic>
+        <p:nvPicPr>
+          <p:cNvPr id="4" name="Picture 3"/>
+          <p:cNvPicPr>
+            <a:picLocks noChangeAspect="1"/>
+          </p:cNvPicPr>
           <p:nvPr/>
-        </p:nvSpPr>
-        <p:spPr>
-          <a:xfrm>
-            <a:off x="449239" y="4572000"/>
-            <a:ext cx="8077200" cy="1754326"/>
+        </p:nvPicPr>
+        <p:blipFill>
+          <a:blip r:embed="rId2"/>
+          <a:stretch>
+            <a:fillRect/>
+          </a:stretch>
+        </p:blipFill>
+        <p:spPr>
+          <a:xfrm>
+            <a:off x="381000" y="1905000"/>
+            <a:ext cx="3522263" cy="2362200"/>
           </a:xfrm>
           <a:prstGeom prst="rect">
             <a:avLst/>
           </a:prstGeom>
         </p:spPr>
-        <p:txBody>
-          <a:bodyPr wrap="square">
-            <a:spAutoFit/>
-          </a:bodyPr>
-          <a:lstStyle/>
-          <a:p>
-            <a:pPr algn="l"/>
-            <a:r>
-              <a:rPr lang="en-AU" dirty="0"/>
-              <a:t>124:1414:F42:J180:P102:Y889:T1213:E108:Q496:R36070</a:t>
-            </a:r>
-          </a:p>
-          <a:p>
-            <a:pPr algn="l"/>
-            <a:r>
-              <a:rPr lang="en-AU" dirty="0"/>
-              <a:t>125:781:F42:J180:P102:Y872:T1196:E125:Q496:R36958</a:t>
-            </a:r>
-          </a:p>
-          <a:p>
-            <a:pPr algn="l"/>
-            <a:r>
-              <a:rPr lang="en-AU" dirty="0"/>
-              <a:t>126:1584:F42:J180:P102:Y855:T1179:E142:Q496:R38667</a:t>
-            </a:r>
-          </a:p>
-          <a:p>
-            <a:pPr algn="l"/>
-            <a:endParaRPr lang="en-AU" dirty="0"/>
-          </a:p>
-          <a:p>
-            <a:pPr algn="l"/>
-            <a:r>
-              <a:rPr lang="en-AU" dirty="0"/>
-              <a:t>20160525_203007: End of Simulation</a:t>
-            </a:r>
-          </a:p>
-          <a:p>
-            <a:pPr algn="l"/>
-            <a:r>
-              <a:rPr lang="en-AU" dirty="0"/>
-              <a:t>Final Totals: [F4424:J18922:P10652:Y88120:T122118:E17908:R39305]</a:t>
-            </a:r>
-          </a:p>
-        </p:txBody>
-      </p:sp>
-      <p:sp>
-        <p:nvSpPr>
-          <p:cNvPr id="4" name="Rectangle 3"/>
-          <p:cNvSpPr/>
-          <p:nvPr/>
-        </p:nvSpPr>
-        <p:spPr>
-          <a:xfrm>
-            <a:off x="457200" y="1417638"/>
-            <a:ext cx="8229600" cy="923330"/>
-          </a:xfrm>
-          <a:prstGeom prst="rect">
-            <a:avLst/>
-          </a:prstGeom>
-        </p:spPr>
-        <p:txBody>
-          <a:bodyPr wrap="square">
-            <a:spAutoFit/>
-          </a:bodyPr>
-          <a:lstStyle/>
-          <a:p>
-            <a:pPr algn="l"/>
-            <a:r>
-              <a:rPr lang="en-AU" dirty="0"/>
-              <a:t>Simulator [</a:t>
-            </a:r>
-            <a:r>
-              <a:rPr lang="en-AU" dirty="0" err="1"/>
-              <a:t>meanDailyBookings</a:t>
-            </a:r>
-            <a:r>
-              <a:rPr lang="en-AU" dirty="0"/>
-              <a:t>=1300.0, </a:t>
-            </a:r>
-            <a:r>
-              <a:rPr lang="en-AU" dirty="0" err="1"/>
-              <a:t>sdDailyBookings</a:t>
-            </a:r>
-            <a:r>
-              <a:rPr lang="en-AU" dirty="0"/>
-              <a:t>=429.0, seed=100, </a:t>
-            </a:r>
-            <a:r>
-              <a:rPr lang="en-AU" dirty="0" err="1"/>
-              <a:t>firstProb</a:t>
-            </a:r>
-            <a:r>
-              <a:rPr lang="en-AU" dirty="0"/>
-              <a:t>=0.03, </a:t>
-            </a:r>
-            <a:r>
-              <a:rPr lang="en-AU" dirty="0" err="1"/>
-              <a:t>businessProb</a:t>
-            </a:r>
-            <a:r>
-              <a:rPr lang="en-AU" dirty="0"/>
-              <a:t>=0.14, </a:t>
-            </a:r>
-            <a:r>
-              <a:rPr lang="en-AU" dirty="0" err="1"/>
-              <a:t>premiumProb</a:t>
-            </a:r>
-            <a:r>
-              <a:rPr lang="en-AU" dirty="0"/>
-              <a:t>=0.13, </a:t>
-            </a:r>
-            <a:r>
-              <a:rPr lang="en-AU" dirty="0" err="1"/>
-              <a:t>economyProb</a:t>
-            </a:r>
-            <a:r>
-              <a:rPr lang="en-AU" dirty="0"/>
-              <a:t>=0.7, </a:t>
-            </a:r>
-            <a:r>
-              <a:rPr lang="en-AU" dirty="0" err="1"/>
-              <a:t>maxQueueSize</a:t>
-            </a:r>
-            <a:r>
-              <a:rPr lang="en-AU" dirty="0"/>
-              <a:t>=500, </a:t>
-            </a:r>
-            <a:r>
-              <a:rPr lang="en-AU" dirty="0" err="1"/>
-              <a:t>cancellationProb</a:t>
-            </a:r>
-            <a:r>
-              <a:rPr lang="en-AU" dirty="0"/>
-              <a:t>=0.0]</a:t>
-            </a:r>
-          </a:p>
-        </p:txBody>
-      </p:sp>
+      </p:pic>
       <p:sp>
         <p:nvSpPr>
           <p:cNvPr id="5" name="TextBox 4"/>
@@ -5877,8 +5954,8 @@
         </p:nvSpPr>
         <p:spPr>
           <a:xfrm>
-            <a:off x="457200" y="2819400"/>
-            <a:ext cx="7315200" cy="707886"/>
+            <a:off x="0" y="5847058"/>
+            <a:ext cx="9144000" cy="923330"/>
           </a:xfrm>
           <a:prstGeom prst="rect">
             <a:avLst/>
@@ -5892,8 +5969,38 @@
           <a:lstStyle/>
           <a:p>
             <a:r>
-              <a:rPr lang="en-AU" sz="4000" dirty="0"/>
-              <a:t>EXAMPLE ONLY – You choose </a:t>
+              <a:rPr lang="en-US" i="1" dirty="0"/>
+              <a:t>meanDailyBookings=1300.0, sdDailyBookings=429.0, seed=100, firstProb=0.03, businessProb=0.14, premiumProb=0.13, economyProb=0.7, maxQueueSize=500, cancellationProb=0] </a:t>
+            </a:r>
+            <a:endParaRPr lang="en-US" dirty="0"/>
+          </a:p>
+        </p:txBody>
+      </p:sp>
+      <p:sp>
+        <p:nvSpPr>
+          <p:cNvPr id="3" name="TextBox 2"/>
+          <p:cNvSpPr txBox="1"/>
+          <p:nvPr/>
+        </p:nvSpPr>
+        <p:spPr>
+          <a:xfrm>
+            <a:off x="4191000" y="1981200"/>
+            <a:ext cx="4648200" cy="923330"/>
+          </a:xfrm>
+          <a:prstGeom prst="rect">
+            <a:avLst/>
+          </a:prstGeom>
+          <a:noFill/>
+        </p:spPr>
+        <p:txBody>
+          <a:bodyPr wrap="square" rtlCol="0">
+            <a:spAutoFit/>
+          </a:bodyPr>
+          <a:lstStyle/>
+          <a:p>
+            <a:r>
+              <a:rPr lang="en-US" dirty="0"/>
+              <a:t>Another Successful parameter Set where the user has changed the Cancelation Probability to 0%</a:t>
             </a:r>
           </a:p>
         </p:txBody>
@@ -5901,7 +6008,7 @@
     </p:spTree>
     <p:extLst>
       <p:ext uri="{BB962C8B-B14F-4D97-AF65-F5344CB8AC3E}">
-        <p14:creationId xmlns:p14="http://schemas.microsoft.com/office/powerpoint/2010/main" val="1753622157"/>
+        <p14:creationId xmlns:p14="http://schemas.microsoft.com/office/powerpoint/2010/main" val="4059531294"/>
       </p:ext>
     </p:extLst>
   </p:cSld>

--- a/GUITestPlan.pptx
+++ b/GUITestPlan.pptx
@@ -6,23 +6,22 @@
   </p:sldMasterIdLst>
   <p:sldIdLst>
     <p:sldId id="256" r:id="rId2"/>
-    <p:sldId id="260" r:id="rId3"/>
-    <p:sldId id="259" r:id="rId4"/>
-    <p:sldId id="263" r:id="rId5"/>
-    <p:sldId id="261" r:id="rId6"/>
-    <p:sldId id="264" r:id="rId7"/>
-    <p:sldId id="262" r:id="rId8"/>
-    <p:sldId id="265" r:id="rId9"/>
-    <p:sldId id="268" r:id="rId10"/>
-    <p:sldId id="269" r:id="rId11"/>
-    <p:sldId id="270" r:id="rId12"/>
-    <p:sldId id="271" r:id="rId13"/>
-    <p:sldId id="274" r:id="rId14"/>
-    <p:sldId id="275" r:id="rId15"/>
-    <p:sldId id="272" r:id="rId16"/>
-    <p:sldId id="273" r:id="rId17"/>
-    <p:sldId id="276" r:id="rId18"/>
-    <p:sldId id="277" r:id="rId19"/>
+    <p:sldId id="259" r:id="rId3"/>
+    <p:sldId id="263" r:id="rId4"/>
+    <p:sldId id="261" r:id="rId5"/>
+    <p:sldId id="264" r:id="rId6"/>
+    <p:sldId id="262" r:id="rId7"/>
+    <p:sldId id="265" r:id="rId8"/>
+    <p:sldId id="268" r:id="rId9"/>
+    <p:sldId id="269" r:id="rId10"/>
+    <p:sldId id="270" r:id="rId11"/>
+    <p:sldId id="271" r:id="rId12"/>
+    <p:sldId id="274" r:id="rId13"/>
+    <p:sldId id="275" r:id="rId14"/>
+    <p:sldId id="272" r:id="rId15"/>
+    <p:sldId id="273" r:id="rId16"/>
+    <p:sldId id="276" r:id="rId17"/>
+    <p:sldId id="277" r:id="rId18"/>
   </p:sldIdLst>
   <p:sldSz cx="9144000" cy="6858000" type="screen4x3"/>
   <p:notesSz cx="6858000" cy="9144000"/>
@@ -3716,14 +3715,44 @@
           <a:p>
             <a:r>
               <a:rPr lang="en-AU" altLang="en-US" dirty="0"/>
-              <a:t>Test 3 Output Screen Shot </a:t>
-            </a:r>
+              <a:t>Test 4 Input Screen Shot </a:t>
+            </a:r>
+          </a:p>
+        </p:txBody>
+      </p:sp>
+      <p:sp>
+        <p:nvSpPr>
+          <p:cNvPr id="4" name="TextBox 3"/>
+          <p:cNvSpPr txBox="1"/>
+          <p:nvPr/>
+        </p:nvSpPr>
+        <p:spPr>
+          <a:xfrm>
+            <a:off x="0" y="5847058"/>
+            <a:ext cx="9144000" cy="923330"/>
+          </a:xfrm>
+          <a:prstGeom prst="rect">
+            <a:avLst/>
+          </a:prstGeom>
+          <a:noFill/>
+        </p:spPr>
+        <p:txBody>
+          <a:bodyPr wrap="square" rtlCol="0">
+            <a:spAutoFit/>
+          </a:bodyPr>
+          <a:lstStyle/>
+          <a:p>
+            <a:r>
+              <a:rPr lang="en-US" i="1" dirty="0"/>
+              <a:t>Simulator [meanDailyBookings=2000.0, sdDailyBookings=660.0, seed=100, firstProb=0.1, businessProb=0.2, premiumProb=0.0, economyProb=0.7, maxQueueSize=1000, cancellationProb=0.1] </a:t>
+            </a:r>
+            <a:endParaRPr lang="en-US" dirty="0"/>
           </a:p>
         </p:txBody>
       </p:sp>
       <p:pic>
         <p:nvPicPr>
-          <p:cNvPr id="3" name="Picture 2"/>
+          <p:cNvPr id="5" name="Picture 4"/>
           <p:cNvPicPr>
             <a:picLocks noChangeAspect="1"/>
           </p:cNvPicPr>
@@ -3737,8 +3766,8 @@
         </p:blipFill>
         <p:spPr>
           <a:xfrm>
-            <a:off x="1781175" y="1557337"/>
-            <a:ext cx="5581650" cy="3743325"/>
+            <a:off x="381000" y="1752600"/>
+            <a:ext cx="4722389" cy="3167063"/>
           </a:xfrm>
           <a:prstGeom prst="rect">
             <a:avLst/>
@@ -3747,14 +3776,14 @@
       </p:pic>
       <p:sp>
         <p:nvSpPr>
-          <p:cNvPr id="4" name="TextBox 3"/>
+          <p:cNvPr id="2" name="TextBox 1"/>
           <p:cNvSpPr txBox="1"/>
           <p:nvPr/>
         </p:nvSpPr>
         <p:spPr>
           <a:xfrm>
-            <a:off x="0" y="5847058"/>
-            <a:ext cx="9144000" cy="923330"/>
+            <a:off x="5334000" y="1752600"/>
+            <a:ext cx="3657600" cy="923330"/>
           </a:xfrm>
           <a:prstGeom prst="rect">
             <a:avLst/>
@@ -3768,17 +3797,16 @@
           <a:lstStyle/>
           <a:p>
             <a:r>
-              <a:rPr lang="en-US" i="1" dirty="0"/>
-              <a:t>meanDailyBookings=1300.0, sdDailyBookings=429.0, seed=100, firstProb=0.03, businessProb=0.14, premiumProb=0.13, economyProb=0.7, maxQueueSize=500, cancellationProb=0] </a:t>
-            </a:r>
-            <a:endParaRPr lang="en-US" dirty="0"/>
+              <a:rPr lang="en-US" dirty="0"/>
+              <a:t>Another test with a valid input, this time testing the charts’ display correctly</a:t>
+            </a:r>
           </a:p>
         </p:txBody>
       </p:sp>
     </p:spTree>
     <p:extLst>
       <p:ext uri="{BB962C8B-B14F-4D97-AF65-F5344CB8AC3E}">
-        <p14:creationId xmlns:p14="http://schemas.microsoft.com/office/powerpoint/2010/main" val="3187396916"/>
+        <p14:creationId xmlns:p14="http://schemas.microsoft.com/office/powerpoint/2010/main" val="1703541394"/>
       </p:ext>
     </p:extLst>
   </p:cSld>
@@ -3822,44 +3850,14 @@
           <a:p>
             <a:r>
               <a:rPr lang="en-AU" altLang="en-US" dirty="0"/>
-              <a:t>Test 4 Input Screen Shot </a:t>
-            </a:r>
-          </a:p>
-        </p:txBody>
-      </p:sp>
-      <p:sp>
-        <p:nvSpPr>
-          <p:cNvPr id="4" name="TextBox 3"/>
-          <p:cNvSpPr txBox="1"/>
-          <p:nvPr/>
-        </p:nvSpPr>
-        <p:spPr>
-          <a:xfrm>
-            <a:off x="0" y="5847058"/>
-            <a:ext cx="9144000" cy="923330"/>
-          </a:xfrm>
-          <a:prstGeom prst="rect">
-            <a:avLst/>
-          </a:prstGeom>
-          <a:noFill/>
-        </p:spPr>
-        <p:txBody>
-          <a:bodyPr wrap="square" rtlCol="0">
-            <a:spAutoFit/>
-          </a:bodyPr>
-          <a:lstStyle/>
-          <a:p>
-            <a:r>
-              <a:rPr lang="en-US" i="1" dirty="0"/>
-              <a:t>Simulator [meanDailyBookings=2000.0, sdDailyBookings=660.0, seed=100, firstProb=0.1, businessProb=0.2, premiumProb=0.0, economyProb=0.7, maxQueueSize=1000, cancellationProb=0.1] </a:t>
-            </a:r>
-            <a:endParaRPr lang="en-US" dirty="0"/>
+              <a:t>Test 4 Output Chart 1</a:t>
+            </a:r>
           </a:p>
         </p:txBody>
       </p:sp>
       <p:pic>
         <p:nvPicPr>
-          <p:cNvPr id="5" name="Picture 4"/>
+          <p:cNvPr id="3" name="Picture 2"/>
           <p:cNvPicPr>
             <a:picLocks noChangeAspect="1"/>
           </p:cNvPicPr>
@@ -3873,8 +3871,8 @@
         </p:blipFill>
         <p:spPr>
           <a:xfrm>
-            <a:off x="381000" y="1752600"/>
-            <a:ext cx="4722389" cy="3167063"/>
+            <a:off x="381000" y="1600200"/>
+            <a:ext cx="5063253" cy="3395663"/>
           </a:xfrm>
           <a:prstGeom prst="rect">
             <a:avLst/>
@@ -3883,14 +3881,14 @@
       </p:pic>
       <p:sp>
         <p:nvSpPr>
-          <p:cNvPr id="2" name="TextBox 1"/>
+          <p:cNvPr id="5" name="TextBox 4"/>
           <p:cNvSpPr txBox="1"/>
           <p:nvPr/>
         </p:nvSpPr>
         <p:spPr>
           <a:xfrm>
-            <a:off x="5334000" y="1752600"/>
-            <a:ext cx="3657600" cy="923330"/>
+            <a:off x="0" y="5847058"/>
+            <a:ext cx="9144000" cy="923330"/>
           </a:xfrm>
           <a:prstGeom prst="rect">
             <a:avLst/>
@@ -3904,8 +3902,38 @@
           <a:lstStyle/>
           <a:p>
             <a:r>
+              <a:rPr lang="en-US" i="1" dirty="0"/>
+              <a:t>Simulator [meanDailyBookings=2000.0, sdDailyBookings=660.0, seed=100, firstProb=0.1, businessProb=0.2, premiumProb=0.0, economyProb=0.7, maxQueueSize=1000, cancellationProb=0.1] </a:t>
+            </a:r>
+            <a:endParaRPr lang="en-US" dirty="0"/>
+          </a:p>
+        </p:txBody>
+      </p:sp>
+      <p:sp>
+        <p:nvSpPr>
+          <p:cNvPr id="2" name="TextBox 1"/>
+          <p:cNvSpPr txBox="1"/>
+          <p:nvPr/>
+        </p:nvSpPr>
+        <p:spPr>
+          <a:xfrm>
+            <a:off x="5715000" y="1676400"/>
+            <a:ext cx="3276600" cy="646331"/>
+          </a:xfrm>
+          <a:prstGeom prst="rect">
+            <a:avLst/>
+          </a:prstGeom>
+          <a:noFill/>
+        </p:spPr>
+        <p:txBody>
+          <a:bodyPr wrap="square" rtlCol="0">
+            <a:spAutoFit/>
+          </a:bodyPr>
+          <a:lstStyle/>
+          <a:p>
+            <a:r>
               <a:rPr lang="en-US" dirty="0"/>
-              <a:t>Another test with a valid input, this time testing the charts’ display correctly</a:t>
+              <a:t>The Chart displaying a Line graph of the Daily Statistics</a:t>
             </a:r>
           </a:p>
         </p:txBody>
@@ -3913,7 +3941,7 @@
     </p:spTree>
     <p:extLst>
       <p:ext uri="{BB962C8B-B14F-4D97-AF65-F5344CB8AC3E}">
-        <p14:creationId xmlns:p14="http://schemas.microsoft.com/office/powerpoint/2010/main" val="1703541394"/>
+        <p14:creationId xmlns:p14="http://schemas.microsoft.com/office/powerpoint/2010/main" val="497866235"/>
       </p:ext>
     </p:extLst>
   </p:cSld>
@@ -3957,14 +3985,73 @@
           <a:p>
             <a:r>
               <a:rPr lang="en-AU" altLang="en-US" dirty="0"/>
-              <a:t>Test 4 Output Chart 1</a:t>
+              <a:t>Test 4 Output Chart 2</a:t>
+            </a:r>
+          </a:p>
+        </p:txBody>
+      </p:sp>
+      <p:sp>
+        <p:nvSpPr>
+          <p:cNvPr id="5" name="TextBox 4"/>
+          <p:cNvSpPr txBox="1"/>
+          <p:nvPr/>
+        </p:nvSpPr>
+        <p:spPr>
+          <a:xfrm>
+            <a:off x="0" y="5847058"/>
+            <a:ext cx="9144000" cy="923330"/>
+          </a:xfrm>
+          <a:prstGeom prst="rect">
+            <a:avLst/>
+          </a:prstGeom>
+          <a:noFill/>
+        </p:spPr>
+        <p:txBody>
+          <a:bodyPr wrap="square" rtlCol="0">
+            <a:spAutoFit/>
+          </a:bodyPr>
+          <a:lstStyle/>
+          <a:p>
+            <a:r>
+              <a:rPr lang="en-US" i="1" dirty="0"/>
+              <a:t>Simulator [meanDailyBookings=2000.0, sdDailyBookings=660.0, seed=100, firstProb=0.1, businessProb=0.2, premiumProb=0.0, economyProb=0.7, maxQueueSize=1000, cancellationProb=0.1] </a:t>
+            </a:r>
+            <a:endParaRPr lang="en-US" dirty="0"/>
+          </a:p>
+        </p:txBody>
+      </p:sp>
+      <p:sp>
+        <p:nvSpPr>
+          <p:cNvPr id="2" name="TextBox 1"/>
+          <p:cNvSpPr txBox="1"/>
+          <p:nvPr/>
+        </p:nvSpPr>
+        <p:spPr>
+          <a:xfrm>
+            <a:off x="5715000" y="1676400"/>
+            <a:ext cx="3276600" cy="923330"/>
+          </a:xfrm>
+          <a:prstGeom prst="rect">
+            <a:avLst/>
+          </a:prstGeom>
+          <a:noFill/>
+        </p:spPr>
+        <p:txBody>
+          <a:bodyPr wrap="square" rtlCol="0">
+            <a:spAutoFit/>
+          </a:bodyPr>
+          <a:lstStyle/>
+          <a:p>
+            <a:r>
+              <a:rPr lang="en-US" dirty="0"/>
+              <a:t>The Chart displaying a Bar graph of the Final Flight Summary</a:t>
             </a:r>
           </a:p>
         </p:txBody>
       </p:sp>
       <p:pic>
         <p:nvPicPr>
-          <p:cNvPr id="3" name="Picture 2"/>
+          <p:cNvPr id="8" name="Picture 7"/>
           <p:cNvPicPr>
             <a:picLocks noChangeAspect="1"/>
           </p:cNvPicPr>
@@ -3978,7 +4065,7 @@
         </p:blipFill>
         <p:spPr>
           <a:xfrm>
-            <a:off x="381000" y="1600200"/>
+            <a:off x="381000" y="1609817"/>
             <a:ext cx="5063253" cy="3395663"/>
           </a:xfrm>
           <a:prstGeom prst="rect">
@@ -3986,69 +4073,10 @@
           </a:prstGeom>
         </p:spPr>
       </p:pic>
-      <p:sp>
-        <p:nvSpPr>
-          <p:cNvPr id="5" name="TextBox 4"/>
-          <p:cNvSpPr txBox="1"/>
-          <p:nvPr/>
-        </p:nvSpPr>
-        <p:spPr>
-          <a:xfrm>
-            <a:off x="0" y="5847058"/>
-            <a:ext cx="9144000" cy="923330"/>
-          </a:xfrm>
-          <a:prstGeom prst="rect">
-            <a:avLst/>
-          </a:prstGeom>
-          <a:noFill/>
-        </p:spPr>
-        <p:txBody>
-          <a:bodyPr wrap="square" rtlCol="0">
-            <a:spAutoFit/>
-          </a:bodyPr>
-          <a:lstStyle/>
-          <a:p>
-            <a:r>
-              <a:rPr lang="en-US" i="1" dirty="0"/>
-              <a:t>Simulator [meanDailyBookings=2000.0, sdDailyBookings=660.0, seed=100, firstProb=0.1, businessProb=0.2, premiumProb=0.0, economyProb=0.7, maxQueueSize=1000, cancellationProb=0.1] </a:t>
-            </a:r>
-            <a:endParaRPr lang="en-US" dirty="0"/>
-          </a:p>
-        </p:txBody>
-      </p:sp>
-      <p:sp>
-        <p:nvSpPr>
-          <p:cNvPr id="2" name="TextBox 1"/>
-          <p:cNvSpPr txBox="1"/>
-          <p:nvPr/>
-        </p:nvSpPr>
-        <p:spPr>
-          <a:xfrm>
-            <a:off x="5715000" y="1676400"/>
-            <a:ext cx="3276600" cy="646331"/>
-          </a:xfrm>
-          <a:prstGeom prst="rect">
-            <a:avLst/>
-          </a:prstGeom>
-          <a:noFill/>
-        </p:spPr>
-        <p:txBody>
-          <a:bodyPr wrap="square" rtlCol="0">
-            <a:spAutoFit/>
-          </a:bodyPr>
-          <a:lstStyle/>
-          <a:p>
-            <a:r>
-              <a:rPr lang="en-US" dirty="0"/>
-              <a:t>The Chart displaying a Line graph of the Daily Statistics</a:t>
-            </a:r>
-          </a:p>
-        </p:txBody>
-      </p:sp>
     </p:spTree>
     <p:extLst>
       <p:ext uri="{BB962C8B-B14F-4D97-AF65-F5344CB8AC3E}">
-        <p14:creationId xmlns:p14="http://schemas.microsoft.com/office/powerpoint/2010/main" val="497866235"/>
+        <p14:creationId xmlns:p14="http://schemas.microsoft.com/office/powerpoint/2010/main" val="665498969"/>
       </p:ext>
     </p:extLst>
   </p:cSld>
@@ -4092,73 +4120,14 @@
           <a:p>
             <a:r>
               <a:rPr lang="en-AU" altLang="en-US" dirty="0"/>
-              <a:t>Test 4 Output Chart 2</a:t>
-            </a:r>
-          </a:p>
-        </p:txBody>
-      </p:sp>
-      <p:sp>
-        <p:nvSpPr>
-          <p:cNvPr id="5" name="TextBox 4"/>
-          <p:cNvSpPr txBox="1"/>
-          <p:nvPr/>
-        </p:nvSpPr>
-        <p:spPr>
-          <a:xfrm>
-            <a:off x="0" y="5847058"/>
-            <a:ext cx="9144000" cy="923330"/>
-          </a:xfrm>
-          <a:prstGeom prst="rect">
-            <a:avLst/>
-          </a:prstGeom>
-          <a:noFill/>
-        </p:spPr>
-        <p:txBody>
-          <a:bodyPr wrap="square" rtlCol="0">
-            <a:spAutoFit/>
-          </a:bodyPr>
-          <a:lstStyle/>
-          <a:p>
-            <a:r>
-              <a:rPr lang="en-US" i="1" dirty="0"/>
-              <a:t>Simulator [meanDailyBookings=2000.0, sdDailyBookings=660.0, seed=100, firstProb=0.1, businessProb=0.2, premiumProb=0.0, economyProb=0.7, maxQueueSize=1000, cancellationProb=0.1] </a:t>
-            </a:r>
-            <a:endParaRPr lang="en-US" dirty="0"/>
-          </a:p>
-        </p:txBody>
-      </p:sp>
-      <p:sp>
-        <p:nvSpPr>
-          <p:cNvPr id="2" name="TextBox 1"/>
-          <p:cNvSpPr txBox="1"/>
-          <p:nvPr/>
-        </p:nvSpPr>
-        <p:spPr>
-          <a:xfrm>
-            <a:off x="5715000" y="1676400"/>
-            <a:ext cx="3276600" cy="923330"/>
-          </a:xfrm>
-          <a:prstGeom prst="rect">
-            <a:avLst/>
-          </a:prstGeom>
-          <a:noFill/>
-        </p:spPr>
-        <p:txBody>
-          <a:bodyPr wrap="square" rtlCol="0">
-            <a:spAutoFit/>
-          </a:bodyPr>
-          <a:lstStyle/>
-          <a:p>
-            <a:r>
-              <a:rPr lang="en-US" dirty="0"/>
-              <a:t>The Chart displaying a Bar graph of the Final Flight Summary</a:t>
+              <a:t>Test 4 Output Logs</a:t>
             </a:r>
           </a:p>
         </p:txBody>
       </p:sp>
       <p:pic>
         <p:nvPicPr>
-          <p:cNvPr id="8" name="Picture 7"/>
+          <p:cNvPr id="3" name="Picture 2"/>
           <p:cNvPicPr>
             <a:picLocks noChangeAspect="1"/>
           </p:cNvPicPr>
@@ -4172,7 +4141,90 @@
         </p:blipFill>
         <p:spPr>
           <a:xfrm>
-            <a:off x="381000" y="1609817"/>
+            <a:off x="381000" y="1600200"/>
+            <a:ext cx="5063253" cy="3395663"/>
+          </a:xfrm>
+          <a:prstGeom prst="rect">
+            <a:avLst/>
+          </a:prstGeom>
+        </p:spPr>
+      </p:pic>
+      <p:sp>
+        <p:nvSpPr>
+          <p:cNvPr id="5" name="TextBox 4"/>
+          <p:cNvSpPr txBox="1"/>
+          <p:nvPr/>
+        </p:nvSpPr>
+        <p:spPr>
+          <a:xfrm>
+            <a:off x="0" y="5847058"/>
+            <a:ext cx="9144000" cy="923330"/>
+          </a:xfrm>
+          <a:prstGeom prst="rect">
+            <a:avLst/>
+          </a:prstGeom>
+          <a:noFill/>
+        </p:spPr>
+        <p:txBody>
+          <a:bodyPr wrap="square" rtlCol="0">
+            <a:spAutoFit/>
+          </a:bodyPr>
+          <a:lstStyle/>
+          <a:p>
+            <a:r>
+              <a:rPr lang="en-US" i="1" dirty="0"/>
+              <a:t>Simulator [meanDailyBookings=2000.0, sdDailyBookings=660.0, seed=100, firstProb=0.1, businessProb=0.2, premiumProb=0.0, economyProb=0.7, maxQueueSize=1000, cancellationProb=0.1] </a:t>
+            </a:r>
+            <a:endParaRPr lang="en-US" dirty="0"/>
+          </a:p>
+        </p:txBody>
+      </p:sp>
+      <p:sp>
+        <p:nvSpPr>
+          <p:cNvPr id="2" name="TextBox 1"/>
+          <p:cNvSpPr txBox="1"/>
+          <p:nvPr/>
+        </p:nvSpPr>
+        <p:spPr>
+          <a:xfrm>
+            <a:off x="5715000" y="1676400"/>
+            <a:ext cx="3276600" cy="369332"/>
+          </a:xfrm>
+          <a:prstGeom prst="rect">
+            <a:avLst/>
+          </a:prstGeom>
+          <a:noFill/>
+        </p:spPr>
+        <p:txBody>
+          <a:bodyPr wrap="square" rtlCol="0">
+            <a:spAutoFit/>
+          </a:bodyPr>
+          <a:lstStyle/>
+          <a:p>
+            <a:r>
+              <a:rPr lang="en-US" dirty="0"/>
+              <a:t>The Produced Log Output</a:t>
+            </a:r>
+          </a:p>
+        </p:txBody>
+      </p:sp>
+      <p:pic>
+        <p:nvPicPr>
+          <p:cNvPr id="4" name="Picture 3"/>
+          <p:cNvPicPr>
+            <a:picLocks noChangeAspect="1"/>
+          </p:cNvPicPr>
+          <p:nvPr/>
+        </p:nvPicPr>
+        <p:blipFill>
+          <a:blip r:embed="rId3"/>
+          <a:stretch>
+            <a:fillRect/>
+          </a:stretch>
+        </p:blipFill>
+        <p:spPr>
+          <a:xfrm>
+            <a:off x="381000" y="1600200"/>
             <a:ext cx="5063253" cy="3395663"/>
           </a:xfrm>
           <a:prstGeom prst="rect">
@@ -4183,7 +4235,7 @@
     </p:spTree>
     <p:extLst>
       <p:ext uri="{BB962C8B-B14F-4D97-AF65-F5344CB8AC3E}">
-        <p14:creationId xmlns:p14="http://schemas.microsoft.com/office/powerpoint/2010/main" val="665498969"/>
+        <p14:creationId xmlns:p14="http://schemas.microsoft.com/office/powerpoint/2010/main" val="1195741537"/>
       </p:ext>
     </p:extLst>
   </p:cSld>
@@ -4227,8 +4279,38 @@
           <a:p>
             <a:r>
               <a:rPr lang="en-AU" altLang="en-US" dirty="0"/>
-              <a:t>Test 4 Output Logs</a:t>
-            </a:r>
+              <a:t>Test 5 Input Screen Shot </a:t>
+            </a:r>
+          </a:p>
+        </p:txBody>
+      </p:sp>
+      <p:sp>
+        <p:nvSpPr>
+          <p:cNvPr id="4" name="TextBox 3"/>
+          <p:cNvSpPr txBox="1"/>
+          <p:nvPr/>
+        </p:nvSpPr>
+        <p:spPr>
+          <a:xfrm>
+            <a:off x="0" y="5847058"/>
+            <a:ext cx="9144000" cy="923330"/>
+          </a:xfrm>
+          <a:prstGeom prst="rect">
+            <a:avLst/>
+          </a:prstGeom>
+          <a:noFill/>
+        </p:spPr>
+        <p:txBody>
+          <a:bodyPr wrap="square" rtlCol="0">
+            <a:spAutoFit/>
+          </a:bodyPr>
+          <a:lstStyle/>
+          <a:p>
+            <a:r>
+              <a:rPr lang="en-US" i="1" dirty="0"/>
+              <a:t>Simulator [meanDailyBookings=1600.0, sdDailyBookings=528.0, seed=100, firstProb=0.1, businessProb=0.2, premiumProb=0.1, economyProb=0.6, maxQueueSize=50000, cancellationProb=0.1] </a:t>
+            </a:r>
+            <a:endParaRPr lang="en-US" dirty="0"/>
           </a:p>
         </p:txBody>
       </p:sp>
@@ -4248,8 +4330,8 @@
         </p:blipFill>
         <p:spPr>
           <a:xfrm>
-            <a:off x="381000" y="1600200"/>
-            <a:ext cx="5063253" cy="3395663"/>
+            <a:off x="228600" y="1600200"/>
+            <a:ext cx="4953000" cy="3321722"/>
           </a:xfrm>
           <a:prstGeom prst="rect">
             <a:avLst/>
@@ -4264,8 +4346,8 @@
         </p:nvSpPr>
         <p:spPr>
           <a:xfrm>
-            <a:off x="0" y="5847058"/>
-            <a:ext cx="9144000" cy="923330"/>
+            <a:off x="5334000" y="1752600"/>
+            <a:ext cx="3657600" cy="923330"/>
           </a:xfrm>
           <a:prstGeom prst="rect">
             <a:avLst/>
@@ -4279,70 +4361,16 @@
           <a:lstStyle/>
           <a:p>
             <a:r>
-              <a:rPr lang="en-US" i="1" dirty="0"/>
-              <a:t>Simulator [meanDailyBookings=2000.0, sdDailyBookings=660.0, seed=100, firstProb=0.1, businessProb=0.2, premiumProb=0.0, economyProb=0.7, maxQueueSize=1000, cancellationProb=0.1] </a:t>
-            </a:r>
-            <a:endParaRPr lang="en-US" dirty="0"/>
-          </a:p>
-        </p:txBody>
-      </p:sp>
-      <p:sp>
-        <p:nvSpPr>
-          <p:cNvPr id="2" name="TextBox 1"/>
-          <p:cNvSpPr txBox="1"/>
-          <p:nvPr/>
-        </p:nvSpPr>
-        <p:spPr>
-          <a:xfrm>
-            <a:off x="5715000" y="1676400"/>
-            <a:ext cx="3276600" cy="369332"/>
-          </a:xfrm>
-          <a:prstGeom prst="rect">
-            <a:avLst/>
-          </a:prstGeom>
-          <a:noFill/>
-        </p:spPr>
-        <p:txBody>
-          <a:bodyPr wrap="square" rtlCol="0">
-            <a:spAutoFit/>
-          </a:bodyPr>
-          <a:lstStyle/>
-          <a:p>
-            <a:r>
               <a:rPr lang="en-US" dirty="0"/>
-              <a:t>The Produced Log Output</a:t>
-            </a:r>
-          </a:p>
-        </p:txBody>
-      </p:sp>
-      <p:pic>
-        <p:nvPicPr>
-          <p:cNvPr id="4" name="Picture 3"/>
-          <p:cNvPicPr>
-            <a:picLocks noChangeAspect="1"/>
-          </p:cNvPicPr>
-          <p:nvPr/>
-        </p:nvPicPr>
-        <p:blipFill>
-          <a:blip r:embed="rId3"/>
-          <a:stretch>
-            <a:fillRect/>
-          </a:stretch>
-        </p:blipFill>
-        <p:spPr>
-          <a:xfrm>
-            <a:off x="381000" y="1600200"/>
-            <a:ext cx="5063253" cy="3395663"/>
-          </a:xfrm>
-          <a:prstGeom prst="rect">
-            <a:avLst/>
-          </a:prstGeom>
-        </p:spPr>
-      </p:pic>
+              <a:t>Another test with a valid input, this time testing the charts’ display correctly</a:t>
+            </a:r>
+          </a:p>
+        </p:txBody>
+      </p:sp>
     </p:spTree>
     <p:extLst>
       <p:ext uri="{BB962C8B-B14F-4D97-AF65-F5344CB8AC3E}">
-        <p14:creationId xmlns:p14="http://schemas.microsoft.com/office/powerpoint/2010/main" val="1195741537"/>
+        <p14:creationId xmlns:p14="http://schemas.microsoft.com/office/powerpoint/2010/main" val="864235448"/>
       </p:ext>
     </p:extLst>
   </p:cSld>
@@ -4386,7 +4414,7 @@
           <a:p>
             <a:r>
               <a:rPr lang="en-AU" altLang="en-US" dirty="0"/>
-              <a:t>Test 5 Input Screen Shot </a:t>
+              <a:t>Test 5 Output Chart 2</a:t>
             </a:r>
           </a:p>
         </p:txBody>
@@ -4423,7 +4451,7 @@
       </p:sp>
       <p:pic>
         <p:nvPicPr>
-          <p:cNvPr id="3" name="Picture 2"/>
+          <p:cNvPr id="2" name="Picture 1"/>
           <p:cNvPicPr>
             <a:picLocks noChangeAspect="1"/>
           </p:cNvPicPr>
@@ -4437,8 +4465,8 @@
         </p:blipFill>
         <p:spPr>
           <a:xfrm>
-            <a:off x="228600" y="1600200"/>
-            <a:ext cx="4953000" cy="3321722"/>
+            <a:off x="-12577" y="1524000"/>
+            <a:ext cx="5581650" cy="3743325"/>
           </a:xfrm>
           <a:prstGeom prst="rect">
             <a:avLst/>
@@ -4447,14 +4475,14 @@
       </p:pic>
       <p:sp>
         <p:nvSpPr>
-          <p:cNvPr id="5" name="TextBox 4"/>
+          <p:cNvPr id="6" name="TextBox 5"/>
           <p:cNvSpPr txBox="1"/>
           <p:nvPr/>
         </p:nvSpPr>
         <p:spPr>
           <a:xfrm>
-            <a:off x="5334000" y="1752600"/>
-            <a:ext cx="3657600" cy="923330"/>
+            <a:off x="5715000" y="1676400"/>
+            <a:ext cx="3276600" cy="646331"/>
           </a:xfrm>
           <a:prstGeom prst="rect">
             <a:avLst/>
@@ -4469,7 +4497,7 @@
           <a:p>
             <a:r>
               <a:rPr lang="en-US" dirty="0"/>
-              <a:t>Another test with a valid input, this time testing the charts’ display correctly</a:t>
+              <a:t>The Chart displaying a Line graph of the Daily Statistics</a:t>
             </a:r>
           </a:p>
         </p:txBody>
@@ -4477,7 +4505,7 @@
     </p:spTree>
     <p:extLst>
       <p:ext uri="{BB962C8B-B14F-4D97-AF65-F5344CB8AC3E}">
-        <p14:creationId xmlns:p14="http://schemas.microsoft.com/office/powerpoint/2010/main" val="864235448"/>
+        <p14:creationId xmlns:p14="http://schemas.microsoft.com/office/powerpoint/2010/main" val="3268046048"/>
       </p:ext>
     </p:extLst>
   </p:cSld>
@@ -4558,141 +4586,6 @@
       </p:sp>
       <p:pic>
         <p:nvPicPr>
-          <p:cNvPr id="2" name="Picture 1"/>
-          <p:cNvPicPr>
-            <a:picLocks noChangeAspect="1"/>
-          </p:cNvPicPr>
-          <p:nvPr/>
-        </p:nvPicPr>
-        <p:blipFill>
-          <a:blip r:embed="rId2"/>
-          <a:stretch>
-            <a:fillRect/>
-          </a:stretch>
-        </p:blipFill>
-        <p:spPr>
-          <a:xfrm>
-            <a:off x="-12577" y="1524000"/>
-            <a:ext cx="5581650" cy="3743325"/>
-          </a:xfrm>
-          <a:prstGeom prst="rect">
-            <a:avLst/>
-          </a:prstGeom>
-        </p:spPr>
-      </p:pic>
-      <p:sp>
-        <p:nvSpPr>
-          <p:cNvPr id="6" name="TextBox 5"/>
-          <p:cNvSpPr txBox="1"/>
-          <p:nvPr/>
-        </p:nvSpPr>
-        <p:spPr>
-          <a:xfrm>
-            <a:off x="5715000" y="1676400"/>
-            <a:ext cx="3276600" cy="646331"/>
-          </a:xfrm>
-          <a:prstGeom prst="rect">
-            <a:avLst/>
-          </a:prstGeom>
-          <a:noFill/>
-        </p:spPr>
-        <p:txBody>
-          <a:bodyPr wrap="square" rtlCol="0">
-            <a:spAutoFit/>
-          </a:bodyPr>
-          <a:lstStyle/>
-          <a:p>
-            <a:r>
-              <a:rPr lang="en-US" dirty="0"/>
-              <a:t>The Chart displaying a Line graph of the Daily Statistics</a:t>
-            </a:r>
-          </a:p>
-        </p:txBody>
-      </p:sp>
-    </p:spTree>
-    <p:extLst>
-      <p:ext uri="{BB962C8B-B14F-4D97-AF65-F5344CB8AC3E}">
-        <p14:creationId xmlns:p14="http://schemas.microsoft.com/office/powerpoint/2010/main" val="3268046048"/>
-      </p:ext>
-    </p:extLst>
-  </p:cSld>
-  <p:clrMapOvr>
-    <a:masterClrMapping/>
-  </p:clrMapOvr>
-</p:sld>
-</file>
-
-<file path=ppt/slides/slide17.xml><?xml version="1.0" encoding="utf-8"?>
-<p:sld xmlns:a="http://schemas.openxmlformats.org/drawingml/2006/main" xmlns:r="http://schemas.openxmlformats.org/officeDocument/2006/relationships" xmlns:p="http://schemas.openxmlformats.org/presentationml/2006/main">
-  <p:cSld>
-    <p:spTree>
-      <p:nvGrpSpPr>
-        <p:cNvPr id="1" name=""/>
-        <p:cNvGrpSpPr/>
-        <p:nvPr/>
-      </p:nvGrpSpPr>
-      <p:grpSpPr>
-        <a:xfrm>
-          <a:off x="0" y="0"/>
-          <a:ext cx="0" cy="0"/>
-          <a:chOff x="0" y="0"/>
-          <a:chExt cx="0" cy="0"/>
-        </a:xfrm>
-      </p:grpSpPr>
-      <p:sp>
-        <p:nvSpPr>
-          <p:cNvPr id="9218" name="Rectangle 2"/>
-          <p:cNvSpPr>
-            <a:spLocks noGrp="1" noChangeArrowheads="1"/>
-          </p:cNvSpPr>
-          <p:nvPr>
-            <p:ph type="title"/>
-          </p:nvPr>
-        </p:nvSpPr>
-        <p:spPr/>
-        <p:txBody>
-          <a:bodyPr/>
-          <a:lstStyle/>
-          <a:p>
-            <a:r>
-              <a:rPr lang="en-AU" altLang="en-US" dirty="0"/>
-              <a:t>Test 5 Output Chart 2</a:t>
-            </a:r>
-          </a:p>
-        </p:txBody>
-      </p:sp>
-      <p:sp>
-        <p:nvSpPr>
-          <p:cNvPr id="4" name="TextBox 3"/>
-          <p:cNvSpPr txBox="1"/>
-          <p:nvPr/>
-        </p:nvSpPr>
-        <p:spPr>
-          <a:xfrm>
-            <a:off x="0" y="5847058"/>
-            <a:ext cx="9144000" cy="923330"/>
-          </a:xfrm>
-          <a:prstGeom prst="rect">
-            <a:avLst/>
-          </a:prstGeom>
-          <a:noFill/>
-        </p:spPr>
-        <p:txBody>
-          <a:bodyPr wrap="square" rtlCol="0">
-            <a:spAutoFit/>
-          </a:bodyPr>
-          <a:lstStyle/>
-          <a:p>
-            <a:r>
-              <a:rPr lang="en-US" i="1" dirty="0"/>
-              <a:t>Simulator [meanDailyBookings=1600.0, sdDailyBookings=528.0, seed=100, firstProb=0.1, businessProb=0.2, premiumProb=0.1, economyProb=0.6, maxQueueSize=50000, cancellationProb=0.1] </a:t>
-            </a:r>
-            <a:endParaRPr lang="en-US" dirty="0"/>
-          </a:p>
-        </p:txBody>
-      </p:sp>
-      <p:pic>
-        <p:nvPicPr>
           <p:cNvPr id="3" name="Picture 2"/>
           <p:cNvPicPr>
             <a:picLocks noChangeAspect="1"/>
@@ -4757,7 +4650,7 @@
 </p:sld>
 </file>
 
-<file path=ppt/slides/slide18.xml><?xml version="1.0" encoding="utf-8"?>
+<file path=ppt/slides/slide17.xml><?xml version="1.0" encoding="utf-8"?>
 <p:sld xmlns:a="http://schemas.openxmlformats.org/drawingml/2006/main" xmlns:r="http://schemas.openxmlformats.org/officeDocument/2006/relationships" xmlns:p="http://schemas.openxmlformats.org/presentationml/2006/main">
   <p:cSld>
     <p:spTree>
@@ -4935,7 +4828,7 @@
       </p:grpSpPr>
       <p:sp>
         <p:nvSpPr>
-          <p:cNvPr id="10242" name="Rectangle 2"/>
+          <p:cNvPr id="9218" name="Rectangle 2"/>
           <p:cNvSpPr>
             <a:spLocks noGrp="1" noChangeArrowheads="1"/>
           </p:cNvSpPr>
@@ -4950,114 +4843,102 @@
           <a:p>
             <a:r>
               <a:rPr lang="en-AU" altLang="en-US" dirty="0"/>
-              <a:t>The Basics </a:t>
-            </a:r>
-          </a:p>
-        </p:txBody>
-      </p:sp>
-      <p:sp>
-        <p:nvSpPr>
-          <p:cNvPr id="10243" name="Rectangle 3"/>
-          <p:cNvSpPr>
-            <a:spLocks noGrp="1" noChangeArrowheads="1"/>
-          </p:cNvSpPr>
-          <p:nvPr>
-            <p:ph type="body" idx="1"/>
-          </p:nvPr>
-        </p:nvSpPr>
-        <p:spPr/>
-        <p:txBody>
-          <a:bodyPr/>
+              <a:t>Test 1 Input Screen Shot 1 </a:t>
+            </a:r>
+          </a:p>
+        </p:txBody>
+      </p:sp>
+      <p:pic>
+        <p:nvPicPr>
+          <p:cNvPr id="3" name="Table Placeholder 2"/>
+          <p:cNvPicPr>
+            <a:picLocks noGrp="1" noChangeAspect="1"/>
+          </p:cNvPicPr>
+          <p:nvPr>
+            <p:ph type="tbl" idx="1"/>
+          </p:nvPr>
+        </p:nvPicPr>
+        <p:blipFill>
+          <a:blip r:embed="rId2"/>
+          <a:stretch>
+            <a:fillRect/>
+          </a:stretch>
+        </p:blipFill>
+        <p:spPr>
+          <a:xfrm>
+            <a:off x="76200" y="1981200"/>
+            <a:ext cx="3476625" cy="2331593"/>
+          </a:xfrm>
+          <a:prstGeom prst="rect">
+            <a:avLst/>
+          </a:prstGeom>
+        </p:spPr>
+      </p:pic>
+      <p:sp>
+        <p:nvSpPr>
+          <p:cNvPr id="4" name="TextBox 3"/>
+          <p:cNvSpPr txBox="1"/>
+          <p:nvPr/>
+        </p:nvSpPr>
+        <p:spPr>
+          <a:xfrm>
+            <a:off x="0" y="5847058"/>
+            <a:ext cx="9144000" cy="923330"/>
+          </a:xfrm>
+          <a:prstGeom prst="rect">
+            <a:avLst/>
+          </a:prstGeom>
+          <a:noFill/>
+        </p:spPr>
+        <p:txBody>
+          <a:bodyPr wrap="square" rtlCol="0">
+            <a:spAutoFit/>
+          </a:bodyPr>
           <a:lstStyle/>
           <a:p>
-            <a:pPr>
-              <a:lnSpc>
-                <a:spcPct val="90000"/>
-              </a:lnSpc>
-            </a:pPr>
-            <a:r>
-              <a:rPr lang="en-AU" altLang="en-US" sz="2000" dirty="0"/>
-              <a:t>This file is a template to help you organise your GUI test results.</a:t>
-            </a:r>
-          </a:p>
-          <a:p>
-            <a:pPr>
-              <a:lnSpc>
-                <a:spcPct val="90000"/>
-              </a:lnSpc>
-            </a:pPr>
-            <a:r>
-              <a:rPr lang="en-AU" altLang="en-US" sz="2000" dirty="0"/>
-              <a:t>Please delete this slide before submission  </a:t>
-            </a:r>
-          </a:p>
-          <a:p>
-            <a:pPr>
-              <a:lnSpc>
-                <a:spcPct val="90000"/>
-              </a:lnSpc>
-            </a:pPr>
-            <a:r>
-              <a:rPr lang="en-AU" altLang="en-US" sz="2000" dirty="0"/>
-              <a:t>For each test, you will need to provide at least 2 screenshots of your application – data entry and result. For </a:t>
-            </a:r>
-            <a:r>
-              <a:rPr lang="en-AU" altLang="en-US" sz="2000" i="1" dirty="0"/>
-              <a:t>Test 1</a:t>
-            </a:r>
-            <a:r>
-              <a:rPr lang="en-AU" altLang="en-US" sz="2000" dirty="0"/>
-              <a:t>, this will need to happen twice, each time showing the error. It is not necessary to execute corrected inputs for Test 1.</a:t>
-            </a:r>
-          </a:p>
-          <a:p>
-            <a:pPr>
-              <a:lnSpc>
-                <a:spcPct val="90000"/>
-              </a:lnSpc>
-            </a:pPr>
-            <a:r>
-              <a:rPr lang="en-AU" altLang="en-US" sz="2000" dirty="0"/>
-              <a:t>For Tests 1,2,4 and 5, we already know the input data and results </a:t>
-            </a:r>
-          </a:p>
-          <a:p>
-            <a:pPr>
-              <a:lnSpc>
-                <a:spcPct val="90000"/>
-              </a:lnSpc>
-            </a:pPr>
-            <a:r>
-              <a:rPr lang="en-AU" altLang="en-US" sz="2000" dirty="0"/>
-              <a:t>For Test 3, you need to specify it, and the expected result (you know both of these as they are from a supplied log that you choose). </a:t>
-            </a:r>
-          </a:p>
-          <a:p>
-            <a:pPr>
-              <a:lnSpc>
-                <a:spcPct val="90000"/>
-              </a:lnSpc>
-            </a:pPr>
-            <a:r>
-              <a:rPr lang="en-AU" altLang="en-US" sz="2000" dirty="0"/>
-              <a:t>(And yes, you can fake the screenshots, but we can also demand that you demo the application with one of us present). </a:t>
-            </a:r>
-          </a:p>
-          <a:p>
-            <a:pPr>
-              <a:lnSpc>
-                <a:spcPct val="90000"/>
-              </a:lnSpc>
-            </a:pPr>
-            <a:endParaRPr lang="en-AU" altLang="en-US" sz="2000" dirty="0"/>
-          </a:p>
-          <a:p>
-            <a:pPr>
-              <a:lnSpc>
-                <a:spcPct val="90000"/>
-              </a:lnSpc>
-            </a:pPr>
-            <a:endParaRPr lang="en-AU" altLang="en-US" sz="2000" dirty="0"/>
+            <a:r>
+              <a:rPr lang="en-US" i="1" dirty="0"/>
+              <a:t>[meanDailyBookings=1300.0, sdDailyBookings=mean*0.33, seed=100, firstProb=0.3, businessProb=0.4, premiumProb=0.3, economyProb=0.7, maxQueueSize=500, cancellationProb=0.1] </a:t>
+            </a:r>
+            <a:endParaRPr lang="en-US" dirty="0"/>
+          </a:p>
+        </p:txBody>
+      </p:sp>
+      <p:sp>
+        <p:nvSpPr>
+          <p:cNvPr id="2" name="TextBox 1"/>
+          <p:cNvSpPr txBox="1"/>
+          <p:nvPr/>
+        </p:nvSpPr>
+        <p:spPr>
+          <a:xfrm>
+            <a:off x="3810000" y="1905000"/>
+            <a:ext cx="4686366" cy="2862322"/>
+          </a:xfrm>
+          <a:prstGeom prst="rect">
+            <a:avLst/>
+          </a:prstGeom>
+          <a:noFill/>
+        </p:spPr>
+        <p:txBody>
+          <a:bodyPr wrap="square" rtlCol="0" anchor="t">
+            <a:spAutoFit/>
+          </a:bodyPr>
+          <a:lstStyle/>
+          <a:p>
+            <a:r>
+              <a:rPr lang="en-US" dirty="0"/>
+              <a:t>The Main page opens with various settings available to the user, and 4 buttons. The two “Show Logs, and Switch Charts are disabled to start with until the simulation has been run.</a:t>
+            </a:r>
+          </a:p>
+          <a:p>
+            <a:endParaRPr lang="en-US" dirty="0"/>
+          </a:p>
+          <a:p>
+            <a:r>
+              <a:rPr lang="en-US" dirty="0"/>
+              <a:t>In this screen, the user enters incorrect data in the passenger split range. The combined total of Passengers must be 100% - no more, no less</a:t>
+            </a:r>
           </a:p>
         </p:txBody>
       </p:sp>
@@ -5103,31 +4984,28 @@
           <a:p>
             <a:r>
               <a:rPr lang="en-AU" altLang="en-US" dirty="0"/>
-              <a:t>Test 1 Input Screen Shot 1 </a:t>
+              <a:t>Test 1 Error Screen Shot 1 </a:t>
             </a:r>
           </a:p>
         </p:txBody>
       </p:sp>
       <p:pic>
         <p:nvPicPr>
-          <p:cNvPr id="3" name="Table Placeholder 2"/>
+          <p:cNvPr id="5" name="Picture 4"/>
           <p:cNvPicPr>
-            <a:picLocks noGrp="1" noChangeAspect="1"/>
+            <a:picLocks noChangeAspect="1"/>
           </p:cNvPicPr>
-          <p:nvPr>
-            <p:ph type="tbl" idx="1"/>
-          </p:nvPr>
+          <p:nvPr/>
         </p:nvPicPr>
-        <p:blipFill>
+        <p:blipFill rotWithShape="1">
           <a:blip r:embed="rId2"/>
-          <a:stretch>
-            <a:fillRect/>
-          </a:stretch>
+          <a:srcRect t="1759"/>
+          <a:stretch/>
         </p:blipFill>
         <p:spPr>
           <a:xfrm>
-            <a:off x="76200" y="1981200"/>
-            <a:ext cx="3476625" cy="2331593"/>
+            <a:off x="457200" y="2133600"/>
+            <a:ext cx="3319463" cy="2218650"/>
           </a:xfrm>
           <a:prstGeom prst="rect">
             <a:avLst/>
@@ -5136,7 +5014,7 @@
       </p:pic>
       <p:sp>
         <p:nvSpPr>
-          <p:cNvPr id="4" name="TextBox 3"/>
+          <p:cNvPr id="6" name="TextBox 5"/>
           <p:cNvSpPr txBox="1"/>
           <p:nvPr/>
         </p:nvSpPr>
@@ -5172,8 +5050,8 @@
         </p:nvSpPr>
         <p:spPr>
           <a:xfrm>
-            <a:off x="3810000" y="1905000"/>
-            <a:ext cx="4686366" cy="2862322"/>
+            <a:off x="4088252" y="2286000"/>
+            <a:ext cx="4446148" cy="1200329"/>
           </a:xfrm>
           <a:prstGeom prst="rect">
             <a:avLst/>
@@ -5181,28 +5059,24 @@
           <a:noFill/>
         </p:spPr>
         <p:txBody>
-          <a:bodyPr wrap="square" rtlCol="0" anchor="t">
+          <a:bodyPr wrap="square" rtlCol="0">
             <a:spAutoFit/>
           </a:bodyPr>
           <a:lstStyle/>
           <a:p>
             <a:r>
               <a:rPr lang="en-US" dirty="0"/>
-              <a:t>The Main page opens with various settings available to the user, and 4 buttons. The two “Show Logs, and Switch Charts are disabled to start with until the simulation has been run.</a:t>
-            </a:r>
-          </a:p>
-          <a:p>
-            <a:endParaRPr lang="en-US" dirty="0"/>
-          </a:p>
-          <a:p>
-            <a:r>
-              <a:rPr lang="en-US" dirty="0"/>
-              <a:t>In this screen, the user enters incorrect data in the passenger split range. The combined total of Passengers must be 100% - no more, no less</a:t>
+              <a:t>The Error message that is displayed to the user. The Simulation is not run until the user fixes any errors and Clicks “Run Simulation Again</a:t>
             </a:r>
           </a:p>
         </p:txBody>
       </p:sp>
     </p:spTree>
+    <p:extLst>
+      <p:ext uri="{BB962C8B-B14F-4D97-AF65-F5344CB8AC3E}">
+        <p14:creationId xmlns:p14="http://schemas.microsoft.com/office/powerpoint/2010/main" val="4053836106"/>
+      </p:ext>
+    </p:extLst>
   </p:cSld>
   <p:clrMapOvr>
     <a:masterClrMapping/>
@@ -5244,28 +5118,29 @@
           <a:p>
             <a:r>
               <a:rPr lang="en-AU" altLang="en-US" dirty="0"/>
-              <a:t>Test 1 Error Screen Shot 1 </a:t>
+              <a:t>Test 1 Input Screen Shot 2 </a:t>
             </a:r>
           </a:p>
         </p:txBody>
       </p:sp>
       <p:pic>
         <p:nvPicPr>
-          <p:cNvPr id="5" name="Picture 4"/>
+          <p:cNvPr id="6" name="Picture 5"/>
           <p:cNvPicPr>
             <a:picLocks noChangeAspect="1"/>
           </p:cNvPicPr>
           <p:nvPr/>
         </p:nvPicPr>
-        <p:blipFill rotWithShape="1">
+        <p:blipFill>
           <a:blip r:embed="rId2"/>
-          <a:srcRect t="1759"/>
-          <a:stretch/>
+          <a:stretch>
+            <a:fillRect/>
+          </a:stretch>
         </p:blipFill>
         <p:spPr>
           <a:xfrm>
-            <a:off x="457200" y="2133600"/>
-            <a:ext cx="3319463" cy="2218650"/>
+            <a:off x="457200" y="1981200"/>
+            <a:ext cx="4090369" cy="2743200"/>
           </a:xfrm>
           <a:prstGeom prst="rect">
             <a:avLst/>
@@ -5274,7 +5149,7 @@
       </p:pic>
       <p:sp>
         <p:nvSpPr>
-          <p:cNvPr id="6" name="TextBox 5"/>
+          <p:cNvPr id="5" name="TextBox 4"/>
           <p:cNvSpPr txBox="1"/>
           <p:nvPr/>
         </p:nvSpPr>
@@ -5296,7 +5171,7 @@
           <a:p>
             <a:r>
               <a:rPr lang="en-US" i="1" dirty="0"/>
-              <a:t>[meanDailyBookings=1300.0, sdDailyBookings=mean*0.33, seed=100, firstProb=0.3, businessProb=0.4, premiumProb=0.3, economyProb=0.7, maxQueueSize=500, cancellationProb=0.1] </a:t>
+              <a:t>[meanDailyBookings=-500, sdDailyBookings=mean*0.33, seed=100, firstProb=0.03, businessProb=0.14, premiumProb=0.13, economyProb=0.7, maxQueueSize=500, cancellationProb=0.1] </a:t>
             </a:r>
             <a:endParaRPr lang="en-US" dirty="0"/>
           </a:p>
@@ -5310,8 +5185,8 @@
         </p:nvSpPr>
         <p:spPr>
           <a:xfrm>
-            <a:off x="4088252" y="2286000"/>
-            <a:ext cx="4446148" cy="1200329"/>
+            <a:off x="4876800" y="1981200"/>
+            <a:ext cx="3962400" cy="1200329"/>
           </a:xfrm>
           <a:prstGeom prst="rect">
             <a:avLst/>
@@ -5326,7 +5201,7 @@
           <a:p>
             <a:r>
               <a:rPr lang="en-US" dirty="0"/>
-              <a:t>The Error message that is displayed to the user. The Simulation is not run until the user fixes any errors and Clicks “Run Simulation Again</a:t>
+              <a:t>The user attempts to create a Simulation with a Queue of -500 which violates the &lt;0 rule that it has applied to it.</a:t>
             </a:r>
           </a:p>
         </p:txBody>
@@ -5334,7 +5209,7 @@
     </p:spTree>
     <p:extLst>
       <p:ext uri="{BB962C8B-B14F-4D97-AF65-F5344CB8AC3E}">
-        <p14:creationId xmlns:p14="http://schemas.microsoft.com/office/powerpoint/2010/main" val="4053836106"/>
+        <p14:creationId xmlns:p14="http://schemas.microsoft.com/office/powerpoint/2010/main" val="2885466074"/>
       </p:ext>
     </p:extLst>
   </p:cSld>
@@ -5378,29 +5253,28 @@
           <a:p>
             <a:r>
               <a:rPr lang="en-AU" altLang="en-US" dirty="0"/>
-              <a:t>Test 1 Input Screen Shot 2 </a:t>
+              <a:t>Test 1 Error Screen Shot 2 </a:t>
             </a:r>
           </a:p>
         </p:txBody>
       </p:sp>
       <p:pic>
         <p:nvPicPr>
-          <p:cNvPr id="6" name="Picture 5"/>
+          <p:cNvPr id="4" name="Picture 3"/>
           <p:cNvPicPr>
             <a:picLocks noChangeAspect="1"/>
           </p:cNvPicPr>
           <p:nvPr/>
         </p:nvPicPr>
-        <p:blipFill>
+        <p:blipFill rotWithShape="1">
           <a:blip r:embed="rId2"/>
-          <a:stretch>
-            <a:fillRect/>
-          </a:stretch>
+          <a:srcRect l="993" t="1099" r="2318" b="3056"/>
+          <a:stretch/>
         </p:blipFill>
         <p:spPr>
           <a:xfrm>
-            <a:off x="457200" y="1981200"/>
-            <a:ext cx="4090369" cy="2743200"/>
+            <a:off x="457200" y="1905000"/>
+            <a:ext cx="3746241" cy="2514600"/>
           </a:xfrm>
           <a:prstGeom prst="rect">
             <a:avLst/>
@@ -5445,8 +5319,8 @@
         </p:nvSpPr>
         <p:spPr>
           <a:xfrm>
-            <a:off x="4876800" y="1981200"/>
-            <a:ext cx="3962400" cy="1200329"/>
+            <a:off x="4724400" y="1905000"/>
+            <a:ext cx="3810000" cy="923330"/>
           </a:xfrm>
           <a:prstGeom prst="rect">
             <a:avLst/>
@@ -5461,7 +5335,7 @@
           <a:p>
             <a:r>
               <a:rPr lang="en-US" dirty="0"/>
-              <a:t>The user attempts to create a Simulation with a Queue of -500 which violates the &lt;0 rule that it has applied to it.</a:t>
+              <a:t>The Error message that will appear to prompt the user to re ender their details and then try again</a:t>
             </a:r>
           </a:p>
         </p:txBody>
@@ -5469,7 +5343,7 @@
     </p:spTree>
     <p:extLst>
       <p:ext uri="{BB962C8B-B14F-4D97-AF65-F5344CB8AC3E}">
-        <p14:creationId xmlns:p14="http://schemas.microsoft.com/office/powerpoint/2010/main" val="2885466074"/>
+        <p14:creationId xmlns:p14="http://schemas.microsoft.com/office/powerpoint/2010/main" val="3431644035"/>
       </p:ext>
     </p:extLst>
   </p:cSld>
@@ -5513,28 +5387,59 @@
           <a:p>
             <a:r>
               <a:rPr lang="en-AU" altLang="en-US" dirty="0"/>
-              <a:t>Test 1 Error Screen Shot 2 </a:t>
-            </a:r>
+              <a:t>Test 2 Input Screen Shot </a:t>
+            </a:r>
+          </a:p>
+        </p:txBody>
+      </p:sp>
+      <p:sp>
+        <p:nvSpPr>
+          <p:cNvPr id="4" name="TextBox 3"/>
+          <p:cNvSpPr txBox="1"/>
+          <p:nvPr/>
+        </p:nvSpPr>
+        <p:spPr>
+          <a:xfrm>
+            <a:off x="0" y="5847058"/>
+            <a:ext cx="9144000" cy="923330"/>
+          </a:xfrm>
+          <a:prstGeom prst="rect">
+            <a:avLst/>
+          </a:prstGeom>
+          <a:noFill/>
+        </p:spPr>
+        <p:txBody>
+          <a:bodyPr wrap="square" rtlCol="0">
+            <a:spAutoFit/>
+          </a:bodyPr>
+          <a:lstStyle/>
+          <a:p>
+            <a:r>
+              <a:rPr lang="en-US" i="1" dirty="0"/>
+              <a:t>meanDailyBookings=1300.0, sdDailyBookings=429.0, seed=100, firstProb=0.03, businessProb=0.14, premiumProb=0.13, economyProb=0.7, maxQueueSize=0, cancellationProb=1.0] </a:t>
+            </a:r>
+            <a:endParaRPr lang="en-US" dirty="0"/>
           </a:p>
         </p:txBody>
       </p:sp>
       <p:pic>
         <p:nvPicPr>
-          <p:cNvPr id="4" name="Picture 3"/>
+          <p:cNvPr id="6" name="Picture 5"/>
           <p:cNvPicPr>
             <a:picLocks noChangeAspect="1"/>
           </p:cNvPicPr>
           <p:nvPr/>
         </p:nvPicPr>
-        <p:blipFill rotWithShape="1">
+        <p:blipFill>
           <a:blip r:embed="rId2"/>
-          <a:srcRect l="993" t="1099" r="2318" b="3056"/>
-          <a:stretch/>
+          <a:stretch>
+            <a:fillRect/>
+          </a:stretch>
         </p:blipFill>
         <p:spPr>
           <a:xfrm>
-            <a:off x="457200" y="1905000"/>
-            <a:ext cx="3746241" cy="2514600"/>
+            <a:off x="494930" y="2133600"/>
+            <a:ext cx="3851071" cy="2582715"/>
           </a:xfrm>
           <a:prstGeom prst="rect">
             <a:avLst/>
@@ -5543,14 +5448,14 @@
       </p:pic>
       <p:sp>
         <p:nvSpPr>
-          <p:cNvPr id="5" name="TextBox 4"/>
+          <p:cNvPr id="2" name="TextBox 1"/>
           <p:cNvSpPr txBox="1"/>
           <p:nvPr/>
         </p:nvSpPr>
         <p:spPr>
           <a:xfrm>
-            <a:off x="0" y="5847058"/>
-            <a:ext cx="9144000" cy="923330"/>
+            <a:off x="4495800" y="2209800"/>
+            <a:ext cx="4118394" cy="923330"/>
           </a:xfrm>
           <a:prstGeom prst="rect">
             <a:avLst/>
@@ -5564,38 +5469,8 @@
           <a:lstStyle/>
           <a:p>
             <a:r>
-              <a:rPr lang="en-US" i="1" dirty="0"/>
-              <a:t>[meanDailyBookings=-500, sdDailyBookings=mean*0.33, seed=100, firstProb=0.03, businessProb=0.14, premiumProb=0.13, economyProb=0.7, maxQueueSize=500, cancellationProb=0.1] </a:t>
-            </a:r>
-            <a:endParaRPr lang="en-US" dirty="0"/>
-          </a:p>
-        </p:txBody>
-      </p:sp>
-      <p:sp>
-        <p:nvSpPr>
-          <p:cNvPr id="2" name="TextBox 1"/>
-          <p:cNvSpPr txBox="1"/>
-          <p:nvPr/>
-        </p:nvSpPr>
-        <p:spPr>
-          <a:xfrm>
-            <a:off x="4724400" y="1905000"/>
-            <a:ext cx="3810000" cy="923330"/>
-          </a:xfrm>
-          <a:prstGeom prst="rect">
-            <a:avLst/>
-          </a:prstGeom>
-          <a:noFill/>
-        </p:spPr>
-        <p:txBody>
-          <a:bodyPr wrap="square" rtlCol="0">
-            <a:spAutoFit/>
-          </a:bodyPr>
-          <a:lstStyle/>
-          <a:p>
-            <a:r>
               <a:rPr lang="en-US" dirty="0"/>
-              <a:t>The Error message that will appear to prompt the user to re ender their details and then try again</a:t>
+              <a:t>The User provides valid values in all the fields, therefore the simulation should run error free</a:t>
             </a:r>
           </a:p>
         </p:txBody>
@@ -5603,7 +5478,7 @@
     </p:spTree>
     <p:extLst>
       <p:ext uri="{BB962C8B-B14F-4D97-AF65-F5344CB8AC3E}">
-        <p14:creationId xmlns:p14="http://schemas.microsoft.com/office/powerpoint/2010/main" val="3431644035"/>
+        <p14:creationId xmlns:p14="http://schemas.microsoft.com/office/powerpoint/2010/main" val="952149188"/>
       </p:ext>
     </p:extLst>
   </p:cSld>
@@ -5647,14 +5522,14 @@
           <a:p>
             <a:r>
               <a:rPr lang="en-AU" altLang="en-US" dirty="0"/>
-              <a:t>Test 2 Input Screen Shot </a:t>
-            </a:r>
-          </a:p>
-        </p:txBody>
-      </p:sp>
-      <p:sp>
-        <p:nvSpPr>
-          <p:cNvPr id="4" name="TextBox 3"/>
+              <a:t>Test 2 Output Screen Shot </a:t>
+            </a:r>
+          </a:p>
+        </p:txBody>
+      </p:sp>
+      <p:sp>
+        <p:nvSpPr>
+          <p:cNvPr id="5" name="TextBox 4"/>
           <p:cNvSpPr txBox="1"/>
           <p:nvPr/>
         </p:nvSpPr>
@@ -5684,7 +5559,7 @@
       </p:sp>
       <p:pic>
         <p:nvPicPr>
-          <p:cNvPr id="6" name="Picture 5"/>
+          <p:cNvPr id="2" name="Picture 1"/>
           <p:cNvPicPr>
             <a:picLocks noChangeAspect="1"/>
           </p:cNvPicPr>
@@ -5698,8 +5573,8 @@
         </p:blipFill>
         <p:spPr>
           <a:xfrm>
-            <a:off x="494930" y="2133600"/>
-            <a:ext cx="3851071" cy="2582715"/>
+            <a:off x="381000" y="2057400"/>
+            <a:ext cx="4786300" cy="3209925"/>
           </a:xfrm>
           <a:prstGeom prst="rect">
             <a:avLst/>
@@ -5708,14 +5583,14 @@
       </p:pic>
       <p:sp>
         <p:nvSpPr>
-          <p:cNvPr id="2" name="TextBox 1"/>
+          <p:cNvPr id="3" name="TextBox 2"/>
           <p:cNvSpPr txBox="1"/>
           <p:nvPr/>
         </p:nvSpPr>
         <p:spPr>
           <a:xfrm>
-            <a:off x="4495800" y="2209800"/>
-            <a:ext cx="4118394" cy="923330"/>
+            <a:off x="5304014" y="2286000"/>
+            <a:ext cx="3535185" cy="1200329"/>
           </a:xfrm>
           <a:prstGeom prst="rect">
             <a:avLst/>
@@ -5730,7 +5605,7 @@
           <a:p>
             <a:r>
               <a:rPr lang="en-US" dirty="0"/>
-              <a:t>The User provides valid values in all the fields, therefore the simulation should run error free</a:t>
+              <a:t>The Graph that is created from the provided parameters. Note that the “Show Logs” &amp; “Switch Charts” Buttons are now active</a:t>
             </a:r>
           </a:p>
         </p:txBody>
@@ -5738,7 +5613,7 @@
     </p:spTree>
     <p:extLst>
       <p:ext uri="{BB962C8B-B14F-4D97-AF65-F5344CB8AC3E}">
-        <p14:creationId xmlns:p14="http://schemas.microsoft.com/office/powerpoint/2010/main" val="952149188"/>
+        <p14:creationId xmlns:p14="http://schemas.microsoft.com/office/powerpoint/2010/main" val="2052864365"/>
       </p:ext>
     </p:extLst>
   </p:cSld>
@@ -5782,44 +5657,14 @@
           <a:p>
             <a:r>
               <a:rPr lang="en-AU" altLang="en-US" dirty="0"/>
-              <a:t>Test 2 Output Screen Shot </a:t>
-            </a:r>
-          </a:p>
-        </p:txBody>
-      </p:sp>
-      <p:sp>
-        <p:nvSpPr>
-          <p:cNvPr id="5" name="TextBox 4"/>
-          <p:cNvSpPr txBox="1"/>
-          <p:nvPr/>
-        </p:nvSpPr>
-        <p:spPr>
-          <a:xfrm>
-            <a:off x="0" y="5847058"/>
-            <a:ext cx="9144000" cy="923330"/>
-          </a:xfrm>
-          <a:prstGeom prst="rect">
-            <a:avLst/>
-          </a:prstGeom>
-          <a:noFill/>
-        </p:spPr>
-        <p:txBody>
-          <a:bodyPr wrap="square" rtlCol="0">
-            <a:spAutoFit/>
-          </a:bodyPr>
-          <a:lstStyle/>
-          <a:p>
-            <a:r>
-              <a:rPr lang="en-US" i="1" dirty="0"/>
-              <a:t>meanDailyBookings=1300.0, sdDailyBookings=429.0, seed=100, firstProb=0.03, businessProb=0.14, premiumProb=0.13, economyProb=0.7, maxQueueSize=0, cancellationProb=1.0] </a:t>
-            </a:r>
-            <a:endParaRPr lang="en-US" dirty="0"/>
+              <a:t>Test 3 Input Screen Shot </a:t>
+            </a:r>
           </a:p>
         </p:txBody>
       </p:sp>
       <p:pic>
         <p:nvPicPr>
-          <p:cNvPr id="2" name="Picture 1"/>
+          <p:cNvPr id="4" name="Picture 3"/>
           <p:cNvPicPr>
             <a:picLocks noChangeAspect="1"/>
           </p:cNvPicPr>
@@ -5833,8 +5678,8 @@
         </p:blipFill>
         <p:spPr>
           <a:xfrm>
-            <a:off x="381000" y="2057400"/>
-            <a:ext cx="4786300" cy="3209925"/>
+            <a:off x="381000" y="1905000"/>
+            <a:ext cx="3522263" cy="2362200"/>
           </a:xfrm>
           <a:prstGeom prst="rect">
             <a:avLst/>
@@ -5843,14 +5688,14 @@
       </p:pic>
       <p:sp>
         <p:nvSpPr>
-          <p:cNvPr id="3" name="TextBox 2"/>
+          <p:cNvPr id="5" name="TextBox 4"/>
           <p:cNvSpPr txBox="1"/>
           <p:nvPr/>
         </p:nvSpPr>
         <p:spPr>
           <a:xfrm>
-            <a:off x="5304014" y="2286000"/>
-            <a:ext cx="3535185" cy="1200329"/>
+            <a:off x="0" y="5847058"/>
+            <a:ext cx="9144000" cy="923330"/>
           </a:xfrm>
           <a:prstGeom prst="rect">
             <a:avLst/>
@@ -5864,8 +5709,38 @@
           <a:lstStyle/>
           <a:p>
             <a:r>
+              <a:rPr lang="en-US" i="1" dirty="0"/>
+              <a:t>meanDailyBookings=1300.0, sdDailyBookings=429.0, seed=100, firstProb=0.03, businessProb=0.14, premiumProb=0.13, economyProb=0.7, maxQueueSize=500, cancellationProb=0] </a:t>
+            </a:r>
+            <a:endParaRPr lang="en-US" dirty="0"/>
+          </a:p>
+        </p:txBody>
+      </p:sp>
+      <p:sp>
+        <p:nvSpPr>
+          <p:cNvPr id="3" name="TextBox 2"/>
+          <p:cNvSpPr txBox="1"/>
+          <p:nvPr/>
+        </p:nvSpPr>
+        <p:spPr>
+          <a:xfrm>
+            <a:off x="4191000" y="1981200"/>
+            <a:ext cx="4648200" cy="923330"/>
+          </a:xfrm>
+          <a:prstGeom prst="rect">
+            <a:avLst/>
+          </a:prstGeom>
+          <a:noFill/>
+        </p:spPr>
+        <p:txBody>
+          <a:bodyPr wrap="square" rtlCol="0">
+            <a:spAutoFit/>
+          </a:bodyPr>
+          <a:lstStyle/>
+          <a:p>
+            <a:r>
               <a:rPr lang="en-US" dirty="0"/>
-              <a:t>The Graph that is created from the provided parameters. Note that the “Show Logs” &amp; “Switch Charts” Buttons are now active</a:t>
+              <a:t>Another Successful parameter Set where the user has changed the Cancelation Probability to 0%</a:t>
             </a:r>
           </a:p>
         </p:txBody>
@@ -5873,7 +5748,7 @@
     </p:spTree>
     <p:extLst>
       <p:ext uri="{BB962C8B-B14F-4D97-AF65-F5344CB8AC3E}">
-        <p14:creationId xmlns:p14="http://schemas.microsoft.com/office/powerpoint/2010/main" val="2052864365"/>
+        <p14:creationId xmlns:p14="http://schemas.microsoft.com/office/powerpoint/2010/main" val="4059531294"/>
       </p:ext>
     </p:extLst>
   </p:cSld>
@@ -5917,14 +5792,14 @@
           <a:p>
             <a:r>
               <a:rPr lang="en-AU" altLang="en-US" dirty="0"/>
-              <a:t>Test 3 Input Screen Shot </a:t>
+              <a:t>Test 3 Output Screen Shot </a:t>
             </a:r>
           </a:p>
         </p:txBody>
       </p:sp>
       <p:pic>
         <p:nvPicPr>
-          <p:cNvPr id="4" name="Picture 3"/>
+          <p:cNvPr id="3" name="Picture 2"/>
           <p:cNvPicPr>
             <a:picLocks noChangeAspect="1"/>
           </p:cNvPicPr>
@@ -5938,8 +5813,8 @@
         </p:blipFill>
         <p:spPr>
           <a:xfrm>
-            <a:off x="381000" y="1905000"/>
-            <a:ext cx="3522263" cy="2362200"/>
+            <a:off x="1781175" y="1557337"/>
+            <a:ext cx="5581650" cy="3743325"/>
           </a:xfrm>
           <a:prstGeom prst="rect">
             <a:avLst/>
@@ -5948,7 +5823,7 @@
       </p:pic>
       <p:sp>
         <p:nvSpPr>
-          <p:cNvPr id="5" name="TextBox 4"/>
+          <p:cNvPr id="4" name="TextBox 3"/>
           <p:cNvSpPr txBox="1"/>
           <p:nvPr/>
         </p:nvSpPr>
@@ -5976,39 +5851,10 @@
           </a:p>
         </p:txBody>
       </p:sp>
-      <p:sp>
-        <p:nvSpPr>
-          <p:cNvPr id="3" name="TextBox 2"/>
-          <p:cNvSpPr txBox="1"/>
-          <p:nvPr/>
-        </p:nvSpPr>
-        <p:spPr>
-          <a:xfrm>
-            <a:off x="4191000" y="1981200"/>
-            <a:ext cx="4648200" cy="923330"/>
-          </a:xfrm>
-          <a:prstGeom prst="rect">
-            <a:avLst/>
-          </a:prstGeom>
-          <a:noFill/>
-        </p:spPr>
-        <p:txBody>
-          <a:bodyPr wrap="square" rtlCol="0">
-            <a:spAutoFit/>
-          </a:bodyPr>
-          <a:lstStyle/>
-          <a:p>
-            <a:r>
-              <a:rPr lang="en-US" dirty="0"/>
-              <a:t>Another Successful parameter Set where the user has changed the Cancelation Probability to 0%</a:t>
-            </a:r>
-          </a:p>
-        </p:txBody>
-      </p:sp>
     </p:spTree>
     <p:extLst>
       <p:ext uri="{BB962C8B-B14F-4D97-AF65-F5344CB8AC3E}">
-        <p14:creationId xmlns:p14="http://schemas.microsoft.com/office/powerpoint/2010/main" val="4059531294"/>
+        <p14:creationId xmlns:p14="http://schemas.microsoft.com/office/powerpoint/2010/main" val="3187396916"/>
       </p:ext>
     </p:extLst>
   </p:cSld>
